--- a/pics/2020-10-21-Savitzky_Golay/pics.pptx
+++ b/pics/2020-10-21-Savitzky_Golay/pics.pptx
@@ -6,6 +6,7 @@
   </p:sldMasterIdLst>
   <p:sldIdLst>
     <p:sldId id="256" r:id="rId2"/>
+    <p:sldId id="257" r:id="rId3"/>
   </p:sldIdLst>
   <p:sldSz cx="12192000" cy="6858000"/>
   <p:notesSz cx="6858000" cy="9144000"/>
@@ -104,6 +105,11 @@
       </a:defRPr>
     </a:lvl9pPr>
   </p:defaultTextStyle>
+  <p:extLst>
+    <p:ext uri="{EFAFB233-063F-42B5-8137-9DF3F51BA10A}">
+      <p15:sldGuideLst xmlns:p15="http://schemas.microsoft.com/office/powerpoint/2012/main"/>
+    </p:ext>
+  </p:extLst>
 </p:presentation>
 </file>
 
@@ -3529,6 +3535,584 @@
 </p:sld>
 </file>
 
+<file path=ppt/slides/slide2.xml><?xml version="1.0" encoding="utf-8"?>
+<p:sld xmlns:a="http://schemas.openxmlformats.org/drawingml/2006/main" xmlns:r="http://schemas.openxmlformats.org/officeDocument/2006/relationships" xmlns:p="http://schemas.openxmlformats.org/presentationml/2006/main">
+  <p:cSld>
+    <p:spTree>
+      <p:nvGrpSpPr>
+        <p:cNvPr id="1" name=""/>
+        <p:cNvGrpSpPr/>
+        <p:nvPr/>
+      </p:nvGrpSpPr>
+      <p:grpSpPr>
+        <a:xfrm>
+          <a:off x="0" y="0"/>
+          <a:ext cx="0" cy="0"/>
+          <a:chOff x="0" y="0"/>
+          <a:chExt cx="0" cy="0"/>
+        </a:xfrm>
+      </p:grpSpPr>
+      <p:pic>
+        <p:nvPicPr>
+          <p:cNvPr id="4" name="그림 3">
+            <a:extLst>
+              <a:ext uri="{FF2B5EF4-FFF2-40B4-BE49-F238E27FC236}">
+                <a16:creationId xmlns:a16="http://schemas.microsoft.com/office/drawing/2014/main" id="{E9BF00B2-4A52-4D35-962C-C6EF76ED44B3}"/>
+              </a:ext>
+            </a:extLst>
+          </p:cNvPr>
+          <p:cNvPicPr>
+            <a:picLocks noChangeAspect="1"/>
+          </p:cNvPicPr>
+          <p:nvPr/>
+        </p:nvPicPr>
+        <p:blipFill>
+          <a:blip r:embed="rId2"/>
+          <a:stretch>
+            <a:fillRect/>
+          </a:stretch>
+        </p:blipFill>
+        <p:spPr>
+          <a:xfrm>
+            <a:off x="2760133" y="927100"/>
+            <a:ext cx="6671734" cy="5003800"/>
+          </a:xfrm>
+          <a:prstGeom prst="rect">
+            <a:avLst/>
+          </a:prstGeom>
+        </p:spPr>
+      </p:pic>
+      <p:sp>
+        <p:nvSpPr>
+          <p:cNvPr id="5" name="직사각형 4">
+            <a:extLst>
+              <a:ext uri="{FF2B5EF4-FFF2-40B4-BE49-F238E27FC236}">
+                <a16:creationId xmlns:a16="http://schemas.microsoft.com/office/drawing/2014/main" id="{496A2524-A635-4FBD-A399-6F39899147AC}"/>
+              </a:ext>
+            </a:extLst>
+          </p:cNvPr>
+          <p:cNvSpPr/>
+          <p:nvPr/>
+        </p:nvSpPr>
+        <p:spPr>
+          <a:xfrm>
+            <a:off x="3725334" y="2269067"/>
+            <a:ext cx="1354666" cy="711200"/>
+          </a:xfrm>
+          <a:prstGeom prst="rect">
+            <a:avLst/>
+          </a:prstGeom>
+          <a:solidFill>
+            <a:schemeClr val="accent6">
+              <a:lumMod val="60000"/>
+              <a:lumOff val="40000"/>
+              <a:alpha val="30000"/>
+            </a:schemeClr>
+          </a:solidFill>
+          <a:ln>
+            <a:noFill/>
+          </a:ln>
+        </p:spPr>
+        <p:style>
+          <a:lnRef idx="2">
+            <a:schemeClr val="accent1">
+              <a:shade val="50000"/>
+            </a:schemeClr>
+          </a:lnRef>
+          <a:fillRef idx="1">
+            <a:schemeClr val="accent1"/>
+          </a:fillRef>
+          <a:effectRef idx="0">
+            <a:schemeClr val="accent1"/>
+          </a:effectRef>
+          <a:fontRef idx="minor">
+            <a:schemeClr val="lt1"/>
+          </a:fontRef>
+        </p:style>
+        <p:txBody>
+          <a:bodyPr rtlCol="0" anchor="ctr"/>
+          <a:lstStyle/>
+          <a:p>
+            <a:pPr algn="ctr"/>
+            <a:endParaRPr lang="ko-KR" altLang="en-US"/>
+          </a:p>
+        </p:txBody>
+      </p:sp>
+      <p:cxnSp>
+        <p:nvCxnSpPr>
+          <p:cNvPr id="7" name="직선 화살표 연결선 6">
+            <a:extLst>
+              <a:ext uri="{FF2B5EF4-FFF2-40B4-BE49-F238E27FC236}">
+                <a16:creationId xmlns:a16="http://schemas.microsoft.com/office/drawing/2014/main" id="{E1690EAD-B4C2-403B-B705-CB53CF1E16A5}"/>
+              </a:ext>
+            </a:extLst>
+          </p:cNvPr>
+          <p:cNvCxnSpPr>
+            <a:cxnSpLocks/>
+          </p:cNvCxnSpPr>
+          <p:nvPr/>
+        </p:nvCxnSpPr>
+        <p:spPr>
+          <a:xfrm>
+            <a:off x="4923614" y="2965027"/>
+            <a:ext cx="0" cy="1998133"/>
+          </a:xfrm>
+          <a:prstGeom prst="straightConnector1">
+            <a:avLst/>
+          </a:prstGeom>
+          <a:ln w="12700">
+            <a:solidFill>
+              <a:schemeClr val="tx1"/>
+            </a:solidFill>
+            <a:prstDash val="dash"/>
+            <a:tailEnd type="triangle"/>
+          </a:ln>
+        </p:spPr>
+        <p:style>
+          <a:lnRef idx="1">
+            <a:schemeClr val="accent1"/>
+          </a:lnRef>
+          <a:fillRef idx="0">
+            <a:schemeClr val="accent1"/>
+          </a:fillRef>
+          <a:effectRef idx="0">
+            <a:schemeClr val="accent1"/>
+          </a:effectRef>
+          <a:fontRef idx="minor">
+            <a:schemeClr val="tx1"/>
+          </a:fontRef>
+        </p:style>
+      </p:cxnSp>
+      <p:sp>
+        <p:nvSpPr>
+          <p:cNvPr id="9" name="TextBox 8">
+            <a:extLst>
+              <a:ext uri="{FF2B5EF4-FFF2-40B4-BE49-F238E27FC236}">
+                <a16:creationId xmlns:a16="http://schemas.microsoft.com/office/drawing/2014/main" id="{34032B2F-BAE1-41C6-9CC7-0D86388A901F}"/>
+              </a:ext>
+            </a:extLst>
+          </p:cNvPr>
+          <p:cNvSpPr txBox="1"/>
+          <p:nvPr/>
+        </p:nvSpPr>
+        <p:spPr>
+          <a:xfrm>
+            <a:off x="3874087" y="1843101"/>
+            <a:ext cx="1057147" cy="369332"/>
+          </a:xfrm>
+          <a:prstGeom prst="rect">
+            <a:avLst/>
+          </a:prstGeom>
+          <a:noFill/>
+        </p:spPr>
+        <p:txBody>
+          <a:bodyPr wrap="square" rtlCol="0">
+            <a:spAutoFit/>
+          </a:bodyPr>
+          <a:lstStyle/>
+          <a:p>
+            <a:pPr algn="ctr"/>
+            <a:r>
+              <a:rPr lang="en-US" altLang="ko-KR" dirty="0"/>
+              <a:t>window</a:t>
+            </a:r>
+            <a:endParaRPr lang="ko-KR" altLang="en-US" dirty="0"/>
+          </a:p>
+        </p:txBody>
+      </p:sp>
+      <p:sp>
+        <p:nvSpPr>
+          <p:cNvPr id="10" name="왼쪽 중괄호 9">
+            <a:extLst>
+              <a:ext uri="{FF2B5EF4-FFF2-40B4-BE49-F238E27FC236}">
+                <a16:creationId xmlns:a16="http://schemas.microsoft.com/office/drawing/2014/main" id="{270A0127-B490-4760-9ABD-502961FD32F8}"/>
+              </a:ext>
+            </a:extLst>
+          </p:cNvPr>
+          <p:cNvSpPr/>
+          <p:nvPr/>
+        </p:nvSpPr>
+        <p:spPr>
+          <a:xfrm rot="5400000">
+            <a:off x="4348475" y="1537548"/>
+            <a:ext cx="108373" cy="1354665"/>
+          </a:xfrm>
+          <a:prstGeom prst="leftBrace">
+            <a:avLst>
+              <a:gd name="adj1" fmla="val 69857"/>
+              <a:gd name="adj2" fmla="val 50000"/>
+            </a:avLst>
+          </a:prstGeom>
+          <a:ln>
+            <a:solidFill>
+              <a:schemeClr val="tx1"/>
+            </a:solidFill>
+          </a:ln>
+        </p:spPr>
+        <p:style>
+          <a:lnRef idx="1">
+            <a:schemeClr val="accent1"/>
+          </a:lnRef>
+          <a:fillRef idx="0">
+            <a:schemeClr val="accent1"/>
+          </a:fillRef>
+          <a:effectRef idx="0">
+            <a:schemeClr val="accent1"/>
+          </a:effectRef>
+          <a:fontRef idx="minor">
+            <a:schemeClr val="tx1"/>
+          </a:fontRef>
+        </p:style>
+        <p:txBody>
+          <a:bodyPr rtlCol="0" anchor="ctr"/>
+          <a:lstStyle/>
+          <a:p>
+            <a:pPr algn="ctr"/>
+            <a:endParaRPr lang="ko-KR" altLang="en-US"/>
+          </a:p>
+        </p:txBody>
+      </p:sp>
+      <p:sp>
+        <p:nvSpPr>
+          <p:cNvPr id="11" name="TextBox 10">
+            <a:extLst>
+              <a:ext uri="{FF2B5EF4-FFF2-40B4-BE49-F238E27FC236}">
+                <a16:creationId xmlns:a16="http://schemas.microsoft.com/office/drawing/2014/main" id="{B7E18635-2B06-4296-8256-273EC324408C}"/>
+              </a:ext>
+            </a:extLst>
+          </p:cNvPr>
+          <p:cNvSpPr txBox="1"/>
+          <p:nvPr/>
+        </p:nvSpPr>
+        <p:spPr>
+          <a:xfrm>
+            <a:off x="3797894" y="3952902"/>
+            <a:ext cx="1057147" cy="369332"/>
+          </a:xfrm>
+          <a:prstGeom prst="rect">
+            <a:avLst/>
+          </a:prstGeom>
+          <a:noFill/>
+        </p:spPr>
+        <p:txBody>
+          <a:bodyPr wrap="square" rtlCol="0">
+            <a:spAutoFit/>
+          </a:bodyPr>
+          <a:lstStyle/>
+          <a:p>
+            <a:pPr algn="ctr"/>
+            <a:r>
+              <a:rPr lang="ko-KR" altLang="en-US"/>
+              <a:t>평균값</a:t>
+            </a:r>
+            <a:endParaRPr lang="ko-KR" altLang="en-US" dirty="0"/>
+          </a:p>
+        </p:txBody>
+      </p:sp>
+      <p:sp>
+        <p:nvSpPr>
+          <p:cNvPr id="12" name="직사각형 11">
+            <a:extLst>
+              <a:ext uri="{FF2B5EF4-FFF2-40B4-BE49-F238E27FC236}">
+                <a16:creationId xmlns:a16="http://schemas.microsoft.com/office/drawing/2014/main" id="{AD54B500-41C7-44BA-BEBA-72CB5D7F99C9}"/>
+              </a:ext>
+            </a:extLst>
+          </p:cNvPr>
+          <p:cNvSpPr/>
+          <p:nvPr/>
+        </p:nvSpPr>
+        <p:spPr>
+          <a:xfrm>
+            <a:off x="5826884" y="1805094"/>
+            <a:ext cx="1354666" cy="711200"/>
+          </a:xfrm>
+          <a:prstGeom prst="rect">
+            <a:avLst/>
+          </a:prstGeom>
+          <a:solidFill>
+            <a:schemeClr val="accent6">
+              <a:lumMod val="60000"/>
+              <a:lumOff val="40000"/>
+              <a:alpha val="30000"/>
+            </a:schemeClr>
+          </a:solidFill>
+          <a:ln>
+            <a:noFill/>
+          </a:ln>
+        </p:spPr>
+        <p:style>
+          <a:lnRef idx="2">
+            <a:schemeClr val="accent1">
+              <a:shade val="50000"/>
+            </a:schemeClr>
+          </a:lnRef>
+          <a:fillRef idx="1">
+            <a:schemeClr val="accent1"/>
+          </a:fillRef>
+          <a:effectRef idx="0">
+            <a:schemeClr val="accent1"/>
+          </a:effectRef>
+          <a:fontRef idx="minor">
+            <a:schemeClr val="lt1"/>
+          </a:fontRef>
+        </p:style>
+        <p:txBody>
+          <a:bodyPr rtlCol="0" anchor="ctr"/>
+          <a:lstStyle/>
+          <a:p>
+            <a:pPr algn="ctr"/>
+            <a:endParaRPr lang="ko-KR" altLang="en-US"/>
+          </a:p>
+        </p:txBody>
+      </p:sp>
+      <p:cxnSp>
+        <p:nvCxnSpPr>
+          <p:cNvPr id="13" name="직선 화살표 연결선 12">
+            <a:extLst>
+              <a:ext uri="{FF2B5EF4-FFF2-40B4-BE49-F238E27FC236}">
+                <a16:creationId xmlns:a16="http://schemas.microsoft.com/office/drawing/2014/main" id="{81AD0613-859B-46F5-A312-13C74944045F}"/>
+              </a:ext>
+            </a:extLst>
+          </p:cNvPr>
+          <p:cNvCxnSpPr>
+            <a:cxnSpLocks/>
+          </p:cNvCxnSpPr>
+          <p:nvPr/>
+        </p:nvCxnSpPr>
+        <p:spPr>
+          <a:xfrm>
+            <a:off x="6991050" y="2516294"/>
+            <a:ext cx="0" cy="1998133"/>
+          </a:xfrm>
+          <a:prstGeom prst="straightConnector1">
+            <a:avLst/>
+          </a:prstGeom>
+          <a:ln w="12700">
+            <a:solidFill>
+              <a:schemeClr val="tx1"/>
+            </a:solidFill>
+            <a:prstDash val="dash"/>
+            <a:tailEnd type="triangle"/>
+          </a:ln>
+        </p:spPr>
+        <p:style>
+          <a:lnRef idx="1">
+            <a:schemeClr val="accent1"/>
+          </a:lnRef>
+          <a:fillRef idx="0">
+            <a:schemeClr val="accent1"/>
+          </a:fillRef>
+          <a:effectRef idx="0">
+            <a:schemeClr val="accent1"/>
+          </a:effectRef>
+          <a:fontRef idx="minor">
+            <a:schemeClr val="tx1"/>
+          </a:fontRef>
+        </p:style>
+      </p:cxnSp>
+      <mc:AlternateContent xmlns:mc="http://schemas.openxmlformats.org/markup-compatibility/2006">
+        <mc:Choice xmlns:a14="http://schemas.microsoft.com/office/drawing/2010/main" Requires="a14">
+          <p:sp>
+            <p:nvSpPr>
+              <p:cNvPr id="14" name="TextBox 13">
+                <a:extLst>
+                  <a:ext uri="{FF2B5EF4-FFF2-40B4-BE49-F238E27FC236}">
+                    <a16:creationId xmlns:a16="http://schemas.microsoft.com/office/drawing/2014/main" id="{90396817-BB8D-4DD2-9CEC-88E201BF9325}"/>
+                  </a:ext>
+                </a:extLst>
+              </p:cNvPr>
+              <p:cNvSpPr txBox="1"/>
+              <p:nvPr/>
+            </p:nvSpPr>
+            <p:spPr>
+              <a:xfrm rot="20622542">
+                <a:off x="5221642" y="1976028"/>
+                <a:ext cx="463588" cy="369332"/>
+              </a:xfrm>
+              <a:prstGeom prst="rect">
+                <a:avLst/>
+              </a:prstGeom>
+              <a:noFill/>
+            </p:spPr>
+            <p:txBody>
+              <a:bodyPr wrap="none" rtlCol="0">
+                <a:spAutoFit/>
+              </a:bodyPr>
+              <a:lstStyle/>
+              <a:p>
+                <a14:m>
+                  <m:oMathPara xmlns:m="http://schemas.openxmlformats.org/officeDocument/2006/math">
+                    <m:oMathParaPr>
+                      <m:jc m:val="centerGroup"/>
+                    </m:oMathParaPr>
+                    <m:oMath xmlns:m="http://schemas.openxmlformats.org/officeDocument/2006/math">
+                      <m:r>
+                        <a:rPr lang="en-US" altLang="ko-KR" b="0" i="1" smtClean="0">
+                          <a:latin typeface="Cambria Math" panose="02040503050406030204" pitchFamily="18" charset="0"/>
+                        </a:rPr>
+                        <m:t>⋯</m:t>
+                      </m:r>
+                    </m:oMath>
+                  </m:oMathPara>
+                </a14:m>
+                <a:endParaRPr lang="ko-KR" altLang="en-US" dirty="0"/>
+              </a:p>
+            </p:txBody>
+          </p:sp>
+        </mc:Choice>
+        <mc:Fallback>
+          <p:sp>
+            <p:nvSpPr>
+              <p:cNvPr id="14" name="TextBox 13">
+                <a:extLst>
+                  <a:ext uri="{FF2B5EF4-FFF2-40B4-BE49-F238E27FC236}">
+                    <a16:creationId xmlns:a16="http://schemas.microsoft.com/office/drawing/2014/main" id="{90396817-BB8D-4DD2-9CEC-88E201BF9325}"/>
+                  </a:ext>
+                </a:extLst>
+              </p:cNvPr>
+              <p:cNvSpPr txBox="1">
+                <a:spLocks noRot="1" noChangeAspect="1" noMove="1" noResize="1" noEditPoints="1" noAdjustHandles="1" noChangeArrowheads="1" noChangeShapeType="1" noTextEdit="1"/>
+              </p:cNvSpPr>
+              <p:nvPr/>
+            </p:nvSpPr>
+            <p:spPr>
+              <a:xfrm rot="20622542">
+                <a:off x="5221642" y="1976028"/>
+                <a:ext cx="463588" cy="369332"/>
+              </a:xfrm>
+              <a:prstGeom prst="rect">
+                <a:avLst/>
+              </a:prstGeom>
+              <a:blipFill>
+                <a:blip r:embed="rId3"/>
+                <a:stretch>
+                  <a:fillRect/>
+                </a:stretch>
+              </a:blipFill>
+            </p:spPr>
+            <p:txBody>
+              <a:bodyPr/>
+              <a:lstStyle/>
+              <a:p>
+                <a:r>
+                  <a:rPr lang="ko-KR" altLang="en-US">
+                    <a:noFill/>
+                  </a:rPr>
+                  <a:t> </a:t>
+                </a:r>
+              </a:p>
+            </p:txBody>
+          </p:sp>
+        </mc:Fallback>
+      </mc:AlternateContent>
+      <mc:AlternateContent xmlns:mc="http://schemas.openxmlformats.org/markup-compatibility/2006">
+        <mc:Choice xmlns:a14="http://schemas.microsoft.com/office/drawing/2010/main" Requires="a14">
+          <p:sp>
+            <p:nvSpPr>
+              <p:cNvPr id="15" name="TextBox 14">
+                <a:extLst>
+                  <a:ext uri="{FF2B5EF4-FFF2-40B4-BE49-F238E27FC236}">
+                    <a16:creationId xmlns:a16="http://schemas.microsoft.com/office/drawing/2014/main" id="{32FFBECD-A747-4786-8272-74E2DC9750AE}"/>
+                  </a:ext>
+                </a:extLst>
+              </p:cNvPr>
+              <p:cNvSpPr txBox="1"/>
+              <p:nvPr/>
+            </p:nvSpPr>
+            <p:spPr>
+              <a:xfrm rot="20792925">
+                <a:off x="5796902" y="4137569"/>
+                <a:ext cx="463588" cy="369332"/>
+              </a:xfrm>
+              <a:prstGeom prst="rect">
+                <a:avLst/>
+              </a:prstGeom>
+              <a:noFill/>
+            </p:spPr>
+            <p:txBody>
+              <a:bodyPr wrap="none" rtlCol="0">
+                <a:spAutoFit/>
+              </a:bodyPr>
+              <a:lstStyle/>
+              <a:p>
+                <a14:m>
+                  <m:oMathPara xmlns:m="http://schemas.openxmlformats.org/officeDocument/2006/math">
+                    <m:oMathParaPr>
+                      <m:jc m:val="centerGroup"/>
+                    </m:oMathParaPr>
+                    <m:oMath xmlns:m="http://schemas.openxmlformats.org/officeDocument/2006/math">
+                      <m:r>
+                        <a:rPr lang="en-US" altLang="ko-KR" b="0" i="1" smtClean="0">
+                          <a:latin typeface="Cambria Math" panose="02040503050406030204" pitchFamily="18" charset="0"/>
+                        </a:rPr>
+                        <m:t>⋯</m:t>
+                      </m:r>
+                    </m:oMath>
+                  </m:oMathPara>
+                </a14:m>
+                <a:endParaRPr lang="ko-KR" altLang="en-US" dirty="0"/>
+              </a:p>
+            </p:txBody>
+          </p:sp>
+        </mc:Choice>
+        <mc:Fallback>
+          <p:sp>
+            <p:nvSpPr>
+              <p:cNvPr id="15" name="TextBox 14">
+                <a:extLst>
+                  <a:ext uri="{FF2B5EF4-FFF2-40B4-BE49-F238E27FC236}">
+                    <a16:creationId xmlns:a16="http://schemas.microsoft.com/office/drawing/2014/main" id="{32FFBECD-A747-4786-8272-74E2DC9750AE}"/>
+                  </a:ext>
+                </a:extLst>
+              </p:cNvPr>
+              <p:cNvSpPr txBox="1">
+                <a:spLocks noRot="1" noChangeAspect="1" noMove="1" noResize="1" noEditPoints="1" noAdjustHandles="1" noChangeArrowheads="1" noChangeShapeType="1" noTextEdit="1"/>
+              </p:cNvSpPr>
+              <p:nvPr/>
+            </p:nvSpPr>
+            <p:spPr>
+              <a:xfrm rot="20792925">
+                <a:off x="5796902" y="4137569"/>
+                <a:ext cx="463588" cy="369332"/>
+              </a:xfrm>
+              <a:prstGeom prst="rect">
+                <a:avLst/>
+              </a:prstGeom>
+              <a:blipFill>
+                <a:blip r:embed="rId4"/>
+                <a:stretch>
+                  <a:fillRect/>
+                </a:stretch>
+              </a:blipFill>
+            </p:spPr>
+            <p:txBody>
+              <a:bodyPr/>
+              <a:lstStyle/>
+              <a:p>
+                <a:r>
+                  <a:rPr lang="ko-KR" altLang="en-US">
+                    <a:noFill/>
+                  </a:rPr>
+                  <a:t> </a:t>
+                </a:r>
+              </a:p>
+            </p:txBody>
+          </p:sp>
+        </mc:Fallback>
+      </mc:AlternateContent>
+    </p:spTree>
+    <p:extLst>
+      <p:ext uri="{BB962C8B-B14F-4D97-AF65-F5344CB8AC3E}">
+        <p14:creationId xmlns:p14="http://schemas.microsoft.com/office/powerpoint/2010/main" val="1809981203"/>
+      </p:ext>
+    </p:extLst>
+  </p:cSld>
+  <p:clrMapOvr>
+    <a:masterClrMapping/>
+  </p:clrMapOvr>
+</p:sld>
+</file>
+
 <file path=ppt/theme/theme1.xml><?xml version="1.0" encoding="utf-8"?>
 <a:theme xmlns:a="http://schemas.openxmlformats.org/drawingml/2006/main" name="Office 테마">
   <a:themeElements>

--- a/pics/2020-10-21-Savitzky_Golay/pics.pptx
+++ b/pics/2020-10-21-Savitzky_Golay/pics.pptx
@@ -6,7 +6,9 @@
   </p:sldMasterIdLst>
   <p:sldIdLst>
     <p:sldId id="256" r:id="rId2"/>
-    <p:sldId id="257" r:id="rId3"/>
+    <p:sldId id="259" r:id="rId3"/>
+    <p:sldId id="258" r:id="rId4"/>
+    <p:sldId id="257" r:id="rId5"/>
   </p:sldIdLst>
   <p:sldSz cx="12192000" cy="6858000"/>
   <p:notesSz cx="6858000" cy="9144000"/>
@@ -3376,8 +3378,8 @@
         </p:nvSpPr>
         <p:spPr>
           <a:xfrm>
-            <a:off x="3805772" y="1456267"/>
-            <a:ext cx="4580453" cy="919401"/>
+            <a:off x="3962636" y="1456267"/>
+            <a:ext cx="4266725" cy="919401"/>
           </a:xfrm>
           <a:prstGeom prst="roundRect">
             <a:avLst/>
@@ -3406,7 +3408,7 @@
                 <a:latin typeface="궁서" panose="02030600000101010101" pitchFamily="18" charset="-127"/>
                 <a:ea typeface="궁서" panose="02030600000101010101" pitchFamily="18" charset="-127"/>
               </a:rPr>
-              <a:t>글씨를 부드럽게 써지게 해주는</a:t>
+              <a:t>글씨를 부드럽게 만들어 주는</a:t>
             </a:r>
             <a:endParaRPr lang="en-US" altLang="ko-KR" sz="2400" dirty="0">
               <a:solidFill>
@@ -3536,6 +3538,716 @@
 </file>
 
 <file path=ppt/slides/slide2.xml><?xml version="1.0" encoding="utf-8"?>
+<p:sld xmlns:a="http://schemas.openxmlformats.org/drawingml/2006/main" xmlns:r="http://schemas.openxmlformats.org/officeDocument/2006/relationships" xmlns:p="http://schemas.openxmlformats.org/presentationml/2006/main">
+  <p:cSld>
+    <p:spTree>
+      <p:nvGrpSpPr>
+        <p:cNvPr id="1" name=""/>
+        <p:cNvGrpSpPr/>
+        <p:nvPr/>
+      </p:nvGrpSpPr>
+      <p:grpSpPr>
+        <a:xfrm>
+          <a:off x="0" y="0"/>
+          <a:ext cx="0" cy="0"/>
+          <a:chOff x="0" y="0"/>
+          <a:chExt cx="0" cy="0"/>
+        </a:xfrm>
+      </p:grpSpPr>
+      <p:pic>
+        <p:nvPicPr>
+          <p:cNvPr id="4" name="그림 3">
+            <a:extLst>
+              <a:ext uri="{FF2B5EF4-FFF2-40B4-BE49-F238E27FC236}">
+                <a16:creationId xmlns:a16="http://schemas.microsoft.com/office/drawing/2014/main" id="{6F1C5C24-5F4D-4D7D-BACB-6E6CC9EE92D9}"/>
+              </a:ext>
+            </a:extLst>
+          </p:cNvPr>
+          <p:cNvPicPr>
+            <a:picLocks noChangeAspect="1"/>
+          </p:cNvPicPr>
+          <p:nvPr/>
+        </p:nvPicPr>
+        <p:blipFill>
+          <a:blip r:embed="rId2"/>
+          <a:stretch>
+            <a:fillRect/>
+          </a:stretch>
+        </p:blipFill>
+        <p:spPr>
+          <a:xfrm>
+            <a:off x="3429000" y="1428750"/>
+            <a:ext cx="5334000" cy="4000500"/>
+          </a:xfrm>
+          <a:prstGeom prst="rect">
+            <a:avLst/>
+          </a:prstGeom>
+        </p:spPr>
+      </p:pic>
+    </p:spTree>
+    <p:extLst>
+      <p:ext uri="{BB962C8B-B14F-4D97-AF65-F5344CB8AC3E}">
+        <p14:creationId xmlns:p14="http://schemas.microsoft.com/office/powerpoint/2010/main" val="1455124987"/>
+      </p:ext>
+    </p:extLst>
+  </p:cSld>
+  <p:clrMapOvr>
+    <a:masterClrMapping/>
+  </p:clrMapOvr>
+</p:sld>
+</file>
+
+<file path=ppt/slides/slide3.xml><?xml version="1.0" encoding="utf-8"?>
+<p:sld xmlns:a="http://schemas.openxmlformats.org/drawingml/2006/main" xmlns:r="http://schemas.openxmlformats.org/officeDocument/2006/relationships" xmlns:p="http://schemas.openxmlformats.org/presentationml/2006/main">
+  <p:cSld>
+    <p:spTree>
+      <p:nvGrpSpPr>
+        <p:cNvPr id="1" name=""/>
+        <p:cNvGrpSpPr/>
+        <p:nvPr/>
+      </p:nvGrpSpPr>
+      <p:grpSpPr>
+        <a:xfrm>
+          <a:off x="0" y="0"/>
+          <a:ext cx="0" cy="0"/>
+          <a:chOff x="0" y="0"/>
+          <a:chExt cx="0" cy="0"/>
+        </a:xfrm>
+      </p:grpSpPr>
+      <p:pic>
+        <p:nvPicPr>
+          <p:cNvPr id="4" name="그림 3">
+            <a:extLst>
+              <a:ext uri="{FF2B5EF4-FFF2-40B4-BE49-F238E27FC236}">
+                <a16:creationId xmlns:a16="http://schemas.microsoft.com/office/drawing/2014/main" id="{5882783E-0962-4F4D-993F-D9F921705337}"/>
+              </a:ext>
+            </a:extLst>
+          </p:cNvPr>
+          <p:cNvPicPr>
+            <a:picLocks noChangeAspect="1"/>
+          </p:cNvPicPr>
+          <p:nvPr/>
+        </p:nvPicPr>
+        <p:blipFill>
+          <a:blip r:embed="rId2"/>
+          <a:stretch>
+            <a:fillRect/>
+          </a:stretch>
+        </p:blipFill>
+        <p:spPr>
+          <a:xfrm>
+            <a:off x="-28536" y="1626713"/>
+            <a:ext cx="4140724" cy="3105543"/>
+          </a:xfrm>
+          <a:prstGeom prst="rect">
+            <a:avLst/>
+          </a:prstGeom>
+        </p:spPr>
+      </p:pic>
+      <p:pic>
+        <p:nvPicPr>
+          <p:cNvPr id="5" name="그림 4">
+            <a:extLst>
+              <a:ext uri="{FF2B5EF4-FFF2-40B4-BE49-F238E27FC236}">
+                <a16:creationId xmlns:a16="http://schemas.microsoft.com/office/drawing/2014/main" id="{12FA596F-8BC0-48BA-BF64-C0651BF85FF5}"/>
+              </a:ext>
+            </a:extLst>
+          </p:cNvPr>
+          <p:cNvPicPr>
+            <a:picLocks noChangeAspect="1"/>
+          </p:cNvPicPr>
+          <p:nvPr/>
+        </p:nvPicPr>
+        <p:blipFill>
+          <a:blip r:embed="rId3"/>
+          <a:stretch>
+            <a:fillRect/>
+          </a:stretch>
+        </p:blipFill>
+        <p:spPr>
+          <a:xfrm>
+            <a:off x="4462687" y="547131"/>
+            <a:ext cx="3266625" cy="2449969"/>
+          </a:xfrm>
+          <a:prstGeom prst="rect">
+            <a:avLst/>
+          </a:prstGeom>
+        </p:spPr>
+      </p:pic>
+      <p:pic>
+        <p:nvPicPr>
+          <p:cNvPr id="6" name="그림 5">
+            <a:extLst>
+              <a:ext uri="{FF2B5EF4-FFF2-40B4-BE49-F238E27FC236}">
+                <a16:creationId xmlns:a16="http://schemas.microsoft.com/office/drawing/2014/main" id="{71C94C89-4BDB-4611-A8AF-833123E5CC76}"/>
+              </a:ext>
+            </a:extLst>
+          </p:cNvPr>
+          <p:cNvPicPr>
+            <a:picLocks noChangeAspect="1"/>
+          </p:cNvPicPr>
+          <p:nvPr/>
+        </p:nvPicPr>
+        <p:blipFill>
+          <a:blip r:embed="rId4"/>
+          <a:stretch>
+            <a:fillRect/>
+          </a:stretch>
+        </p:blipFill>
+        <p:spPr>
+          <a:xfrm>
+            <a:off x="7994968" y="547132"/>
+            <a:ext cx="3266625" cy="2449969"/>
+          </a:xfrm>
+          <a:prstGeom prst="rect">
+            <a:avLst/>
+          </a:prstGeom>
+        </p:spPr>
+      </p:pic>
+      <p:pic>
+        <p:nvPicPr>
+          <p:cNvPr id="9" name="그림 8">
+            <a:extLst>
+              <a:ext uri="{FF2B5EF4-FFF2-40B4-BE49-F238E27FC236}">
+                <a16:creationId xmlns:a16="http://schemas.microsoft.com/office/drawing/2014/main" id="{1CE0C530-C736-4C10-9280-C86A4BD4DAAC}"/>
+              </a:ext>
+            </a:extLst>
+          </p:cNvPr>
+          <p:cNvPicPr>
+            <a:picLocks noChangeAspect="1"/>
+          </p:cNvPicPr>
+          <p:nvPr/>
+        </p:nvPicPr>
+        <p:blipFill>
+          <a:blip r:embed="rId5"/>
+          <a:stretch>
+            <a:fillRect/>
+          </a:stretch>
+        </p:blipFill>
+        <p:spPr>
+          <a:xfrm>
+            <a:off x="4442328" y="3288344"/>
+            <a:ext cx="3268800" cy="2451600"/>
+          </a:xfrm>
+          <a:prstGeom prst="rect">
+            <a:avLst/>
+          </a:prstGeom>
+        </p:spPr>
+      </p:pic>
+      <p:pic>
+        <p:nvPicPr>
+          <p:cNvPr id="10" name="그림 9">
+            <a:extLst>
+              <a:ext uri="{FF2B5EF4-FFF2-40B4-BE49-F238E27FC236}">
+                <a16:creationId xmlns:a16="http://schemas.microsoft.com/office/drawing/2014/main" id="{673E9D94-7F6F-4A8A-A308-0B5122018949}"/>
+              </a:ext>
+            </a:extLst>
+          </p:cNvPr>
+          <p:cNvPicPr>
+            <a:picLocks noChangeAspect="1"/>
+          </p:cNvPicPr>
+          <p:nvPr/>
+        </p:nvPicPr>
+        <p:blipFill>
+          <a:blip r:embed="rId6"/>
+          <a:stretch>
+            <a:fillRect/>
+          </a:stretch>
+        </p:blipFill>
+        <p:spPr>
+          <a:xfrm>
+            <a:off x="8768691" y="3288344"/>
+            <a:ext cx="3268800" cy="2451600"/>
+          </a:xfrm>
+          <a:prstGeom prst="rect">
+            <a:avLst/>
+          </a:prstGeom>
+        </p:spPr>
+      </p:pic>
+      <p:sp>
+        <p:nvSpPr>
+          <p:cNvPr id="11" name="같음 기호 10">
+            <a:extLst>
+              <a:ext uri="{FF2B5EF4-FFF2-40B4-BE49-F238E27FC236}">
+                <a16:creationId xmlns:a16="http://schemas.microsoft.com/office/drawing/2014/main" id="{600CCDBD-70D4-473B-B79C-20CA0AA15B6A}"/>
+              </a:ext>
+            </a:extLst>
+          </p:cNvPr>
+          <p:cNvSpPr/>
+          <p:nvPr/>
+        </p:nvSpPr>
+        <p:spPr>
+          <a:xfrm>
+            <a:off x="3978109" y="2837468"/>
+            <a:ext cx="611125" cy="688157"/>
+          </a:xfrm>
+          <a:prstGeom prst="mathEqual">
+            <a:avLst/>
+          </a:prstGeom>
+        </p:spPr>
+        <p:style>
+          <a:lnRef idx="2">
+            <a:schemeClr val="accent1">
+              <a:shade val="50000"/>
+            </a:schemeClr>
+          </a:lnRef>
+          <a:fillRef idx="1">
+            <a:schemeClr val="accent1"/>
+          </a:fillRef>
+          <a:effectRef idx="0">
+            <a:schemeClr val="accent1"/>
+          </a:effectRef>
+          <a:fontRef idx="minor">
+            <a:schemeClr val="lt1"/>
+          </a:fontRef>
+        </p:style>
+        <p:txBody>
+          <a:bodyPr rtlCol="0" anchor="ctr"/>
+          <a:lstStyle/>
+          <a:p>
+            <a:pPr algn="ctr"/>
+            <a:endParaRPr lang="ko-KR" altLang="en-US">
+              <a:solidFill>
+                <a:schemeClr val="tx1"/>
+              </a:solidFill>
+            </a:endParaRPr>
+          </a:p>
+        </p:txBody>
+      </p:sp>
+      <p:sp>
+        <p:nvSpPr>
+          <p:cNvPr id="12" name="더하기 기호 11">
+            <a:extLst>
+              <a:ext uri="{FF2B5EF4-FFF2-40B4-BE49-F238E27FC236}">
+                <a16:creationId xmlns:a16="http://schemas.microsoft.com/office/drawing/2014/main" id="{0317CA1B-98F9-4473-958F-C4C577000BD3}"/>
+              </a:ext>
+            </a:extLst>
+          </p:cNvPr>
+          <p:cNvSpPr/>
+          <p:nvPr/>
+        </p:nvSpPr>
+        <p:spPr>
+          <a:xfrm>
+            <a:off x="7616858" y="1536569"/>
+            <a:ext cx="378110" cy="414779"/>
+          </a:xfrm>
+          <a:prstGeom prst="mathPlus">
+            <a:avLst/>
+          </a:prstGeom>
+        </p:spPr>
+        <p:style>
+          <a:lnRef idx="2">
+            <a:schemeClr val="accent1">
+              <a:shade val="50000"/>
+            </a:schemeClr>
+          </a:lnRef>
+          <a:fillRef idx="1">
+            <a:schemeClr val="accent1"/>
+          </a:fillRef>
+          <a:effectRef idx="0">
+            <a:schemeClr val="accent1"/>
+          </a:effectRef>
+          <a:fontRef idx="minor">
+            <a:schemeClr val="lt1"/>
+          </a:fontRef>
+        </p:style>
+        <p:txBody>
+          <a:bodyPr rtlCol="0" anchor="ctr"/>
+          <a:lstStyle/>
+          <a:p>
+            <a:pPr algn="ctr"/>
+            <a:endParaRPr lang="ko-KR" altLang="en-US"/>
+          </a:p>
+        </p:txBody>
+      </p:sp>
+      <p:sp>
+        <p:nvSpPr>
+          <p:cNvPr id="13" name="더하기 기호 12">
+            <a:extLst>
+              <a:ext uri="{FF2B5EF4-FFF2-40B4-BE49-F238E27FC236}">
+                <a16:creationId xmlns:a16="http://schemas.microsoft.com/office/drawing/2014/main" id="{856D08EA-E4D5-494B-9ACC-084938D78C5A}"/>
+              </a:ext>
+            </a:extLst>
+          </p:cNvPr>
+          <p:cNvSpPr/>
+          <p:nvPr/>
+        </p:nvSpPr>
+        <p:spPr>
+          <a:xfrm>
+            <a:off x="11021255" y="1536569"/>
+            <a:ext cx="378110" cy="414779"/>
+          </a:xfrm>
+          <a:prstGeom prst="mathPlus">
+            <a:avLst/>
+          </a:prstGeom>
+        </p:spPr>
+        <p:style>
+          <a:lnRef idx="2">
+            <a:schemeClr val="accent1">
+              <a:shade val="50000"/>
+            </a:schemeClr>
+          </a:lnRef>
+          <a:fillRef idx="1">
+            <a:schemeClr val="accent1"/>
+          </a:fillRef>
+          <a:effectRef idx="0">
+            <a:schemeClr val="accent1"/>
+          </a:effectRef>
+          <a:fontRef idx="minor">
+            <a:schemeClr val="lt1"/>
+          </a:fontRef>
+        </p:style>
+        <p:txBody>
+          <a:bodyPr rtlCol="0" anchor="ctr"/>
+          <a:lstStyle/>
+          <a:p>
+            <a:pPr algn="ctr"/>
+            <a:endParaRPr lang="ko-KR" altLang="en-US"/>
+          </a:p>
+        </p:txBody>
+      </p:sp>
+      <p:sp>
+        <p:nvSpPr>
+          <p:cNvPr id="14" name="더하기 기호 13">
+            <a:extLst>
+              <a:ext uri="{FF2B5EF4-FFF2-40B4-BE49-F238E27FC236}">
+                <a16:creationId xmlns:a16="http://schemas.microsoft.com/office/drawing/2014/main" id="{5BEC5DCF-D40A-4862-BA2C-F6D9FB832A6A}"/>
+              </a:ext>
+            </a:extLst>
+          </p:cNvPr>
+          <p:cNvSpPr/>
+          <p:nvPr/>
+        </p:nvSpPr>
+        <p:spPr>
+          <a:xfrm>
+            <a:off x="7598372" y="4334097"/>
+            <a:ext cx="378110" cy="414779"/>
+          </a:xfrm>
+          <a:prstGeom prst="mathPlus">
+            <a:avLst/>
+          </a:prstGeom>
+        </p:spPr>
+        <p:style>
+          <a:lnRef idx="2">
+            <a:schemeClr val="accent1">
+              <a:shade val="50000"/>
+            </a:schemeClr>
+          </a:lnRef>
+          <a:fillRef idx="1">
+            <a:schemeClr val="accent1"/>
+          </a:fillRef>
+          <a:effectRef idx="0">
+            <a:schemeClr val="accent1"/>
+          </a:effectRef>
+          <a:fontRef idx="minor">
+            <a:schemeClr val="lt1"/>
+          </a:fontRef>
+        </p:style>
+        <p:txBody>
+          <a:bodyPr rtlCol="0" anchor="ctr"/>
+          <a:lstStyle/>
+          <a:p>
+            <a:pPr algn="ctr"/>
+            <a:endParaRPr lang="ko-KR" altLang="en-US"/>
+          </a:p>
+        </p:txBody>
+      </p:sp>
+      <p:sp>
+        <p:nvSpPr>
+          <p:cNvPr id="15" name="더하기 기호 14">
+            <a:extLst>
+              <a:ext uri="{FF2B5EF4-FFF2-40B4-BE49-F238E27FC236}">
+                <a16:creationId xmlns:a16="http://schemas.microsoft.com/office/drawing/2014/main" id="{B3659AF0-37CF-413D-A757-89E210C4A20D}"/>
+              </a:ext>
+            </a:extLst>
+          </p:cNvPr>
+          <p:cNvSpPr/>
+          <p:nvPr/>
+        </p:nvSpPr>
+        <p:spPr>
+          <a:xfrm>
+            <a:off x="8443223" y="4334097"/>
+            <a:ext cx="378110" cy="414779"/>
+          </a:xfrm>
+          <a:prstGeom prst="mathPlus">
+            <a:avLst/>
+          </a:prstGeom>
+        </p:spPr>
+        <p:style>
+          <a:lnRef idx="2">
+            <a:schemeClr val="accent1">
+              <a:shade val="50000"/>
+            </a:schemeClr>
+          </a:lnRef>
+          <a:fillRef idx="1">
+            <a:schemeClr val="accent1"/>
+          </a:fillRef>
+          <a:effectRef idx="0">
+            <a:schemeClr val="accent1"/>
+          </a:effectRef>
+          <a:fontRef idx="minor">
+            <a:schemeClr val="lt1"/>
+          </a:fontRef>
+        </p:style>
+        <p:txBody>
+          <a:bodyPr rtlCol="0" anchor="ctr"/>
+          <a:lstStyle/>
+          <a:p>
+            <a:pPr algn="ctr"/>
+            <a:endParaRPr lang="ko-KR" altLang="en-US"/>
+          </a:p>
+        </p:txBody>
+      </p:sp>
+      <mc:AlternateContent xmlns:mc="http://schemas.openxmlformats.org/markup-compatibility/2006">
+        <mc:Choice xmlns:a14="http://schemas.microsoft.com/office/drawing/2010/main" Requires="a14">
+          <p:sp>
+            <p:nvSpPr>
+              <p:cNvPr id="16" name="TextBox 15">
+                <a:extLst>
+                  <a:ext uri="{FF2B5EF4-FFF2-40B4-BE49-F238E27FC236}">
+                    <a16:creationId xmlns:a16="http://schemas.microsoft.com/office/drawing/2014/main" id="{9C920408-71ED-419F-B43E-1DB41A7880F0}"/>
+                  </a:ext>
+                </a:extLst>
+              </p:cNvPr>
+              <p:cNvSpPr txBox="1"/>
+              <p:nvPr/>
+            </p:nvSpPr>
+            <p:spPr>
+              <a:xfrm>
+                <a:off x="8008683" y="4346550"/>
+                <a:ext cx="378110" cy="369332"/>
+              </a:xfrm>
+              <a:prstGeom prst="rect">
+                <a:avLst/>
+              </a:prstGeom>
+              <a:noFill/>
+            </p:spPr>
+            <p:txBody>
+              <a:bodyPr wrap="square" rtlCol="0">
+                <a:spAutoFit/>
+              </a:bodyPr>
+              <a:lstStyle/>
+              <a:p>
+                <a14:m>
+                  <m:oMathPara xmlns:m="http://schemas.openxmlformats.org/officeDocument/2006/math">
+                    <m:oMathParaPr>
+                      <m:jc m:val="centerGroup"/>
+                    </m:oMathParaPr>
+                    <m:oMath xmlns:m="http://schemas.openxmlformats.org/officeDocument/2006/math">
+                      <m:r>
+                        <a:rPr lang="en-US" altLang="ko-KR" b="0" i="1" smtClean="0">
+                          <a:latin typeface="Cambria Math" panose="02040503050406030204" pitchFamily="18" charset="0"/>
+                        </a:rPr>
+                        <m:t>⋯</m:t>
+                      </m:r>
+                    </m:oMath>
+                  </m:oMathPara>
+                </a14:m>
+                <a:endParaRPr lang="ko-KR" altLang="en-US" dirty="0"/>
+              </a:p>
+            </p:txBody>
+          </p:sp>
+        </mc:Choice>
+        <mc:Fallback>
+          <p:sp>
+            <p:nvSpPr>
+              <p:cNvPr id="16" name="TextBox 15">
+                <a:extLst>
+                  <a:ext uri="{FF2B5EF4-FFF2-40B4-BE49-F238E27FC236}">
+                    <a16:creationId xmlns:a16="http://schemas.microsoft.com/office/drawing/2014/main" id="{9C920408-71ED-419F-B43E-1DB41A7880F0}"/>
+                  </a:ext>
+                </a:extLst>
+              </p:cNvPr>
+              <p:cNvSpPr txBox="1">
+                <a:spLocks noRot="1" noChangeAspect="1" noMove="1" noResize="1" noEditPoints="1" noAdjustHandles="1" noChangeArrowheads="1" noChangeShapeType="1" noTextEdit="1"/>
+              </p:cNvSpPr>
+              <p:nvPr/>
+            </p:nvSpPr>
+            <p:spPr>
+              <a:xfrm>
+                <a:off x="8008683" y="4346550"/>
+                <a:ext cx="378110" cy="369332"/>
+              </a:xfrm>
+              <a:prstGeom prst="rect">
+                <a:avLst/>
+              </a:prstGeom>
+              <a:blipFill>
+                <a:blip r:embed="rId7"/>
+                <a:stretch>
+                  <a:fillRect/>
+                </a:stretch>
+              </a:blipFill>
+            </p:spPr>
+            <p:txBody>
+              <a:bodyPr/>
+              <a:lstStyle/>
+              <a:p>
+                <a:r>
+                  <a:rPr lang="ko-KR" altLang="en-US">
+                    <a:noFill/>
+                  </a:rPr>
+                  <a:t> </a:t>
+                </a:r>
+              </a:p>
+            </p:txBody>
+          </p:sp>
+        </mc:Fallback>
+      </mc:AlternateContent>
+      <mc:AlternateContent xmlns:mc="http://schemas.openxmlformats.org/markup-compatibility/2006">
+        <mc:Choice xmlns:a14="http://schemas.microsoft.com/office/drawing/2010/main" Requires="a14">
+          <p:sp>
+            <p:nvSpPr>
+              <p:cNvPr id="17" name="TextBox 16">
+                <a:extLst>
+                  <a:ext uri="{FF2B5EF4-FFF2-40B4-BE49-F238E27FC236}">
+                    <a16:creationId xmlns:a16="http://schemas.microsoft.com/office/drawing/2014/main" id="{A0D04FD1-E949-4C38-8C9F-96F1B2CDDCAC}"/>
+                  </a:ext>
+                </a:extLst>
+              </p:cNvPr>
+              <p:cNvSpPr txBox="1"/>
+              <p:nvPr/>
+            </p:nvSpPr>
+            <p:spPr>
+              <a:xfrm>
+                <a:off x="11471716" y="1559292"/>
+                <a:ext cx="378110" cy="369332"/>
+              </a:xfrm>
+              <a:prstGeom prst="rect">
+                <a:avLst/>
+              </a:prstGeom>
+              <a:noFill/>
+            </p:spPr>
+            <p:txBody>
+              <a:bodyPr wrap="square" rtlCol="0">
+                <a:spAutoFit/>
+              </a:bodyPr>
+              <a:lstStyle/>
+              <a:p>
+                <a14:m>
+                  <m:oMathPara xmlns:m="http://schemas.openxmlformats.org/officeDocument/2006/math">
+                    <m:oMathParaPr>
+                      <m:jc m:val="centerGroup"/>
+                    </m:oMathParaPr>
+                    <m:oMath xmlns:m="http://schemas.openxmlformats.org/officeDocument/2006/math">
+                      <m:r>
+                        <a:rPr lang="en-US" altLang="ko-KR" b="0" i="1" smtClean="0">
+                          <a:latin typeface="Cambria Math" panose="02040503050406030204" pitchFamily="18" charset="0"/>
+                        </a:rPr>
+                        <m:t>⋯</m:t>
+                      </m:r>
+                    </m:oMath>
+                  </m:oMathPara>
+                </a14:m>
+                <a:endParaRPr lang="ko-KR" altLang="en-US" dirty="0"/>
+              </a:p>
+            </p:txBody>
+          </p:sp>
+        </mc:Choice>
+        <mc:Fallback>
+          <p:sp>
+            <p:nvSpPr>
+              <p:cNvPr id="17" name="TextBox 16">
+                <a:extLst>
+                  <a:ext uri="{FF2B5EF4-FFF2-40B4-BE49-F238E27FC236}">
+                    <a16:creationId xmlns:a16="http://schemas.microsoft.com/office/drawing/2014/main" id="{A0D04FD1-E949-4C38-8C9F-96F1B2CDDCAC}"/>
+                  </a:ext>
+                </a:extLst>
+              </p:cNvPr>
+              <p:cNvSpPr txBox="1">
+                <a:spLocks noRot="1" noChangeAspect="1" noMove="1" noResize="1" noEditPoints="1" noAdjustHandles="1" noChangeArrowheads="1" noChangeShapeType="1" noTextEdit="1"/>
+              </p:cNvSpPr>
+              <p:nvPr/>
+            </p:nvSpPr>
+            <p:spPr>
+              <a:xfrm>
+                <a:off x="11471716" y="1559292"/>
+                <a:ext cx="378110" cy="369332"/>
+              </a:xfrm>
+              <a:prstGeom prst="rect">
+                <a:avLst/>
+              </a:prstGeom>
+              <a:blipFill>
+                <a:blip r:embed="rId8"/>
+                <a:stretch>
+                  <a:fillRect/>
+                </a:stretch>
+              </a:blipFill>
+            </p:spPr>
+            <p:txBody>
+              <a:bodyPr/>
+              <a:lstStyle/>
+              <a:p>
+                <a:r>
+                  <a:rPr lang="ko-KR" altLang="en-US">
+                    <a:noFill/>
+                  </a:rPr>
+                  <a:t> </a:t>
+                </a:r>
+              </a:p>
+            </p:txBody>
+          </p:sp>
+        </mc:Fallback>
+      </mc:AlternateContent>
+      <p:sp>
+        <p:nvSpPr>
+          <p:cNvPr id="18" name="더하기 기호 17">
+            <a:extLst>
+              <a:ext uri="{FF2B5EF4-FFF2-40B4-BE49-F238E27FC236}">
+                <a16:creationId xmlns:a16="http://schemas.microsoft.com/office/drawing/2014/main" id="{614F1147-7925-4158-B8D1-ACE1AD09F0A8}"/>
+              </a:ext>
+            </a:extLst>
+          </p:cNvPr>
+          <p:cNvSpPr/>
+          <p:nvPr/>
+        </p:nvSpPr>
+        <p:spPr>
+          <a:xfrm>
+            <a:off x="4187870" y="4334097"/>
+            <a:ext cx="378110" cy="414779"/>
+          </a:xfrm>
+          <a:prstGeom prst="mathPlus">
+            <a:avLst/>
+          </a:prstGeom>
+        </p:spPr>
+        <p:style>
+          <a:lnRef idx="2">
+            <a:schemeClr val="accent1">
+              <a:shade val="50000"/>
+            </a:schemeClr>
+          </a:lnRef>
+          <a:fillRef idx="1">
+            <a:schemeClr val="accent1"/>
+          </a:fillRef>
+          <a:effectRef idx="0">
+            <a:schemeClr val="accent1"/>
+          </a:effectRef>
+          <a:fontRef idx="minor">
+            <a:schemeClr val="lt1"/>
+          </a:fontRef>
+        </p:style>
+        <p:txBody>
+          <a:bodyPr rtlCol="0" anchor="ctr"/>
+          <a:lstStyle/>
+          <a:p>
+            <a:pPr algn="ctr"/>
+            <a:endParaRPr lang="ko-KR" altLang="en-US"/>
+          </a:p>
+        </p:txBody>
+      </p:sp>
+    </p:spTree>
+    <p:extLst>
+      <p:ext uri="{BB962C8B-B14F-4D97-AF65-F5344CB8AC3E}">
+        <p14:creationId xmlns:p14="http://schemas.microsoft.com/office/powerpoint/2010/main" val="1792053011"/>
+      </p:ext>
+    </p:extLst>
+  </p:cSld>
+  <p:clrMapOvr>
+    <a:masterClrMapping/>
+  </p:clrMapOvr>
+</p:sld>
+</file>
+
+<file path=ppt/slides/slide4.xml><?xml version="1.0" encoding="utf-8"?>
 <p:sld xmlns:a="http://schemas.openxmlformats.org/drawingml/2006/main" xmlns:r="http://schemas.openxmlformats.org/officeDocument/2006/relationships" xmlns:p="http://schemas.openxmlformats.org/presentationml/2006/main">
   <p:cSld>
     <p:spTree>
@@ -3910,8 +4622,8 @@
           </a:fontRef>
         </p:style>
       </p:cxnSp>
-      <mc:AlternateContent xmlns:mc="http://schemas.openxmlformats.org/markup-compatibility/2006">
-        <mc:Choice xmlns:a14="http://schemas.microsoft.com/office/drawing/2010/main" Requires="a14">
+      <mc:AlternateContent xmlns:mc="http://schemas.openxmlformats.org/markup-compatibility/2006" xmlns:a14="http://schemas.microsoft.com/office/drawing/2010/main">
+        <mc:Choice Requires="a14">
           <p:sp>
             <p:nvSpPr>
               <p:cNvPr id="14" name="TextBox 13">
@@ -3940,6 +4652,7 @@
               </a:bodyPr>
               <a:lstStyle/>
               <a:p>
+                <a:pPr/>
                 <a14:m>
                   <m:oMathPara xmlns:m="http://schemas.openxmlformats.org/officeDocument/2006/math">
                     <m:oMathParaPr>
@@ -3960,7 +4673,7 @@
             </p:txBody>
           </p:sp>
         </mc:Choice>
-        <mc:Fallback>
+        <mc:Fallback xmlns="">
           <p:sp>
             <p:nvSpPr>
               <p:cNvPr id="14" name="TextBox 13">
@@ -4005,8 +4718,8 @@
           </p:sp>
         </mc:Fallback>
       </mc:AlternateContent>
-      <mc:AlternateContent xmlns:mc="http://schemas.openxmlformats.org/markup-compatibility/2006">
-        <mc:Choice xmlns:a14="http://schemas.microsoft.com/office/drawing/2010/main" Requires="a14">
+      <mc:AlternateContent xmlns:mc="http://schemas.openxmlformats.org/markup-compatibility/2006" xmlns:a14="http://schemas.microsoft.com/office/drawing/2010/main">
+        <mc:Choice Requires="a14">
           <p:sp>
             <p:nvSpPr>
               <p:cNvPr id="15" name="TextBox 14">
@@ -4035,6 +4748,7 @@
               </a:bodyPr>
               <a:lstStyle/>
               <a:p>
+                <a:pPr/>
                 <a14:m>
                   <m:oMathPara xmlns:m="http://schemas.openxmlformats.org/officeDocument/2006/math">
                     <m:oMathParaPr>
@@ -4055,7 +4769,7 @@
             </p:txBody>
           </p:sp>
         </mc:Choice>
-        <mc:Fallback>
+        <mc:Fallback xmlns="">
           <p:sp>
             <p:nvSpPr>
               <p:cNvPr id="15" name="TextBox 14">

--- a/pics/2020-10-21-Savitzky_Golay/pics.pptx
+++ b/pics/2020-10-21-Savitzky_Golay/pics.pptx
@@ -9,6 +9,7 @@
     <p:sldId id="259" r:id="rId3"/>
     <p:sldId id="258" r:id="rId4"/>
     <p:sldId id="257" r:id="rId5"/>
+    <p:sldId id="260" r:id="rId6"/>
   </p:sldIdLst>
   <p:sldSz cx="12192000" cy="6858000"/>
   <p:notesSz cx="6858000" cy="9144000"/>
@@ -109,7 +110,7 @@
   </p:defaultTextStyle>
   <p:extLst>
     <p:ext uri="{EFAFB233-063F-42B5-8137-9DF3F51BA10A}">
-      <p15:sldGuideLst xmlns:p15="http://schemas.microsoft.com/office/powerpoint/2012/main"/>
+      <p15:sldGuideLst xmlns:p15="http://schemas.microsoft.com/office/powerpoint/2012/main" xmlns=""/>
     </p:ext>
   </p:extLst>
 </p:presentation>
@@ -137,7 +138,7 @@
           <p:cNvPr id="2" name="제목 1">
             <a:extLst>
               <a:ext uri="{FF2B5EF4-FFF2-40B4-BE49-F238E27FC236}">
-                <a16:creationId xmlns:a16="http://schemas.microsoft.com/office/drawing/2014/main" id="{62E8C34D-DF5E-48A2-9D6D-1E69B02B71AE}"/>
+                <a16:creationId xmlns:a16="http://schemas.microsoft.com/office/drawing/2014/main" xmlns="" id="{62E8C34D-DF5E-48A2-9D6D-1E69B02B71AE}"/>
               </a:ext>
             </a:extLst>
           </p:cNvPr>
@@ -174,7 +175,7 @@
           <p:cNvPr id="3" name="부제목 2">
             <a:extLst>
               <a:ext uri="{FF2B5EF4-FFF2-40B4-BE49-F238E27FC236}">
-                <a16:creationId xmlns:a16="http://schemas.microsoft.com/office/drawing/2014/main" id="{1EC614D1-48D9-46E0-A28A-B3431595D8F9}"/>
+                <a16:creationId xmlns:a16="http://schemas.microsoft.com/office/drawing/2014/main" xmlns="" id="{1EC614D1-48D9-46E0-A28A-B3431595D8F9}"/>
               </a:ext>
             </a:extLst>
           </p:cNvPr>
@@ -244,7 +245,7 @@
           <p:cNvPr id="4" name="날짜 개체 틀 3">
             <a:extLst>
               <a:ext uri="{FF2B5EF4-FFF2-40B4-BE49-F238E27FC236}">
-                <a16:creationId xmlns:a16="http://schemas.microsoft.com/office/drawing/2014/main" id="{F2501704-4F0D-4E7C-8441-7584C7104F7A}"/>
+                <a16:creationId xmlns:a16="http://schemas.microsoft.com/office/drawing/2014/main" xmlns="" id="{F2501704-4F0D-4E7C-8441-7584C7104F7A}"/>
               </a:ext>
             </a:extLst>
           </p:cNvPr>
@@ -262,7 +263,7 @@
           <a:p>
             <a:fld id="{E5F03FC9-0721-4A8C-8680-8F55A73463EF}" type="datetimeFigureOut">
               <a:rPr lang="ko-KR" altLang="en-US" smtClean="0"/>
-              <a:t>2020-10-24</a:t>
+              <a:t>2020-10-26</a:t>
             </a:fld>
             <a:endParaRPr lang="ko-KR" altLang="en-US"/>
           </a:p>
@@ -273,7 +274,7 @@
           <p:cNvPr id="5" name="바닥글 개체 틀 4">
             <a:extLst>
               <a:ext uri="{FF2B5EF4-FFF2-40B4-BE49-F238E27FC236}">
-                <a16:creationId xmlns:a16="http://schemas.microsoft.com/office/drawing/2014/main" id="{3751FB73-D64B-4CC6-963C-CB6B2D21DD0C}"/>
+                <a16:creationId xmlns:a16="http://schemas.microsoft.com/office/drawing/2014/main" xmlns="" id="{3751FB73-D64B-4CC6-963C-CB6B2D21DD0C}"/>
               </a:ext>
             </a:extLst>
           </p:cNvPr>
@@ -298,7 +299,7 @@
           <p:cNvPr id="6" name="슬라이드 번호 개체 틀 5">
             <a:extLst>
               <a:ext uri="{FF2B5EF4-FFF2-40B4-BE49-F238E27FC236}">
-                <a16:creationId xmlns:a16="http://schemas.microsoft.com/office/drawing/2014/main" id="{34DCE6E6-8DB4-4603-9CBD-FC96A079A375}"/>
+                <a16:creationId xmlns:a16="http://schemas.microsoft.com/office/drawing/2014/main" xmlns="" id="{34DCE6E6-8DB4-4603-9CBD-FC96A079A375}"/>
               </a:ext>
             </a:extLst>
           </p:cNvPr>
@@ -357,7 +358,7 @@
           <p:cNvPr id="2" name="제목 1">
             <a:extLst>
               <a:ext uri="{FF2B5EF4-FFF2-40B4-BE49-F238E27FC236}">
-                <a16:creationId xmlns:a16="http://schemas.microsoft.com/office/drawing/2014/main" id="{13BBEA9F-9E99-4AE7-AFE9-069F8A04DFE5}"/>
+                <a16:creationId xmlns:a16="http://schemas.microsoft.com/office/drawing/2014/main" xmlns="" id="{13BBEA9F-9E99-4AE7-AFE9-069F8A04DFE5}"/>
               </a:ext>
             </a:extLst>
           </p:cNvPr>
@@ -385,7 +386,7 @@
           <p:cNvPr id="3" name="세로 텍스트 개체 틀 2">
             <a:extLst>
               <a:ext uri="{FF2B5EF4-FFF2-40B4-BE49-F238E27FC236}">
-                <a16:creationId xmlns:a16="http://schemas.microsoft.com/office/drawing/2014/main" id="{8B4E6B05-D8F0-45DC-ABDB-DF098BB72984}"/>
+                <a16:creationId xmlns:a16="http://schemas.microsoft.com/office/drawing/2014/main" xmlns="" id="{8B4E6B05-D8F0-45DC-ABDB-DF098BB72984}"/>
               </a:ext>
             </a:extLst>
           </p:cNvPr>
@@ -442,7 +443,7 @@
           <p:cNvPr id="4" name="날짜 개체 틀 3">
             <a:extLst>
               <a:ext uri="{FF2B5EF4-FFF2-40B4-BE49-F238E27FC236}">
-                <a16:creationId xmlns:a16="http://schemas.microsoft.com/office/drawing/2014/main" id="{F248FC05-E5C5-4AA5-95F4-33CF6F2CAC33}"/>
+                <a16:creationId xmlns:a16="http://schemas.microsoft.com/office/drawing/2014/main" xmlns="" id="{F248FC05-E5C5-4AA5-95F4-33CF6F2CAC33}"/>
               </a:ext>
             </a:extLst>
           </p:cNvPr>
@@ -460,7 +461,7 @@
           <a:p>
             <a:fld id="{E5F03FC9-0721-4A8C-8680-8F55A73463EF}" type="datetimeFigureOut">
               <a:rPr lang="ko-KR" altLang="en-US" smtClean="0"/>
-              <a:t>2020-10-24</a:t>
+              <a:t>2020-10-26</a:t>
             </a:fld>
             <a:endParaRPr lang="ko-KR" altLang="en-US"/>
           </a:p>
@@ -471,7 +472,7 @@
           <p:cNvPr id="5" name="바닥글 개체 틀 4">
             <a:extLst>
               <a:ext uri="{FF2B5EF4-FFF2-40B4-BE49-F238E27FC236}">
-                <a16:creationId xmlns:a16="http://schemas.microsoft.com/office/drawing/2014/main" id="{D1E87CEC-A26B-4DDB-B18C-5EE61276381C}"/>
+                <a16:creationId xmlns:a16="http://schemas.microsoft.com/office/drawing/2014/main" xmlns="" id="{D1E87CEC-A26B-4DDB-B18C-5EE61276381C}"/>
               </a:ext>
             </a:extLst>
           </p:cNvPr>
@@ -496,7 +497,7 @@
           <p:cNvPr id="6" name="슬라이드 번호 개체 틀 5">
             <a:extLst>
               <a:ext uri="{FF2B5EF4-FFF2-40B4-BE49-F238E27FC236}">
-                <a16:creationId xmlns:a16="http://schemas.microsoft.com/office/drawing/2014/main" id="{7B878898-9A4B-4318-B79D-053D41455C95}"/>
+                <a16:creationId xmlns:a16="http://schemas.microsoft.com/office/drawing/2014/main" xmlns="" id="{7B878898-9A4B-4318-B79D-053D41455C95}"/>
               </a:ext>
             </a:extLst>
           </p:cNvPr>
@@ -555,7 +556,7 @@
           <p:cNvPr id="2" name="세로 제목 1">
             <a:extLst>
               <a:ext uri="{FF2B5EF4-FFF2-40B4-BE49-F238E27FC236}">
-                <a16:creationId xmlns:a16="http://schemas.microsoft.com/office/drawing/2014/main" id="{4DA86EDC-7331-4FDB-943F-15DF51A02A70}"/>
+                <a16:creationId xmlns:a16="http://schemas.microsoft.com/office/drawing/2014/main" xmlns="" id="{4DA86EDC-7331-4FDB-943F-15DF51A02A70}"/>
               </a:ext>
             </a:extLst>
           </p:cNvPr>
@@ -588,7 +589,7 @@
           <p:cNvPr id="3" name="세로 텍스트 개체 틀 2">
             <a:extLst>
               <a:ext uri="{FF2B5EF4-FFF2-40B4-BE49-F238E27FC236}">
-                <a16:creationId xmlns:a16="http://schemas.microsoft.com/office/drawing/2014/main" id="{D9830737-6EB1-4EDD-9604-A5C258D8196A}"/>
+                <a16:creationId xmlns:a16="http://schemas.microsoft.com/office/drawing/2014/main" xmlns="" id="{D9830737-6EB1-4EDD-9604-A5C258D8196A}"/>
               </a:ext>
             </a:extLst>
           </p:cNvPr>
@@ -650,7 +651,7 @@
           <p:cNvPr id="4" name="날짜 개체 틀 3">
             <a:extLst>
               <a:ext uri="{FF2B5EF4-FFF2-40B4-BE49-F238E27FC236}">
-                <a16:creationId xmlns:a16="http://schemas.microsoft.com/office/drawing/2014/main" id="{B235A265-E0A9-4BDD-A8CE-9A2BE37A1D67}"/>
+                <a16:creationId xmlns:a16="http://schemas.microsoft.com/office/drawing/2014/main" xmlns="" id="{B235A265-E0A9-4BDD-A8CE-9A2BE37A1D67}"/>
               </a:ext>
             </a:extLst>
           </p:cNvPr>
@@ -668,7 +669,7 @@
           <a:p>
             <a:fld id="{E5F03FC9-0721-4A8C-8680-8F55A73463EF}" type="datetimeFigureOut">
               <a:rPr lang="ko-KR" altLang="en-US" smtClean="0"/>
-              <a:t>2020-10-24</a:t>
+              <a:t>2020-10-26</a:t>
             </a:fld>
             <a:endParaRPr lang="ko-KR" altLang="en-US"/>
           </a:p>
@@ -679,7 +680,7 @@
           <p:cNvPr id="5" name="바닥글 개체 틀 4">
             <a:extLst>
               <a:ext uri="{FF2B5EF4-FFF2-40B4-BE49-F238E27FC236}">
-                <a16:creationId xmlns:a16="http://schemas.microsoft.com/office/drawing/2014/main" id="{9A95A081-6FAE-48E8-9340-DA42C3308CA5}"/>
+                <a16:creationId xmlns:a16="http://schemas.microsoft.com/office/drawing/2014/main" xmlns="" id="{9A95A081-6FAE-48E8-9340-DA42C3308CA5}"/>
               </a:ext>
             </a:extLst>
           </p:cNvPr>
@@ -704,7 +705,7 @@
           <p:cNvPr id="6" name="슬라이드 번호 개체 틀 5">
             <a:extLst>
               <a:ext uri="{FF2B5EF4-FFF2-40B4-BE49-F238E27FC236}">
-                <a16:creationId xmlns:a16="http://schemas.microsoft.com/office/drawing/2014/main" id="{0A318903-A23B-4567-858D-8D6CBD6D0256}"/>
+                <a16:creationId xmlns:a16="http://schemas.microsoft.com/office/drawing/2014/main" xmlns="" id="{0A318903-A23B-4567-858D-8D6CBD6D0256}"/>
               </a:ext>
             </a:extLst>
           </p:cNvPr>
@@ -763,7 +764,7 @@
           <p:cNvPr id="2" name="제목 1">
             <a:extLst>
               <a:ext uri="{FF2B5EF4-FFF2-40B4-BE49-F238E27FC236}">
-                <a16:creationId xmlns:a16="http://schemas.microsoft.com/office/drawing/2014/main" id="{89646C57-C062-47C3-907F-5B57DC70EDC7}"/>
+                <a16:creationId xmlns:a16="http://schemas.microsoft.com/office/drawing/2014/main" xmlns="" id="{89646C57-C062-47C3-907F-5B57DC70EDC7}"/>
               </a:ext>
             </a:extLst>
           </p:cNvPr>
@@ -791,7 +792,7 @@
           <p:cNvPr id="3" name="내용 개체 틀 2">
             <a:extLst>
               <a:ext uri="{FF2B5EF4-FFF2-40B4-BE49-F238E27FC236}">
-                <a16:creationId xmlns:a16="http://schemas.microsoft.com/office/drawing/2014/main" id="{2A0CA2C8-7036-4D1E-906A-7B740E48351D}"/>
+                <a16:creationId xmlns:a16="http://schemas.microsoft.com/office/drawing/2014/main" xmlns="" id="{2A0CA2C8-7036-4D1E-906A-7B740E48351D}"/>
               </a:ext>
             </a:extLst>
           </p:cNvPr>
@@ -848,7 +849,7 @@
           <p:cNvPr id="4" name="날짜 개체 틀 3">
             <a:extLst>
               <a:ext uri="{FF2B5EF4-FFF2-40B4-BE49-F238E27FC236}">
-                <a16:creationId xmlns:a16="http://schemas.microsoft.com/office/drawing/2014/main" id="{97424B84-B00B-4202-A573-FBAC571B5048}"/>
+                <a16:creationId xmlns:a16="http://schemas.microsoft.com/office/drawing/2014/main" xmlns="" id="{97424B84-B00B-4202-A573-FBAC571B5048}"/>
               </a:ext>
             </a:extLst>
           </p:cNvPr>
@@ -866,7 +867,7 @@
           <a:p>
             <a:fld id="{E5F03FC9-0721-4A8C-8680-8F55A73463EF}" type="datetimeFigureOut">
               <a:rPr lang="ko-KR" altLang="en-US" smtClean="0"/>
-              <a:t>2020-10-24</a:t>
+              <a:t>2020-10-26</a:t>
             </a:fld>
             <a:endParaRPr lang="ko-KR" altLang="en-US"/>
           </a:p>
@@ -877,7 +878,7 @@
           <p:cNvPr id="5" name="바닥글 개체 틀 4">
             <a:extLst>
               <a:ext uri="{FF2B5EF4-FFF2-40B4-BE49-F238E27FC236}">
-                <a16:creationId xmlns:a16="http://schemas.microsoft.com/office/drawing/2014/main" id="{5198067A-8B0F-4F87-9F3A-792255EFB31B}"/>
+                <a16:creationId xmlns:a16="http://schemas.microsoft.com/office/drawing/2014/main" xmlns="" id="{5198067A-8B0F-4F87-9F3A-792255EFB31B}"/>
               </a:ext>
             </a:extLst>
           </p:cNvPr>
@@ -902,7 +903,7 @@
           <p:cNvPr id="6" name="슬라이드 번호 개체 틀 5">
             <a:extLst>
               <a:ext uri="{FF2B5EF4-FFF2-40B4-BE49-F238E27FC236}">
-                <a16:creationId xmlns:a16="http://schemas.microsoft.com/office/drawing/2014/main" id="{CED758B4-F1AA-49FB-A875-ACEC35AC3521}"/>
+                <a16:creationId xmlns:a16="http://schemas.microsoft.com/office/drawing/2014/main" xmlns="" id="{CED758B4-F1AA-49FB-A875-ACEC35AC3521}"/>
               </a:ext>
             </a:extLst>
           </p:cNvPr>
@@ -961,7 +962,7 @@
           <p:cNvPr id="2" name="제목 1">
             <a:extLst>
               <a:ext uri="{FF2B5EF4-FFF2-40B4-BE49-F238E27FC236}">
-                <a16:creationId xmlns:a16="http://schemas.microsoft.com/office/drawing/2014/main" id="{B504AFE6-C824-495A-9F63-A60614FEAB83}"/>
+                <a16:creationId xmlns:a16="http://schemas.microsoft.com/office/drawing/2014/main" xmlns="" id="{B504AFE6-C824-495A-9F63-A60614FEAB83}"/>
               </a:ext>
             </a:extLst>
           </p:cNvPr>
@@ -998,7 +999,7 @@
           <p:cNvPr id="3" name="텍스트 개체 틀 2">
             <a:extLst>
               <a:ext uri="{FF2B5EF4-FFF2-40B4-BE49-F238E27FC236}">
-                <a16:creationId xmlns:a16="http://schemas.microsoft.com/office/drawing/2014/main" id="{FE7FBFF6-C81A-42F8-ACA5-C991296AE9C9}"/>
+                <a16:creationId xmlns:a16="http://schemas.microsoft.com/office/drawing/2014/main" xmlns="" id="{FE7FBFF6-C81A-42F8-ACA5-C991296AE9C9}"/>
               </a:ext>
             </a:extLst>
           </p:cNvPr>
@@ -1123,7 +1124,7 @@
           <p:cNvPr id="4" name="날짜 개체 틀 3">
             <a:extLst>
               <a:ext uri="{FF2B5EF4-FFF2-40B4-BE49-F238E27FC236}">
-                <a16:creationId xmlns:a16="http://schemas.microsoft.com/office/drawing/2014/main" id="{5D8B2DB1-FB19-4728-BD1B-DB304C64E927}"/>
+                <a16:creationId xmlns:a16="http://schemas.microsoft.com/office/drawing/2014/main" xmlns="" id="{5D8B2DB1-FB19-4728-BD1B-DB304C64E927}"/>
               </a:ext>
             </a:extLst>
           </p:cNvPr>
@@ -1141,7 +1142,7 @@
           <a:p>
             <a:fld id="{E5F03FC9-0721-4A8C-8680-8F55A73463EF}" type="datetimeFigureOut">
               <a:rPr lang="ko-KR" altLang="en-US" smtClean="0"/>
-              <a:t>2020-10-24</a:t>
+              <a:t>2020-10-26</a:t>
             </a:fld>
             <a:endParaRPr lang="ko-KR" altLang="en-US"/>
           </a:p>
@@ -1152,7 +1153,7 @@
           <p:cNvPr id="5" name="바닥글 개체 틀 4">
             <a:extLst>
               <a:ext uri="{FF2B5EF4-FFF2-40B4-BE49-F238E27FC236}">
-                <a16:creationId xmlns:a16="http://schemas.microsoft.com/office/drawing/2014/main" id="{CFB6F4EB-FF53-4B81-92D9-CB9792E26637}"/>
+                <a16:creationId xmlns:a16="http://schemas.microsoft.com/office/drawing/2014/main" xmlns="" id="{CFB6F4EB-FF53-4B81-92D9-CB9792E26637}"/>
               </a:ext>
             </a:extLst>
           </p:cNvPr>
@@ -1177,7 +1178,7 @@
           <p:cNvPr id="6" name="슬라이드 번호 개체 틀 5">
             <a:extLst>
               <a:ext uri="{FF2B5EF4-FFF2-40B4-BE49-F238E27FC236}">
-                <a16:creationId xmlns:a16="http://schemas.microsoft.com/office/drawing/2014/main" id="{5D01E73B-3430-4CDA-AE13-7992931E2B6B}"/>
+                <a16:creationId xmlns:a16="http://schemas.microsoft.com/office/drawing/2014/main" xmlns="" id="{5D01E73B-3430-4CDA-AE13-7992931E2B6B}"/>
               </a:ext>
             </a:extLst>
           </p:cNvPr>
@@ -1236,7 +1237,7 @@
           <p:cNvPr id="2" name="제목 1">
             <a:extLst>
               <a:ext uri="{FF2B5EF4-FFF2-40B4-BE49-F238E27FC236}">
-                <a16:creationId xmlns:a16="http://schemas.microsoft.com/office/drawing/2014/main" id="{4F1CA384-352A-418C-BCB5-6567238BF86B}"/>
+                <a16:creationId xmlns:a16="http://schemas.microsoft.com/office/drawing/2014/main" xmlns="" id="{4F1CA384-352A-418C-BCB5-6567238BF86B}"/>
               </a:ext>
             </a:extLst>
           </p:cNvPr>
@@ -1264,7 +1265,7 @@
           <p:cNvPr id="3" name="내용 개체 틀 2">
             <a:extLst>
               <a:ext uri="{FF2B5EF4-FFF2-40B4-BE49-F238E27FC236}">
-                <a16:creationId xmlns:a16="http://schemas.microsoft.com/office/drawing/2014/main" id="{A08770D5-CF18-4C72-8B9C-5E56D33217F3}"/>
+                <a16:creationId xmlns:a16="http://schemas.microsoft.com/office/drawing/2014/main" xmlns="" id="{A08770D5-CF18-4C72-8B9C-5E56D33217F3}"/>
               </a:ext>
             </a:extLst>
           </p:cNvPr>
@@ -1326,7 +1327,7 @@
           <p:cNvPr id="4" name="내용 개체 틀 3">
             <a:extLst>
               <a:ext uri="{FF2B5EF4-FFF2-40B4-BE49-F238E27FC236}">
-                <a16:creationId xmlns:a16="http://schemas.microsoft.com/office/drawing/2014/main" id="{4A43D0FB-0B27-4DD1-A97A-82B187A35C55}"/>
+                <a16:creationId xmlns:a16="http://schemas.microsoft.com/office/drawing/2014/main" xmlns="" id="{4A43D0FB-0B27-4DD1-A97A-82B187A35C55}"/>
               </a:ext>
             </a:extLst>
           </p:cNvPr>
@@ -1388,7 +1389,7 @@
           <p:cNvPr id="5" name="날짜 개체 틀 4">
             <a:extLst>
               <a:ext uri="{FF2B5EF4-FFF2-40B4-BE49-F238E27FC236}">
-                <a16:creationId xmlns:a16="http://schemas.microsoft.com/office/drawing/2014/main" id="{299F718F-625B-41E2-9212-4E04206DCF35}"/>
+                <a16:creationId xmlns:a16="http://schemas.microsoft.com/office/drawing/2014/main" xmlns="" id="{299F718F-625B-41E2-9212-4E04206DCF35}"/>
               </a:ext>
             </a:extLst>
           </p:cNvPr>
@@ -1406,7 +1407,7 @@
           <a:p>
             <a:fld id="{E5F03FC9-0721-4A8C-8680-8F55A73463EF}" type="datetimeFigureOut">
               <a:rPr lang="ko-KR" altLang="en-US" smtClean="0"/>
-              <a:t>2020-10-24</a:t>
+              <a:t>2020-10-26</a:t>
             </a:fld>
             <a:endParaRPr lang="ko-KR" altLang="en-US"/>
           </a:p>
@@ -1417,7 +1418,7 @@
           <p:cNvPr id="6" name="바닥글 개체 틀 5">
             <a:extLst>
               <a:ext uri="{FF2B5EF4-FFF2-40B4-BE49-F238E27FC236}">
-                <a16:creationId xmlns:a16="http://schemas.microsoft.com/office/drawing/2014/main" id="{68AE399D-065E-47FE-BB1E-FD2E41CC2784}"/>
+                <a16:creationId xmlns:a16="http://schemas.microsoft.com/office/drawing/2014/main" xmlns="" id="{68AE399D-065E-47FE-BB1E-FD2E41CC2784}"/>
               </a:ext>
             </a:extLst>
           </p:cNvPr>
@@ -1442,7 +1443,7 @@
           <p:cNvPr id="7" name="슬라이드 번호 개체 틀 6">
             <a:extLst>
               <a:ext uri="{FF2B5EF4-FFF2-40B4-BE49-F238E27FC236}">
-                <a16:creationId xmlns:a16="http://schemas.microsoft.com/office/drawing/2014/main" id="{B986CAED-A0E7-4219-B714-3DB3ED9BF892}"/>
+                <a16:creationId xmlns:a16="http://schemas.microsoft.com/office/drawing/2014/main" xmlns="" id="{B986CAED-A0E7-4219-B714-3DB3ED9BF892}"/>
               </a:ext>
             </a:extLst>
           </p:cNvPr>
@@ -1501,7 +1502,7 @@
           <p:cNvPr id="2" name="제목 1">
             <a:extLst>
               <a:ext uri="{FF2B5EF4-FFF2-40B4-BE49-F238E27FC236}">
-                <a16:creationId xmlns:a16="http://schemas.microsoft.com/office/drawing/2014/main" id="{1B025F98-B8E2-4A5C-B706-49944454215B}"/>
+                <a16:creationId xmlns:a16="http://schemas.microsoft.com/office/drawing/2014/main" xmlns="" id="{1B025F98-B8E2-4A5C-B706-49944454215B}"/>
               </a:ext>
             </a:extLst>
           </p:cNvPr>
@@ -1534,7 +1535,7 @@
           <p:cNvPr id="3" name="텍스트 개체 틀 2">
             <a:extLst>
               <a:ext uri="{FF2B5EF4-FFF2-40B4-BE49-F238E27FC236}">
-                <a16:creationId xmlns:a16="http://schemas.microsoft.com/office/drawing/2014/main" id="{CD67E7C5-5642-4D6F-BA70-1FC2C2015F04}"/>
+                <a16:creationId xmlns:a16="http://schemas.microsoft.com/office/drawing/2014/main" xmlns="" id="{CD67E7C5-5642-4D6F-BA70-1FC2C2015F04}"/>
               </a:ext>
             </a:extLst>
           </p:cNvPr>
@@ -1605,7 +1606,7 @@
           <p:cNvPr id="4" name="내용 개체 틀 3">
             <a:extLst>
               <a:ext uri="{FF2B5EF4-FFF2-40B4-BE49-F238E27FC236}">
-                <a16:creationId xmlns:a16="http://schemas.microsoft.com/office/drawing/2014/main" id="{05EDF300-C517-4A0E-A00E-8364A562C4DF}"/>
+                <a16:creationId xmlns:a16="http://schemas.microsoft.com/office/drawing/2014/main" xmlns="" id="{05EDF300-C517-4A0E-A00E-8364A562C4DF}"/>
               </a:ext>
             </a:extLst>
           </p:cNvPr>
@@ -1667,7 +1668,7 @@
           <p:cNvPr id="5" name="텍스트 개체 틀 4">
             <a:extLst>
               <a:ext uri="{FF2B5EF4-FFF2-40B4-BE49-F238E27FC236}">
-                <a16:creationId xmlns:a16="http://schemas.microsoft.com/office/drawing/2014/main" id="{289C6ADF-1775-4ECE-8BD8-360322CC5882}"/>
+                <a16:creationId xmlns:a16="http://schemas.microsoft.com/office/drawing/2014/main" xmlns="" id="{289C6ADF-1775-4ECE-8BD8-360322CC5882}"/>
               </a:ext>
             </a:extLst>
           </p:cNvPr>
@@ -1738,7 +1739,7 @@
           <p:cNvPr id="6" name="내용 개체 틀 5">
             <a:extLst>
               <a:ext uri="{FF2B5EF4-FFF2-40B4-BE49-F238E27FC236}">
-                <a16:creationId xmlns:a16="http://schemas.microsoft.com/office/drawing/2014/main" id="{B2D1A541-A4EE-43E2-93E0-3E70249E6EAE}"/>
+                <a16:creationId xmlns:a16="http://schemas.microsoft.com/office/drawing/2014/main" xmlns="" id="{B2D1A541-A4EE-43E2-93E0-3E70249E6EAE}"/>
               </a:ext>
             </a:extLst>
           </p:cNvPr>
@@ -1800,7 +1801,7 @@
           <p:cNvPr id="7" name="날짜 개체 틀 6">
             <a:extLst>
               <a:ext uri="{FF2B5EF4-FFF2-40B4-BE49-F238E27FC236}">
-                <a16:creationId xmlns:a16="http://schemas.microsoft.com/office/drawing/2014/main" id="{2A5E0CC5-3444-4F48-8F7B-A38F220D5B00}"/>
+                <a16:creationId xmlns:a16="http://schemas.microsoft.com/office/drawing/2014/main" xmlns="" id="{2A5E0CC5-3444-4F48-8F7B-A38F220D5B00}"/>
               </a:ext>
             </a:extLst>
           </p:cNvPr>
@@ -1818,7 +1819,7 @@
           <a:p>
             <a:fld id="{E5F03FC9-0721-4A8C-8680-8F55A73463EF}" type="datetimeFigureOut">
               <a:rPr lang="ko-KR" altLang="en-US" smtClean="0"/>
-              <a:t>2020-10-24</a:t>
+              <a:t>2020-10-26</a:t>
             </a:fld>
             <a:endParaRPr lang="ko-KR" altLang="en-US"/>
           </a:p>
@@ -1829,7 +1830,7 @@
           <p:cNvPr id="8" name="바닥글 개체 틀 7">
             <a:extLst>
               <a:ext uri="{FF2B5EF4-FFF2-40B4-BE49-F238E27FC236}">
-                <a16:creationId xmlns:a16="http://schemas.microsoft.com/office/drawing/2014/main" id="{616BF522-A2FE-4725-A15A-FBAD2A67F667}"/>
+                <a16:creationId xmlns:a16="http://schemas.microsoft.com/office/drawing/2014/main" xmlns="" id="{616BF522-A2FE-4725-A15A-FBAD2A67F667}"/>
               </a:ext>
             </a:extLst>
           </p:cNvPr>
@@ -1854,7 +1855,7 @@
           <p:cNvPr id="9" name="슬라이드 번호 개체 틀 8">
             <a:extLst>
               <a:ext uri="{FF2B5EF4-FFF2-40B4-BE49-F238E27FC236}">
-                <a16:creationId xmlns:a16="http://schemas.microsoft.com/office/drawing/2014/main" id="{B3963282-F7ED-4767-BEB0-D3471542D125}"/>
+                <a16:creationId xmlns:a16="http://schemas.microsoft.com/office/drawing/2014/main" xmlns="" id="{B3963282-F7ED-4767-BEB0-D3471542D125}"/>
               </a:ext>
             </a:extLst>
           </p:cNvPr>
@@ -1913,7 +1914,7 @@
           <p:cNvPr id="2" name="제목 1">
             <a:extLst>
               <a:ext uri="{FF2B5EF4-FFF2-40B4-BE49-F238E27FC236}">
-                <a16:creationId xmlns:a16="http://schemas.microsoft.com/office/drawing/2014/main" id="{5CFA3C46-2634-4F39-B0B5-971293AE14E1}"/>
+                <a16:creationId xmlns:a16="http://schemas.microsoft.com/office/drawing/2014/main" xmlns="" id="{5CFA3C46-2634-4F39-B0B5-971293AE14E1}"/>
               </a:ext>
             </a:extLst>
           </p:cNvPr>
@@ -1941,7 +1942,7 @@
           <p:cNvPr id="3" name="날짜 개체 틀 2">
             <a:extLst>
               <a:ext uri="{FF2B5EF4-FFF2-40B4-BE49-F238E27FC236}">
-                <a16:creationId xmlns:a16="http://schemas.microsoft.com/office/drawing/2014/main" id="{98FF6291-D597-4A6B-83BA-C4D64FD3E66C}"/>
+                <a16:creationId xmlns:a16="http://schemas.microsoft.com/office/drawing/2014/main" xmlns="" id="{98FF6291-D597-4A6B-83BA-C4D64FD3E66C}"/>
               </a:ext>
             </a:extLst>
           </p:cNvPr>
@@ -1959,7 +1960,7 @@
           <a:p>
             <a:fld id="{E5F03FC9-0721-4A8C-8680-8F55A73463EF}" type="datetimeFigureOut">
               <a:rPr lang="ko-KR" altLang="en-US" smtClean="0"/>
-              <a:t>2020-10-24</a:t>
+              <a:t>2020-10-26</a:t>
             </a:fld>
             <a:endParaRPr lang="ko-KR" altLang="en-US"/>
           </a:p>
@@ -1970,7 +1971,7 @@
           <p:cNvPr id="4" name="바닥글 개체 틀 3">
             <a:extLst>
               <a:ext uri="{FF2B5EF4-FFF2-40B4-BE49-F238E27FC236}">
-                <a16:creationId xmlns:a16="http://schemas.microsoft.com/office/drawing/2014/main" id="{8B1EA662-D740-4612-ADE7-662CD86C6D72}"/>
+                <a16:creationId xmlns:a16="http://schemas.microsoft.com/office/drawing/2014/main" xmlns="" id="{8B1EA662-D740-4612-ADE7-662CD86C6D72}"/>
               </a:ext>
             </a:extLst>
           </p:cNvPr>
@@ -1995,7 +1996,7 @@
           <p:cNvPr id="5" name="슬라이드 번호 개체 틀 4">
             <a:extLst>
               <a:ext uri="{FF2B5EF4-FFF2-40B4-BE49-F238E27FC236}">
-                <a16:creationId xmlns:a16="http://schemas.microsoft.com/office/drawing/2014/main" id="{46F60020-8DE5-46D7-8FB3-8872ABFF9336}"/>
+                <a16:creationId xmlns:a16="http://schemas.microsoft.com/office/drawing/2014/main" xmlns="" id="{46F60020-8DE5-46D7-8FB3-8872ABFF9336}"/>
               </a:ext>
             </a:extLst>
           </p:cNvPr>
@@ -2054,7 +2055,7 @@
           <p:cNvPr id="2" name="날짜 개체 틀 1">
             <a:extLst>
               <a:ext uri="{FF2B5EF4-FFF2-40B4-BE49-F238E27FC236}">
-                <a16:creationId xmlns:a16="http://schemas.microsoft.com/office/drawing/2014/main" id="{CFC37820-47E6-4672-8430-355585DE8D37}"/>
+                <a16:creationId xmlns:a16="http://schemas.microsoft.com/office/drawing/2014/main" xmlns="" id="{CFC37820-47E6-4672-8430-355585DE8D37}"/>
               </a:ext>
             </a:extLst>
           </p:cNvPr>
@@ -2072,7 +2073,7 @@
           <a:p>
             <a:fld id="{E5F03FC9-0721-4A8C-8680-8F55A73463EF}" type="datetimeFigureOut">
               <a:rPr lang="ko-KR" altLang="en-US" smtClean="0"/>
-              <a:t>2020-10-24</a:t>
+              <a:t>2020-10-26</a:t>
             </a:fld>
             <a:endParaRPr lang="ko-KR" altLang="en-US"/>
           </a:p>
@@ -2083,7 +2084,7 @@
           <p:cNvPr id="3" name="바닥글 개체 틀 2">
             <a:extLst>
               <a:ext uri="{FF2B5EF4-FFF2-40B4-BE49-F238E27FC236}">
-                <a16:creationId xmlns:a16="http://schemas.microsoft.com/office/drawing/2014/main" id="{3F5F7FD5-7D43-4914-88AC-7B0C27B1FB8F}"/>
+                <a16:creationId xmlns:a16="http://schemas.microsoft.com/office/drawing/2014/main" xmlns="" id="{3F5F7FD5-7D43-4914-88AC-7B0C27B1FB8F}"/>
               </a:ext>
             </a:extLst>
           </p:cNvPr>
@@ -2108,7 +2109,7 @@
           <p:cNvPr id="4" name="슬라이드 번호 개체 틀 3">
             <a:extLst>
               <a:ext uri="{FF2B5EF4-FFF2-40B4-BE49-F238E27FC236}">
-                <a16:creationId xmlns:a16="http://schemas.microsoft.com/office/drawing/2014/main" id="{1DF71675-2B62-47FA-A6B1-5C6CF26E5F96}"/>
+                <a16:creationId xmlns:a16="http://schemas.microsoft.com/office/drawing/2014/main" xmlns="" id="{1DF71675-2B62-47FA-A6B1-5C6CF26E5F96}"/>
               </a:ext>
             </a:extLst>
           </p:cNvPr>
@@ -2167,7 +2168,7 @@
           <p:cNvPr id="2" name="제목 1">
             <a:extLst>
               <a:ext uri="{FF2B5EF4-FFF2-40B4-BE49-F238E27FC236}">
-                <a16:creationId xmlns:a16="http://schemas.microsoft.com/office/drawing/2014/main" id="{86775F57-CC39-4E23-9A82-F34188E78696}"/>
+                <a16:creationId xmlns:a16="http://schemas.microsoft.com/office/drawing/2014/main" xmlns="" id="{86775F57-CC39-4E23-9A82-F34188E78696}"/>
               </a:ext>
             </a:extLst>
           </p:cNvPr>
@@ -2204,7 +2205,7 @@
           <p:cNvPr id="3" name="내용 개체 틀 2">
             <a:extLst>
               <a:ext uri="{FF2B5EF4-FFF2-40B4-BE49-F238E27FC236}">
-                <a16:creationId xmlns:a16="http://schemas.microsoft.com/office/drawing/2014/main" id="{EF815033-F9E0-4B73-AC96-7F3471FD4C0D}"/>
+                <a16:creationId xmlns:a16="http://schemas.microsoft.com/office/drawing/2014/main" xmlns="" id="{EF815033-F9E0-4B73-AC96-7F3471FD4C0D}"/>
               </a:ext>
             </a:extLst>
           </p:cNvPr>
@@ -2294,7 +2295,7 @@
           <p:cNvPr id="4" name="텍스트 개체 틀 3">
             <a:extLst>
               <a:ext uri="{FF2B5EF4-FFF2-40B4-BE49-F238E27FC236}">
-                <a16:creationId xmlns:a16="http://schemas.microsoft.com/office/drawing/2014/main" id="{880B5211-FF2B-4048-8144-31D3909104BF}"/>
+                <a16:creationId xmlns:a16="http://schemas.microsoft.com/office/drawing/2014/main" xmlns="" id="{880B5211-FF2B-4048-8144-31D3909104BF}"/>
               </a:ext>
             </a:extLst>
           </p:cNvPr>
@@ -2365,7 +2366,7 @@
           <p:cNvPr id="5" name="날짜 개체 틀 4">
             <a:extLst>
               <a:ext uri="{FF2B5EF4-FFF2-40B4-BE49-F238E27FC236}">
-                <a16:creationId xmlns:a16="http://schemas.microsoft.com/office/drawing/2014/main" id="{A2213061-415F-47CB-A662-3A0FFC6752EF}"/>
+                <a16:creationId xmlns:a16="http://schemas.microsoft.com/office/drawing/2014/main" xmlns="" id="{A2213061-415F-47CB-A662-3A0FFC6752EF}"/>
               </a:ext>
             </a:extLst>
           </p:cNvPr>
@@ -2383,7 +2384,7 @@
           <a:p>
             <a:fld id="{E5F03FC9-0721-4A8C-8680-8F55A73463EF}" type="datetimeFigureOut">
               <a:rPr lang="ko-KR" altLang="en-US" smtClean="0"/>
-              <a:t>2020-10-24</a:t>
+              <a:t>2020-10-26</a:t>
             </a:fld>
             <a:endParaRPr lang="ko-KR" altLang="en-US"/>
           </a:p>
@@ -2394,7 +2395,7 @@
           <p:cNvPr id="6" name="바닥글 개체 틀 5">
             <a:extLst>
               <a:ext uri="{FF2B5EF4-FFF2-40B4-BE49-F238E27FC236}">
-                <a16:creationId xmlns:a16="http://schemas.microsoft.com/office/drawing/2014/main" id="{97544ED4-8319-4172-8DAD-F6E200B193A2}"/>
+                <a16:creationId xmlns:a16="http://schemas.microsoft.com/office/drawing/2014/main" xmlns="" id="{97544ED4-8319-4172-8DAD-F6E200B193A2}"/>
               </a:ext>
             </a:extLst>
           </p:cNvPr>
@@ -2419,7 +2420,7 @@
           <p:cNvPr id="7" name="슬라이드 번호 개체 틀 6">
             <a:extLst>
               <a:ext uri="{FF2B5EF4-FFF2-40B4-BE49-F238E27FC236}">
-                <a16:creationId xmlns:a16="http://schemas.microsoft.com/office/drawing/2014/main" id="{1B688671-C713-4209-8097-3B0B9170EE3A}"/>
+                <a16:creationId xmlns:a16="http://schemas.microsoft.com/office/drawing/2014/main" xmlns="" id="{1B688671-C713-4209-8097-3B0B9170EE3A}"/>
               </a:ext>
             </a:extLst>
           </p:cNvPr>
@@ -2478,7 +2479,7 @@
           <p:cNvPr id="2" name="제목 1">
             <a:extLst>
               <a:ext uri="{FF2B5EF4-FFF2-40B4-BE49-F238E27FC236}">
-                <a16:creationId xmlns:a16="http://schemas.microsoft.com/office/drawing/2014/main" id="{CCBD9EFF-4B1C-4676-9DCB-59A592E6218B}"/>
+                <a16:creationId xmlns:a16="http://schemas.microsoft.com/office/drawing/2014/main" xmlns="" id="{CCBD9EFF-4B1C-4676-9DCB-59A592E6218B}"/>
               </a:ext>
             </a:extLst>
           </p:cNvPr>
@@ -2515,7 +2516,7 @@
           <p:cNvPr id="3" name="그림 개체 틀 2">
             <a:extLst>
               <a:ext uri="{FF2B5EF4-FFF2-40B4-BE49-F238E27FC236}">
-                <a16:creationId xmlns:a16="http://schemas.microsoft.com/office/drawing/2014/main" id="{30E0A8AB-E669-437F-9E06-BBBEB3D854FC}"/>
+                <a16:creationId xmlns:a16="http://schemas.microsoft.com/office/drawing/2014/main" xmlns="" id="{30E0A8AB-E669-437F-9E06-BBBEB3D854FC}"/>
               </a:ext>
             </a:extLst>
           </p:cNvPr>
@@ -2582,7 +2583,7 @@
           <p:cNvPr id="4" name="텍스트 개체 틀 3">
             <a:extLst>
               <a:ext uri="{FF2B5EF4-FFF2-40B4-BE49-F238E27FC236}">
-                <a16:creationId xmlns:a16="http://schemas.microsoft.com/office/drawing/2014/main" id="{8C461A8A-103B-4450-B147-03DDF437A68A}"/>
+                <a16:creationId xmlns:a16="http://schemas.microsoft.com/office/drawing/2014/main" xmlns="" id="{8C461A8A-103B-4450-B147-03DDF437A68A}"/>
               </a:ext>
             </a:extLst>
           </p:cNvPr>
@@ -2653,7 +2654,7 @@
           <p:cNvPr id="5" name="날짜 개체 틀 4">
             <a:extLst>
               <a:ext uri="{FF2B5EF4-FFF2-40B4-BE49-F238E27FC236}">
-                <a16:creationId xmlns:a16="http://schemas.microsoft.com/office/drawing/2014/main" id="{B3CB033F-9FAF-4E79-B2BC-6EEC24D87470}"/>
+                <a16:creationId xmlns:a16="http://schemas.microsoft.com/office/drawing/2014/main" xmlns="" id="{B3CB033F-9FAF-4E79-B2BC-6EEC24D87470}"/>
               </a:ext>
             </a:extLst>
           </p:cNvPr>
@@ -2671,7 +2672,7 @@
           <a:p>
             <a:fld id="{E5F03FC9-0721-4A8C-8680-8F55A73463EF}" type="datetimeFigureOut">
               <a:rPr lang="ko-KR" altLang="en-US" smtClean="0"/>
-              <a:t>2020-10-24</a:t>
+              <a:t>2020-10-26</a:t>
             </a:fld>
             <a:endParaRPr lang="ko-KR" altLang="en-US"/>
           </a:p>
@@ -2682,7 +2683,7 @@
           <p:cNvPr id="6" name="바닥글 개체 틀 5">
             <a:extLst>
               <a:ext uri="{FF2B5EF4-FFF2-40B4-BE49-F238E27FC236}">
-                <a16:creationId xmlns:a16="http://schemas.microsoft.com/office/drawing/2014/main" id="{4E9361BB-24D4-4E7D-9AC4-66718990F027}"/>
+                <a16:creationId xmlns:a16="http://schemas.microsoft.com/office/drawing/2014/main" xmlns="" id="{4E9361BB-24D4-4E7D-9AC4-66718990F027}"/>
               </a:ext>
             </a:extLst>
           </p:cNvPr>
@@ -2707,7 +2708,7 @@
           <p:cNvPr id="7" name="슬라이드 번호 개체 틀 6">
             <a:extLst>
               <a:ext uri="{FF2B5EF4-FFF2-40B4-BE49-F238E27FC236}">
-                <a16:creationId xmlns:a16="http://schemas.microsoft.com/office/drawing/2014/main" id="{79F9DA34-399E-41CE-8B35-9D316F400C95}"/>
+                <a16:creationId xmlns:a16="http://schemas.microsoft.com/office/drawing/2014/main" xmlns="" id="{79F9DA34-399E-41CE-8B35-9D316F400C95}"/>
               </a:ext>
             </a:extLst>
           </p:cNvPr>
@@ -2771,7 +2772,7 @@
           <p:cNvPr id="2" name="제목 개체 틀 1">
             <a:extLst>
               <a:ext uri="{FF2B5EF4-FFF2-40B4-BE49-F238E27FC236}">
-                <a16:creationId xmlns:a16="http://schemas.microsoft.com/office/drawing/2014/main" id="{BC07C2D1-C27E-4CA3-8B44-DEC93AC77E0D}"/>
+                <a16:creationId xmlns:a16="http://schemas.microsoft.com/office/drawing/2014/main" xmlns="" id="{BC07C2D1-C27E-4CA3-8B44-DEC93AC77E0D}"/>
               </a:ext>
             </a:extLst>
           </p:cNvPr>
@@ -2809,7 +2810,7 @@
           <p:cNvPr id="3" name="텍스트 개체 틀 2">
             <a:extLst>
               <a:ext uri="{FF2B5EF4-FFF2-40B4-BE49-F238E27FC236}">
-                <a16:creationId xmlns:a16="http://schemas.microsoft.com/office/drawing/2014/main" id="{EBC78CDE-F3F8-4FB3-9686-87FB8D645F2A}"/>
+                <a16:creationId xmlns:a16="http://schemas.microsoft.com/office/drawing/2014/main" xmlns="" id="{EBC78CDE-F3F8-4FB3-9686-87FB8D645F2A}"/>
               </a:ext>
             </a:extLst>
           </p:cNvPr>
@@ -2876,7 +2877,7 @@
           <p:cNvPr id="4" name="날짜 개체 틀 3">
             <a:extLst>
               <a:ext uri="{FF2B5EF4-FFF2-40B4-BE49-F238E27FC236}">
-                <a16:creationId xmlns:a16="http://schemas.microsoft.com/office/drawing/2014/main" id="{A619FF25-E406-4098-8414-EB7118049CCA}"/>
+                <a16:creationId xmlns:a16="http://schemas.microsoft.com/office/drawing/2014/main" xmlns="" id="{A619FF25-E406-4098-8414-EB7118049CCA}"/>
               </a:ext>
             </a:extLst>
           </p:cNvPr>
@@ -2912,7 +2913,7 @@
           <a:p>
             <a:fld id="{E5F03FC9-0721-4A8C-8680-8F55A73463EF}" type="datetimeFigureOut">
               <a:rPr lang="ko-KR" altLang="en-US" smtClean="0"/>
-              <a:t>2020-10-24</a:t>
+              <a:t>2020-10-26</a:t>
             </a:fld>
             <a:endParaRPr lang="ko-KR" altLang="en-US"/>
           </a:p>
@@ -2923,7 +2924,7 @@
           <p:cNvPr id="5" name="바닥글 개체 틀 4">
             <a:extLst>
               <a:ext uri="{FF2B5EF4-FFF2-40B4-BE49-F238E27FC236}">
-                <a16:creationId xmlns:a16="http://schemas.microsoft.com/office/drawing/2014/main" id="{E5CA34ED-D07A-46FB-A23E-845AD7C09BA6}"/>
+                <a16:creationId xmlns:a16="http://schemas.microsoft.com/office/drawing/2014/main" xmlns="" id="{E5CA34ED-D07A-46FB-A23E-845AD7C09BA6}"/>
               </a:ext>
             </a:extLst>
           </p:cNvPr>
@@ -2966,7 +2967,7 @@
           <p:cNvPr id="6" name="슬라이드 번호 개체 틀 5">
             <a:extLst>
               <a:ext uri="{FF2B5EF4-FFF2-40B4-BE49-F238E27FC236}">
-                <a16:creationId xmlns:a16="http://schemas.microsoft.com/office/drawing/2014/main" id="{BF4E85CE-FF09-4CF5-B83D-B9AA274DA197}"/>
+                <a16:creationId xmlns:a16="http://schemas.microsoft.com/office/drawing/2014/main" xmlns="" id="{BF4E85CE-FF09-4CF5-B83D-B9AA274DA197}"/>
               </a:ext>
             </a:extLst>
           </p:cNvPr>
@@ -3334,7 +3335,7 @@
           <p:cNvPr id="5" name="그림 4" descr="텍스트이(가) 표시된 사진&#10;&#10;자동 생성된 설명">
             <a:extLst>
               <a:ext uri="{FF2B5EF4-FFF2-40B4-BE49-F238E27FC236}">
-                <a16:creationId xmlns:a16="http://schemas.microsoft.com/office/drawing/2014/main" id="{F311E9F4-6558-4413-A3BD-A2436B26CE15}"/>
+                <a16:creationId xmlns:a16="http://schemas.microsoft.com/office/drawing/2014/main" xmlns="" id="{F311E9F4-6558-4413-A3BD-A2436B26CE15}"/>
               </a:ext>
             </a:extLst>
           </p:cNvPr>
@@ -3369,7 +3370,7 @@
           <p:cNvPr id="6" name="TextBox 5">
             <a:extLst>
               <a:ext uri="{FF2B5EF4-FFF2-40B4-BE49-F238E27FC236}">
-                <a16:creationId xmlns:a16="http://schemas.microsoft.com/office/drawing/2014/main" id="{FBA7A02B-A889-4316-8FE4-EE7A882CFD0C}"/>
+                <a16:creationId xmlns:a16="http://schemas.microsoft.com/office/drawing/2014/main" xmlns="" id="{FBA7A02B-A889-4316-8FE4-EE7A882CFD0C}"/>
               </a:ext>
             </a:extLst>
           </p:cNvPr>
@@ -3475,7 +3476,7 @@
           <p:cNvPr id="7" name="직사각형 6">
             <a:extLst>
               <a:ext uri="{FF2B5EF4-FFF2-40B4-BE49-F238E27FC236}">
-                <a16:creationId xmlns:a16="http://schemas.microsoft.com/office/drawing/2014/main" id="{0D3AA6F2-9EF6-4462-AC41-B4215D287525}"/>
+                <a16:creationId xmlns:a16="http://schemas.microsoft.com/office/drawing/2014/main" xmlns="" id="{0D3AA6F2-9EF6-4462-AC41-B4215D287525}"/>
               </a:ext>
             </a:extLst>
           </p:cNvPr>
@@ -3559,7 +3560,7 @@
           <p:cNvPr id="4" name="그림 3">
             <a:extLst>
               <a:ext uri="{FF2B5EF4-FFF2-40B4-BE49-F238E27FC236}">
-                <a16:creationId xmlns:a16="http://schemas.microsoft.com/office/drawing/2014/main" id="{6F1C5C24-5F4D-4D7D-BACB-6E6CC9EE92D9}"/>
+                <a16:creationId xmlns:a16="http://schemas.microsoft.com/office/drawing/2014/main" xmlns="" id="{6F1C5C24-5F4D-4D7D-BACB-6E6CC9EE92D9}"/>
               </a:ext>
             </a:extLst>
           </p:cNvPr>
@@ -3619,7 +3620,7 @@
           <p:cNvPr id="4" name="그림 3">
             <a:extLst>
               <a:ext uri="{FF2B5EF4-FFF2-40B4-BE49-F238E27FC236}">
-                <a16:creationId xmlns:a16="http://schemas.microsoft.com/office/drawing/2014/main" id="{5882783E-0962-4F4D-993F-D9F921705337}"/>
+                <a16:creationId xmlns:a16="http://schemas.microsoft.com/office/drawing/2014/main" xmlns="" id="{5882783E-0962-4F4D-993F-D9F921705337}"/>
               </a:ext>
             </a:extLst>
           </p:cNvPr>
@@ -3649,7 +3650,7 @@
           <p:cNvPr id="5" name="그림 4">
             <a:extLst>
               <a:ext uri="{FF2B5EF4-FFF2-40B4-BE49-F238E27FC236}">
-                <a16:creationId xmlns:a16="http://schemas.microsoft.com/office/drawing/2014/main" id="{12FA596F-8BC0-48BA-BF64-C0651BF85FF5}"/>
+                <a16:creationId xmlns:a16="http://schemas.microsoft.com/office/drawing/2014/main" xmlns="" id="{12FA596F-8BC0-48BA-BF64-C0651BF85FF5}"/>
               </a:ext>
             </a:extLst>
           </p:cNvPr>
@@ -3679,7 +3680,7 @@
           <p:cNvPr id="6" name="그림 5">
             <a:extLst>
               <a:ext uri="{FF2B5EF4-FFF2-40B4-BE49-F238E27FC236}">
-                <a16:creationId xmlns:a16="http://schemas.microsoft.com/office/drawing/2014/main" id="{71C94C89-4BDB-4611-A8AF-833123E5CC76}"/>
+                <a16:creationId xmlns:a16="http://schemas.microsoft.com/office/drawing/2014/main" xmlns="" id="{71C94C89-4BDB-4611-A8AF-833123E5CC76}"/>
               </a:ext>
             </a:extLst>
           </p:cNvPr>
@@ -3709,7 +3710,7 @@
           <p:cNvPr id="9" name="그림 8">
             <a:extLst>
               <a:ext uri="{FF2B5EF4-FFF2-40B4-BE49-F238E27FC236}">
-                <a16:creationId xmlns:a16="http://schemas.microsoft.com/office/drawing/2014/main" id="{1CE0C530-C736-4C10-9280-C86A4BD4DAAC}"/>
+                <a16:creationId xmlns:a16="http://schemas.microsoft.com/office/drawing/2014/main" xmlns="" id="{1CE0C530-C736-4C10-9280-C86A4BD4DAAC}"/>
               </a:ext>
             </a:extLst>
           </p:cNvPr>
@@ -3739,7 +3740,7 @@
           <p:cNvPr id="10" name="그림 9">
             <a:extLst>
               <a:ext uri="{FF2B5EF4-FFF2-40B4-BE49-F238E27FC236}">
-                <a16:creationId xmlns:a16="http://schemas.microsoft.com/office/drawing/2014/main" id="{673E9D94-7F6F-4A8A-A308-0B5122018949}"/>
+                <a16:creationId xmlns:a16="http://schemas.microsoft.com/office/drawing/2014/main" xmlns="" id="{673E9D94-7F6F-4A8A-A308-0B5122018949}"/>
               </a:ext>
             </a:extLst>
           </p:cNvPr>
@@ -3769,7 +3770,7 @@
           <p:cNvPr id="11" name="같음 기호 10">
             <a:extLst>
               <a:ext uri="{FF2B5EF4-FFF2-40B4-BE49-F238E27FC236}">
-                <a16:creationId xmlns:a16="http://schemas.microsoft.com/office/drawing/2014/main" id="{600CCDBD-70D4-473B-B79C-20CA0AA15B6A}"/>
+                <a16:creationId xmlns:a16="http://schemas.microsoft.com/office/drawing/2014/main" xmlns="" id="{600CCDBD-70D4-473B-B79C-20CA0AA15B6A}"/>
               </a:ext>
             </a:extLst>
           </p:cNvPr>
@@ -3819,7 +3820,7 @@
           <p:cNvPr id="12" name="더하기 기호 11">
             <a:extLst>
               <a:ext uri="{FF2B5EF4-FFF2-40B4-BE49-F238E27FC236}">
-                <a16:creationId xmlns:a16="http://schemas.microsoft.com/office/drawing/2014/main" id="{0317CA1B-98F9-4473-958F-C4C577000BD3}"/>
+                <a16:creationId xmlns:a16="http://schemas.microsoft.com/office/drawing/2014/main" xmlns="" id="{0317CA1B-98F9-4473-958F-C4C577000BD3}"/>
               </a:ext>
             </a:extLst>
           </p:cNvPr>
@@ -3865,7 +3866,7 @@
           <p:cNvPr id="13" name="더하기 기호 12">
             <a:extLst>
               <a:ext uri="{FF2B5EF4-FFF2-40B4-BE49-F238E27FC236}">
-                <a16:creationId xmlns:a16="http://schemas.microsoft.com/office/drawing/2014/main" id="{856D08EA-E4D5-494B-9ACC-084938D78C5A}"/>
+                <a16:creationId xmlns:a16="http://schemas.microsoft.com/office/drawing/2014/main" xmlns="" id="{856D08EA-E4D5-494B-9ACC-084938D78C5A}"/>
               </a:ext>
             </a:extLst>
           </p:cNvPr>
@@ -3911,7 +3912,7 @@
           <p:cNvPr id="14" name="더하기 기호 13">
             <a:extLst>
               <a:ext uri="{FF2B5EF4-FFF2-40B4-BE49-F238E27FC236}">
-                <a16:creationId xmlns:a16="http://schemas.microsoft.com/office/drawing/2014/main" id="{5BEC5DCF-D40A-4862-BA2C-F6D9FB832A6A}"/>
+                <a16:creationId xmlns:a16="http://schemas.microsoft.com/office/drawing/2014/main" xmlns="" id="{5BEC5DCF-D40A-4862-BA2C-F6D9FB832A6A}"/>
               </a:ext>
             </a:extLst>
           </p:cNvPr>
@@ -3957,7 +3958,7 @@
           <p:cNvPr id="15" name="더하기 기호 14">
             <a:extLst>
               <a:ext uri="{FF2B5EF4-FFF2-40B4-BE49-F238E27FC236}">
-                <a16:creationId xmlns:a16="http://schemas.microsoft.com/office/drawing/2014/main" id="{B3659AF0-37CF-413D-A757-89E210C4A20D}"/>
+                <a16:creationId xmlns:a16="http://schemas.microsoft.com/office/drawing/2014/main" xmlns="" id="{B3659AF0-37CF-413D-A757-89E210C4A20D}"/>
               </a:ext>
             </a:extLst>
           </p:cNvPr>
@@ -3998,14 +3999,14 @@
           </a:p>
         </p:txBody>
       </p:sp>
-      <mc:AlternateContent xmlns:mc="http://schemas.openxmlformats.org/markup-compatibility/2006">
-        <mc:Choice xmlns:a14="http://schemas.microsoft.com/office/drawing/2010/main" Requires="a14">
+      <mc:AlternateContent xmlns:mc="http://schemas.openxmlformats.org/markup-compatibility/2006" xmlns:a14="http://schemas.microsoft.com/office/drawing/2010/main">
+        <mc:Choice Requires="a14">
           <p:sp>
             <p:nvSpPr>
               <p:cNvPr id="16" name="TextBox 15">
                 <a:extLst>
                   <a:ext uri="{FF2B5EF4-FFF2-40B4-BE49-F238E27FC236}">
-                    <a16:creationId xmlns:a16="http://schemas.microsoft.com/office/drawing/2014/main" id="{9C920408-71ED-419F-B43E-1DB41A7880F0}"/>
+                    <a16:creationId xmlns:a16="http://schemas.microsoft.com/office/drawing/2014/main" xmlns="" id="{9C920408-71ED-419F-B43E-1DB41A7880F0}"/>
                   </a:ext>
                 </a:extLst>
               </p:cNvPr>
@@ -4028,6 +4029,7 @@
               </a:bodyPr>
               <a:lstStyle/>
               <a:p>
+                <a:pPr/>
                 <a14:m>
                   <m:oMathPara xmlns:m="http://schemas.openxmlformats.org/officeDocument/2006/math">
                     <m:oMathParaPr>
@@ -4048,7 +4050,7 @@
             </p:txBody>
           </p:sp>
         </mc:Choice>
-        <mc:Fallback>
+        <mc:Fallback xmlns="">
           <p:sp>
             <p:nvSpPr>
               <p:cNvPr id="16" name="TextBox 15">
@@ -4093,14 +4095,14 @@
           </p:sp>
         </mc:Fallback>
       </mc:AlternateContent>
-      <mc:AlternateContent xmlns:mc="http://schemas.openxmlformats.org/markup-compatibility/2006">
-        <mc:Choice xmlns:a14="http://schemas.microsoft.com/office/drawing/2010/main" Requires="a14">
+      <mc:AlternateContent xmlns:mc="http://schemas.openxmlformats.org/markup-compatibility/2006" xmlns:a14="http://schemas.microsoft.com/office/drawing/2010/main">
+        <mc:Choice Requires="a14">
           <p:sp>
             <p:nvSpPr>
               <p:cNvPr id="17" name="TextBox 16">
                 <a:extLst>
                   <a:ext uri="{FF2B5EF4-FFF2-40B4-BE49-F238E27FC236}">
-                    <a16:creationId xmlns:a16="http://schemas.microsoft.com/office/drawing/2014/main" id="{A0D04FD1-E949-4C38-8C9F-96F1B2CDDCAC}"/>
+                    <a16:creationId xmlns:a16="http://schemas.microsoft.com/office/drawing/2014/main" xmlns="" id="{A0D04FD1-E949-4C38-8C9F-96F1B2CDDCAC}"/>
                   </a:ext>
                 </a:extLst>
               </p:cNvPr>
@@ -4123,6 +4125,7 @@
               </a:bodyPr>
               <a:lstStyle/>
               <a:p>
+                <a:pPr/>
                 <a14:m>
                   <m:oMathPara xmlns:m="http://schemas.openxmlformats.org/officeDocument/2006/math">
                     <m:oMathParaPr>
@@ -4143,7 +4146,7 @@
             </p:txBody>
           </p:sp>
         </mc:Choice>
-        <mc:Fallback>
+        <mc:Fallback xmlns="">
           <p:sp>
             <p:nvSpPr>
               <p:cNvPr id="17" name="TextBox 16">
@@ -4193,7 +4196,7 @@
           <p:cNvPr id="18" name="더하기 기호 17">
             <a:extLst>
               <a:ext uri="{FF2B5EF4-FFF2-40B4-BE49-F238E27FC236}">
-                <a16:creationId xmlns:a16="http://schemas.microsoft.com/office/drawing/2014/main" id="{614F1147-7925-4158-B8D1-ACE1AD09F0A8}"/>
+                <a16:creationId xmlns:a16="http://schemas.microsoft.com/office/drawing/2014/main" xmlns="" id="{614F1147-7925-4158-B8D1-ACE1AD09F0A8}"/>
               </a:ext>
             </a:extLst>
           </p:cNvPr>
@@ -4269,7 +4272,7 @@
           <p:cNvPr id="4" name="그림 3">
             <a:extLst>
               <a:ext uri="{FF2B5EF4-FFF2-40B4-BE49-F238E27FC236}">
-                <a16:creationId xmlns:a16="http://schemas.microsoft.com/office/drawing/2014/main" id="{E9BF00B2-4A52-4D35-962C-C6EF76ED44B3}"/>
+                <a16:creationId xmlns:a16="http://schemas.microsoft.com/office/drawing/2014/main" xmlns="" id="{E9BF00B2-4A52-4D35-962C-C6EF76ED44B3}"/>
               </a:ext>
             </a:extLst>
           </p:cNvPr>
@@ -4299,7 +4302,7 @@
           <p:cNvPr id="5" name="직사각형 4">
             <a:extLst>
               <a:ext uri="{FF2B5EF4-FFF2-40B4-BE49-F238E27FC236}">
-                <a16:creationId xmlns:a16="http://schemas.microsoft.com/office/drawing/2014/main" id="{496A2524-A635-4FBD-A399-6F39899147AC}"/>
+                <a16:creationId xmlns:a16="http://schemas.microsoft.com/office/drawing/2014/main" xmlns="" id="{496A2524-A635-4FBD-A399-6F39899147AC}"/>
               </a:ext>
             </a:extLst>
           </p:cNvPr>
@@ -4355,7 +4358,7 @@
           <p:cNvPr id="7" name="직선 화살표 연결선 6">
             <a:extLst>
               <a:ext uri="{FF2B5EF4-FFF2-40B4-BE49-F238E27FC236}">
-                <a16:creationId xmlns:a16="http://schemas.microsoft.com/office/drawing/2014/main" id="{E1690EAD-B4C2-403B-B705-CB53CF1E16A5}"/>
+                <a16:creationId xmlns:a16="http://schemas.microsoft.com/office/drawing/2014/main" xmlns="" id="{E1690EAD-B4C2-403B-B705-CB53CF1E16A5}"/>
               </a:ext>
             </a:extLst>
           </p:cNvPr>
@@ -4400,7 +4403,7 @@
           <p:cNvPr id="9" name="TextBox 8">
             <a:extLst>
               <a:ext uri="{FF2B5EF4-FFF2-40B4-BE49-F238E27FC236}">
-                <a16:creationId xmlns:a16="http://schemas.microsoft.com/office/drawing/2014/main" id="{34032B2F-BAE1-41C6-9CC7-0D86388A901F}"/>
+                <a16:creationId xmlns:a16="http://schemas.microsoft.com/office/drawing/2014/main" xmlns="" id="{34032B2F-BAE1-41C6-9CC7-0D86388A901F}"/>
               </a:ext>
             </a:extLst>
           </p:cNvPr>
@@ -4437,7 +4440,7 @@
           <p:cNvPr id="10" name="왼쪽 중괄호 9">
             <a:extLst>
               <a:ext uri="{FF2B5EF4-FFF2-40B4-BE49-F238E27FC236}">
-                <a16:creationId xmlns:a16="http://schemas.microsoft.com/office/drawing/2014/main" id="{270A0127-B490-4760-9ABD-502961FD32F8}"/>
+                <a16:creationId xmlns:a16="http://schemas.microsoft.com/office/drawing/2014/main" xmlns="" id="{270A0127-B490-4760-9ABD-502961FD32F8}"/>
               </a:ext>
             </a:extLst>
           </p:cNvPr>
@@ -4489,7 +4492,7 @@
           <p:cNvPr id="11" name="TextBox 10">
             <a:extLst>
               <a:ext uri="{FF2B5EF4-FFF2-40B4-BE49-F238E27FC236}">
-                <a16:creationId xmlns:a16="http://schemas.microsoft.com/office/drawing/2014/main" id="{B7E18635-2B06-4296-8256-273EC324408C}"/>
+                <a16:creationId xmlns:a16="http://schemas.microsoft.com/office/drawing/2014/main" xmlns="" id="{B7E18635-2B06-4296-8256-273EC324408C}"/>
               </a:ext>
             </a:extLst>
           </p:cNvPr>
@@ -4526,7 +4529,7 @@
           <p:cNvPr id="12" name="직사각형 11">
             <a:extLst>
               <a:ext uri="{FF2B5EF4-FFF2-40B4-BE49-F238E27FC236}">
-                <a16:creationId xmlns:a16="http://schemas.microsoft.com/office/drawing/2014/main" id="{AD54B500-41C7-44BA-BEBA-72CB5D7F99C9}"/>
+                <a16:creationId xmlns:a16="http://schemas.microsoft.com/office/drawing/2014/main" xmlns="" id="{AD54B500-41C7-44BA-BEBA-72CB5D7F99C9}"/>
               </a:ext>
             </a:extLst>
           </p:cNvPr>
@@ -4582,7 +4585,7 @@
           <p:cNvPr id="13" name="직선 화살표 연결선 12">
             <a:extLst>
               <a:ext uri="{FF2B5EF4-FFF2-40B4-BE49-F238E27FC236}">
-                <a16:creationId xmlns:a16="http://schemas.microsoft.com/office/drawing/2014/main" id="{81AD0613-859B-46F5-A312-13C74944045F}"/>
+                <a16:creationId xmlns:a16="http://schemas.microsoft.com/office/drawing/2014/main" xmlns="" id="{81AD0613-859B-46F5-A312-13C74944045F}"/>
               </a:ext>
             </a:extLst>
           </p:cNvPr>
@@ -4629,7 +4632,7 @@
               <p:cNvPr id="14" name="TextBox 13">
                 <a:extLst>
                   <a:ext uri="{FF2B5EF4-FFF2-40B4-BE49-F238E27FC236}">
-                    <a16:creationId xmlns:a16="http://schemas.microsoft.com/office/drawing/2014/main" id="{90396817-BB8D-4DD2-9CEC-88E201BF9325}"/>
+                    <a16:creationId xmlns:a16="http://schemas.microsoft.com/office/drawing/2014/main" xmlns="" id="{90396817-BB8D-4DD2-9CEC-88E201BF9325}"/>
                   </a:ext>
                 </a:extLst>
               </p:cNvPr>
@@ -4725,7 +4728,7 @@
               <p:cNvPr id="15" name="TextBox 14">
                 <a:extLst>
                   <a:ext uri="{FF2B5EF4-FFF2-40B4-BE49-F238E27FC236}">
-                    <a16:creationId xmlns:a16="http://schemas.microsoft.com/office/drawing/2014/main" id="{32FFBECD-A747-4786-8272-74E2DC9750AE}"/>
+                    <a16:creationId xmlns:a16="http://schemas.microsoft.com/office/drawing/2014/main" xmlns="" id="{32FFBECD-A747-4786-8272-74E2DC9750AE}"/>
                   </a:ext>
                 </a:extLst>
               </p:cNvPr>
@@ -4827,6 +4830,100 @@
 </p:sld>
 </file>
 
+<file path=ppt/slides/slide5.xml><?xml version="1.0" encoding="utf-8"?>
+<p:sld xmlns:a="http://schemas.openxmlformats.org/drawingml/2006/main" xmlns:r="http://schemas.openxmlformats.org/officeDocument/2006/relationships" xmlns:p="http://schemas.openxmlformats.org/presentationml/2006/main">
+  <p:cSld>
+    <p:spTree>
+      <p:nvGrpSpPr>
+        <p:cNvPr id="1" name=""/>
+        <p:cNvGrpSpPr/>
+        <p:nvPr/>
+      </p:nvGrpSpPr>
+      <p:grpSpPr>
+        <a:xfrm>
+          <a:off x="0" y="0"/>
+          <a:ext cx="0" cy="0"/>
+          <a:chOff x="0" y="0"/>
+          <a:chExt cx="0" cy="0"/>
+        </a:xfrm>
+      </p:grpSpPr>
+      <p:pic>
+        <p:nvPicPr>
+          <p:cNvPr id="1027" name="Picture 3"/>
+          <p:cNvPicPr>
+            <a:picLocks noChangeAspect="1" noChangeArrowheads="1"/>
+          </p:cNvPicPr>
+          <p:nvPr/>
+        </p:nvPicPr>
+        <p:blipFill>
+          <a:blip r:embed="rId2">
+            <a:extLst>
+              <a:ext uri="{28A0092B-C50C-407E-A947-70E740481C1C}">
+                <a14:useLocalDpi xmlns:a14="http://schemas.microsoft.com/office/drawing/2010/main" val="0"/>
+              </a:ext>
+            </a:extLst>
+          </a:blip>
+          <a:srcRect/>
+          <a:stretch>
+            <a:fillRect/>
+          </a:stretch>
+        </p:blipFill>
+        <p:spPr bwMode="auto">
+          <a:xfrm>
+            <a:off x="3432175" y="1433513"/>
+            <a:ext cx="5324475" cy="3990975"/>
+          </a:xfrm>
+          <a:prstGeom prst="rect">
+            <a:avLst/>
+          </a:prstGeom>
+          <a:noFill/>
+          <a:ln>
+            <a:noFill/>
+          </a:ln>
+          <a:effectLst/>
+          <a:extLst>
+            <a:ext uri="{909E8E84-426E-40DD-AFC4-6F175D3DCCD1}">
+              <a14:hiddenFill xmlns:a14="http://schemas.microsoft.com/office/drawing/2010/main">
+                <a:solidFill>
+                  <a:schemeClr val="accent1"/>
+                </a:solidFill>
+              </a14:hiddenFill>
+            </a:ext>
+            <a:ext uri="{91240B29-F687-4F45-9708-019B960494DF}">
+              <a14:hiddenLine xmlns:a14="http://schemas.microsoft.com/office/drawing/2010/main" w="9525">
+                <a:solidFill>
+                  <a:schemeClr val="tx1"/>
+                </a:solidFill>
+                <a:miter lim="800000"/>
+                <a:headEnd/>
+                <a:tailEnd/>
+              </a14:hiddenLine>
+            </a:ext>
+            <a:ext uri="{AF507438-7753-43E0-B8FC-AC1667EBCBE1}">
+              <a14:hiddenEffects xmlns:a14="http://schemas.microsoft.com/office/drawing/2010/main">
+                <a:effectLst>
+                  <a:outerShdw dist="35921" dir="2700000" algn="ctr" rotWithShape="0">
+                    <a:schemeClr val="bg2"/>
+                  </a:outerShdw>
+                </a:effectLst>
+              </a14:hiddenEffects>
+            </a:ext>
+          </a:extLst>
+        </p:spPr>
+      </p:pic>
+    </p:spTree>
+    <p:extLst>
+      <p:ext uri="{BB962C8B-B14F-4D97-AF65-F5344CB8AC3E}">
+        <p14:creationId xmlns:p14="http://schemas.microsoft.com/office/powerpoint/2010/main" val="1940357170"/>
+      </p:ext>
+    </p:extLst>
+  </p:cSld>
+  <p:clrMapOvr>
+    <a:masterClrMapping/>
+  </p:clrMapOvr>
+</p:sld>
+</file>
+
 <file path=ppt/theme/theme1.xml><?xml version="1.0" encoding="utf-8"?>
 <a:theme xmlns:a="http://schemas.openxmlformats.org/drawingml/2006/main" name="Office 테마">
   <a:themeElements>
@@ -4870,7 +4967,7 @@
     </a:clrScheme>
     <a:fontScheme name="Office">
       <a:majorFont>
-        <a:latin typeface="맑은 고딕" panose="020F0302020204030204"/>
+        <a:latin typeface="맑은 고딕"/>
         <a:ea typeface=""/>
         <a:cs typeface=""/>
         <a:font script="Jpan" typeface="游ゴシック Light"/>
@@ -4922,7 +5019,7 @@
         <a:font script="Tfng" typeface="Ebrima"/>
       </a:majorFont>
       <a:minorFont>
-        <a:latin typeface="맑은 고딕" panose="020F0502020204030204"/>
+        <a:latin typeface="맑은 고딕"/>
         <a:ea typeface=""/>
         <a:cs typeface=""/>
         <a:font script="Jpan" typeface="游ゴシック"/>
@@ -5116,7 +5213,7 @@
   <a:extraClrSchemeLst/>
   <a:extLst>
     <a:ext uri="{05A4C25C-085E-4340-85A3-A5531E510DB2}">
-      <thm15:themeFamily xmlns:thm15="http://schemas.microsoft.com/office/thememl/2012/main" name="Office Theme" id="{62F939B6-93AF-4DB8-9C6B-D6C7DFDC589F}" vid="{4A3C46E8-61CC-4603-A589-7422A47A8E4A}"/>
+      <thm15:themeFamily xmlns:thm15="http://schemas.microsoft.com/office/thememl/2012/main" xmlns="" name="Office Theme" id="{62F939B6-93AF-4DB8-9C6B-D6C7DFDC589F}" vid="{4A3C46E8-61CC-4603-A589-7422A47A8E4A}"/>
     </a:ext>
   </a:extLst>
 </a:theme>

--- a/pics/2020-10-21-Savitzky_Golay/pics.pptx
+++ b/pics/2020-10-21-Savitzky_Golay/pics.pptx
@@ -9,7 +9,9 @@
     <p:sldId id="259" r:id="rId3"/>
     <p:sldId id="258" r:id="rId4"/>
     <p:sldId id="257" r:id="rId5"/>
-    <p:sldId id="260" r:id="rId6"/>
+    <p:sldId id="261" r:id="rId6"/>
+    <p:sldId id="260" r:id="rId7"/>
+    <p:sldId id="262" r:id="rId8"/>
   </p:sldIdLst>
   <p:sldSz cx="12192000" cy="6858000"/>
   <p:notesSz cx="6858000" cy="9144000"/>
@@ -110,7 +112,18 @@
   </p:defaultTextStyle>
   <p:extLst>
     <p:ext uri="{EFAFB233-063F-42B5-8137-9DF3F51BA10A}">
-      <p15:sldGuideLst xmlns:p15="http://schemas.microsoft.com/office/powerpoint/2012/main" xmlns=""/>
+      <p15:sldGuideLst xmlns:p15="http://schemas.microsoft.com/office/powerpoint/2012/main">
+        <p15:guide id="1" orient="horz" pos="2160">
+          <p15:clr>
+            <a:srgbClr val="A4A3A4"/>
+          </p15:clr>
+        </p15:guide>
+        <p15:guide id="2" pos="3840">
+          <p15:clr>
+            <a:srgbClr val="A4A3A4"/>
+          </p15:clr>
+        </p15:guide>
+      </p15:sldGuideLst>
     </p:ext>
   </p:extLst>
 </p:presentation>
@@ -138,7 +151,7 @@
           <p:cNvPr id="2" name="제목 1">
             <a:extLst>
               <a:ext uri="{FF2B5EF4-FFF2-40B4-BE49-F238E27FC236}">
-                <a16:creationId xmlns:a16="http://schemas.microsoft.com/office/drawing/2014/main" xmlns="" id="{62E8C34D-DF5E-48A2-9D6D-1E69B02B71AE}"/>
+                <a16:creationId xmlns:a16="http://schemas.microsoft.com/office/drawing/2014/main" id="{62E8C34D-DF5E-48A2-9D6D-1E69B02B71AE}"/>
               </a:ext>
             </a:extLst>
           </p:cNvPr>
@@ -175,7 +188,7 @@
           <p:cNvPr id="3" name="부제목 2">
             <a:extLst>
               <a:ext uri="{FF2B5EF4-FFF2-40B4-BE49-F238E27FC236}">
-                <a16:creationId xmlns:a16="http://schemas.microsoft.com/office/drawing/2014/main" xmlns="" id="{1EC614D1-48D9-46E0-A28A-B3431595D8F9}"/>
+                <a16:creationId xmlns:a16="http://schemas.microsoft.com/office/drawing/2014/main" id="{1EC614D1-48D9-46E0-A28A-B3431595D8F9}"/>
               </a:ext>
             </a:extLst>
           </p:cNvPr>
@@ -245,7 +258,7 @@
           <p:cNvPr id="4" name="날짜 개체 틀 3">
             <a:extLst>
               <a:ext uri="{FF2B5EF4-FFF2-40B4-BE49-F238E27FC236}">
-                <a16:creationId xmlns:a16="http://schemas.microsoft.com/office/drawing/2014/main" xmlns="" id="{F2501704-4F0D-4E7C-8441-7584C7104F7A}"/>
+                <a16:creationId xmlns:a16="http://schemas.microsoft.com/office/drawing/2014/main" id="{F2501704-4F0D-4E7C-8441-7584C7104F7A}"/>
               </a:ext>
             </a:extLst>
           </p:cNvPr>
@@ -263,7 +276,7 @@
           <a:p>
             <a:fld id="{E5F03FC9-0721-4A8C-8680-8F55A73463EF}" type="datetimeFigureOut">
               <a:rPr lang="ko-KR" altLang="en-US" smtClean="0"/>
-              <a:t>2020-10-26</a:t>
+              <a:t>2023-05-06</a:t>
             </a:fld>
             <a:endParaRPr lang="ko-KR" altLang="en-US"/>
           </a:p>
@@ -274,7 +287,7 @@
           <p:cNvPr id="5" name="바닥글 개체 틀 4">
             <a:extLst>
               <a:ext uri="{FF2B5EF4-FFF2-40B4-BE49-F238E27FC236}">
-                <a16:creationId xmlns:a16="http://schemas.microsoft.com/office/drawing/2014/main" xmlns="" id="{3751FB73-D64B-4CC6-963C-CB6B2D21DD0C}"/>
+                <a16:creationId xmlns:a16="http://schemas.microsoft.com/office/drawing/2014/main" id="{3751FB73-D64B-4CC6-963C-CB6B2D21DD0C}"/>
               </a:ext>
             </a:extLst>
           </p:cNvPr>
@@ -299,7 +312,7 @@
           <p:cNvPr id="6" name="슬라이드 번호 개체 틀 5">
             <a:extLst>
               <a:ext uri="{FF2B5EF4-FFF2-40B4-BE49-F238E27FC236}">
-                <a16:creationId xmlns:a16="http://schemas.microsoft.com/office/drawing/2014/main" xmlns="" id="{34DCE6E6-8DB4-4603-9CBD-FC96A079A375}"/>
+                <a16:creationId xmlns:a16="http://schemas.microsoft.com/office/drawing/2014/main" id="{34DCE6E6-8DB4-4603-9CBD-FC96A079A375}"/>
               </a:ext>
             </a:extLst>
           </p:cNvPr>
@@ -358,7 +371,7 @@
           <p:cNvPr id="2" name="제목 1">
             <a:extLst>
               <a:ext uri="{FF2B5EF4-FFF2-40B4-BE49-F238E27FC236}">
-                <a16:creationId xmlns:a16="http://schemas.microsoft.com/office/drawing/2014/main" xmlns="" id="{13BBEA9F-9E99-4AE7-AFE9-069F8A04DFE5}"/>
+                <a16:creationId xmlns:a16="http://schemas.microsoft.com/office/drawing/2014/main" id="{13BBEA9F-9E99-4AE7-AFE9-069F8A04DFE5}"/>
               </a:ext>
             </a:extLst>
           </p:cNvPr>
@@ -386,7 +399,7 @@
           <p:cNvPr id="3" name="세로 텍스트 개체 틀 2">
             <a:extLst>
               <a:ext uri="{FF2B5EF4-FFF2-40B4-BE49-F238E27FC236}">
-                <a16:creationId xmlns:a16="http://schemas.microsoft.com/office/drawing/2014/main" xmlns="" id="{8B4E6B05-D8F0-45DC-ABDB-DF098BB72984}"/>
+                <a16:creationId xmlns:a16="http://schemas.microsoft.com/office/drawing/2014/main" id="{8B4E6B05-D8F0-45DC-ABDB-DF098BB72984}"/>
               </a:ext>
             </a:extLst>
           </p:cNvPr>
@@ -443,7 +456,7 @@
           <p:cNvPr id="4" name="날짜 개체 틀 3">
             <a:extLst>
               <a:ext uri="{FF2B5EF4-FFF2-40B4-BE49-F238E27FC236}">
-                <a16:creationId xmlns:a16="http://schemas.microsoft.com/office/drawing/2014/main" xmlns="" id="{F248FC05-E5C5-4AA5-95F4-33CF6F2CAC33}"/>
+                <a16:creationId xmlns:a16="http://schemas.microsoft.com/office/drawing/2014/main" id="{F248FC05-E5C5-4AA5-95F4-33CF6F2CAC33}"/>
               </a:ext>
             </a:extLst>
           </p:cNvPr>
@@ -461,7 +474,7 @@
           <a:p>
             <a:fld id="{E5F03FC9-0721-4A8C-8680-8F55A73463EF}" type="datetimeFigureOut">
               <a:rPr lang="ko-KR" altLang="en-US" smtClean="0"/>
-              <a:t>2020-10-26</a:t>
+              <a:t>2023-05-06</a:t>
             </a:fld>
             <a:endParaRPr lang="ko-KR" altLang="en-US"/>
           </a:p>
@@ -472,7 +485,7 @@
           <p:cNvPr id="5" name="바닥글 개체 틀 4">
             <a:extLst>
               <a:ext uri="{FF2B5EF4-FFF2-40B4-BE49-F238E27FC236}">
-                <a16:creationId xmlns:a16="http://schemas.microsoft.com/office/drawing/2014/main" xmlns="" id="{D1E87CEC-A26B-4DDB-B18C-5EE61276381C}"/>
+                <a16:creationId xmlns:a16="http://schemas.microsoft.com/office/drawing/2014/main" id="{D1E87CEC-A26B-4DDB-B18C-5EE61276381C}"/>
               </a:ext>
             </a:extLst>
           </p:cNvPr>
@@ -497,7 +510,7 @@
           <p:cNvPr id="6" name="슬라이드 번호 개체 틀 5">
             <a:extLst>
               <a:ext uri="{FF2B5EF4-FFF2-40B4-BE49-F238E27FC236}">
-                <a16:creationId xmlns:a16="http://schemas.microsoft.com/office/drawing/2014/main" xmlns="" id="{7B878898-9A4B-4318-B79D-053D41455C95}"/>
+                <a16:creationId xmlns:a16="http://schemas.microsoft.com/office/drawing/2014/main" id="{7B878898-9A4B-4318-B79D-053D41455C95}"/>
               </a:ext>
             </a:extLst>
           </p:cNvPr>
@@ -556,7 +569,7 @@
           <p:cNvPr id="2" name="세로 제목 1">
             <a:extLst>
               <a:ext uri="{FF2B5EF4-FFF2-40B4-BE49-F238E27FC236}">
-                <a16:creationId xmlns:a16="http://schemas.microsoft.com/office/drawing/2014/main" xmlns="" id="{4DA86EDC-7331-4FDB-943F-15DF51A02A70}"/>
+                <a16:creationId xmlns:a16="http://schemas.microsoft.com/office/drawing/2014/main" id="{4DA86EDC-7331-4FDB-943F-15DF51A02A70}"/>
               </a:ext>
             </a:extLst>
           </p:cNvPr>
@@ -589,7 +602,7 @@
           <p:cNvPr id="3" name="세로 텍스트 개체 틀 2">
             <a:extLst>
               <a:ext uri="{FF2B5EF4-FFF2-40B4-BE49-F238E27FC236}">
-                <a16:creationId xmlns:a16="http://schemas.microsoft.com/office/drawing/2014/main" xmlns="" id="{D9830737-6EB1-4EDD-9604-A5C258D8196A}"/>
+                <a16:creationId xmlns:a16="http://schemas.microsoft.com/office/drawing/2014/main" id="{D9830737-6EB1-4EDD-9604-A5C258D8196A}"/>
               </a:ext>
             </a:extLst>
           </p:cNvPr>
@@ -651,7 +664,7 @@
           <p:cNvPr id="4" name="날짜 개체 틀 3">
             <a:extLst>
               <a:ext uri="{FF2B5EF4-FFF2-40B4-BE49-F238E27FC236}">
-                <a16:creationId xmlns:a16="http://schemas.microsoft.com/office/drawing/2014/main" xmlns="" id="{B235A265-E0A9-4BDD-A8CE-9A2BE37A1D67}"/>
+                <a16:creationId xmlns:a16="http://schemas.microsoft.com/office/drawing/2014/main" id="{B235A265-E0A9-4BDD-A8CE-9A2BE37A1D67}"/>
               </a:ext>
             </a:extLst>
           </p:cNvPr>
@@ -669,7 +682,7 @@
           <a:p>
             <a:fld id="{E5F03FC9-0721-4A8C-8680-8F55A73463EF}" type="datetimeFigureOut">
               <a:rPr lang="ko-KR" altLang="en-US" smtClean="0"/>
-              <a:t>2020-10-26</a:t>
+              <a:t>2023-05-06</a:t>
             </a:fld>
             <a:endParaRPr lang="ko-KR" altLang="en-US"/>
           </a:p>
@@ -680,7 +693,7 @@
           <p:cNvPr id="5" name="바닥글 개체 틀 4">
             <a:extLst>
               <a:ext uri="{FF2B5EF4-FFF2-40B4-BE49-F238E27FC236}">
-                <a16:creationId xmlns:a16="http://schemas.microsoft.com/office/drawing/2014/main" xmlns="" id="{9A95A081-6FAE-48E8-9340-DA42C3308CA5}"/>
+                <a16:creationId xmlns:a16="http://schemas.microsoft.com/office/drawing/2014/main" id="{9A95A081-6FAE-48E8-9340-DA42C3308CA5}"/>
               </a:ext>
             </a:extLst>
           </p:cNvPr>
@@ -705,7 +718,7 @@
           <p:cNvPr id="6" name="슬라이드 번호 개체 틀 5">
             <a:extLst>
               <a:ext uri="{FF2B5EF4-FFF2-40B4-BE49-F238E27FC236}">
-                <a16:creationId xmlns:a16="http://schemas.microsoft.com/office/drawing/2014/main" xmlns="" id="{0A318903-A23B-4567-858D-8D6CBD6D0256}"/>
+                <a16:creationId xmlns:a16="http://schemas.microsoft.com/office/drawing/2014/main" id="{0A318903-A23B-4567-858D-8D6CBD6D0256}"/>
               </a:ext>
             </a:extLst>
           </p:cNvPr>
@@ -764,7 +777,7 @@
           <p:cNvPr id="2" name="제목 1">
             <a:extLst>
               <a:ext uri="{FF2B5EF4-FFF2-40B4-BE49-F238E27FC236}">
-                <a16:creationId xmlns:a16="http://schemas.microsoft.com/office/drawing/2014/main" xmlns="" id="{89646C57-C062-47C3-907F-5B57DC70EDC7}"/>
+                <a16:creationId xmlns:a16="http://schemas.microsoft.com/office/drawing/2014/main" id="{89646C57-C062-47C3-907F-5B57DC70EDC7}"/>
               </a:ext>
             </a:extLst>
           </p:cNvPr>
@@ -792,7 +805,7 @@
           <p:cNvPr id="3" name="내용 개체 틀 2">
             <a:extLst>
               <a:ext uri="{FF2B5EF4-FFF2-40B4-BE49-F238E27FC236}">
-                <a16:creationId xmlns:a16="http://schemas.microsoft.com/office/drawing/2014/main" xmlns="" id="{2A0CA2C8-7036-4D1E-906A-7B740E48351D}"/>
+                <a16:creationId xmlns:a16="http://schemas.microsoft.com/office/drawing/2014/main" id="{2A0CA2C8-7036-4D1E-906A-7B740E48351D}"/>
               </a:ext>
             </a:extLst>
           </p:cNvPr>
@@ -849,7 +862,7 @@
           <p:cNvPr id="4" name="날짜 개체 틀 3">
             <a:extLst>
               <a:ext uri="{FF2B5EF4-FFF2-40B4-BE49-F238E27FC236}">
-                <a16:creationId xmlns:a16="http://schemas.microsoft.com/office/drawing/2014/main" xmlns="" id="{97424B84-B00B-4202-A573-FBAC571B5048}"/>
+                <a16:creationId xmlns:a16="http://schemas.microsoft.com/office/drawing/2014/main" id="{97424B84-B00B-4202-A573-FBAC571B5048}"/>
               </a:ext>
             </a:extLst>
           </p:cNvPr>
@@ -867,7 +880,7 @@
           <a:p>
             <a:fld id="{E5F03FC9-0721-4A8C-8680-8F55A73463EF}" type="datetimeFigureOut">
               <a:rPr lang="ko-KR" altLang="en-US" smtClean="0"/>
-              <a:t>2020-10-26</a:t>
+              <a:t>2023-05-06</a:t>
             </a:fld>
             <a:endParaRPr lang="ko-KR" altLang="en-US"/>
           </a:p>
@@ -878,7 +891,7 @@
           <p:cNvPr id="5" name="바닥글 개체 틀 4">
             <a:extLst>
               <a:ext uri="{FF2B5EF4-FFF2-40B4-BE49-F238E27FC236}">
-                <a16:creationId xmlns:a16="http://schemas.microsoft.com/office/drawing/2014/main" xmlns="" id="{5198067A-8B0F-4F87-9F3A-792255EFB31B}"/>
+                <a16:creationId xmlns:a16="http://schemas.microsoft.com/office/drawing/2014/main" id="{5198067A-8B0F-4F87-9F3A-792255EFB31B}"/>
               </a:ext>
             </a:extLst>
           </p:cNvPr>
@@ -903,7 +916,7 @@
           <p:cNvPr id="6" name="슬라이드 번호 개체 틀 5">
             <a:extLst>
               <a:ext uri="{FF2B5EF4-FFF2-40B4-BE49-F238E27FC236}">
-                <a16:creationId xmlns:a16="http://schemas.microsoft.com/office/drawing/2014/main" xmlns="" id="{CED758B4-F1AA-49FB-A875-ACEC35AC3521}"/>
+                <a16:creationId xmlns:a16="http://schemas.microsoft.com/office/drawing/2014/main" id="{CED758B4-F1AA-49FB-A875-ACEC35AC3521}"/>
               </a:ext>
             </a:extLst>
           </p:cNvPr>
@@ -962,7 +975,7 @@
           <p:cNvPr id="2" name="제목 1">
             <a:extLst>
               <a:ext uri="{FF2B5EF4-FFF2-40B4-BE49-F238E27FC236}">
-                <a16:creationId xmlns:a16="http://schemas.microsoft.com/office/drawing/2014/main" xmlns="" id="{B504AFE6-C824-495A-9F63-A60614FEAB83}"/>
+                <a16:creationId xmlns:a16="http://schemas.microsoft.com/office/drawing/2014/main" id="{B504AFE6-C824-495A-9F63-A60614FEAB83}"/>
               </a:ext>
             </a:extLst>
           </p:cNvPr>
@@ -999,7 +1012,7 @@
           <p:cNvPr id="3" name="텍스트 개체 틀 2">
             <a:extLst>
               <a:ext uri="{FF2B5EF4-FFF2-40B4-BE49-F238E27FC236}">
-                <a16:creationId xmlns:a16="http://schemas.microsoft.com/office/drawing/2014/main" xmlns="" id="{FE7FBFF6-C81A-42F8-ACA5-C991296AE9C9}"/>
+                <a16:creationId xmlns:a16="http://schemas.microsoft.com/office/drawing/2014/main" id="{FE7FBFF6-C81A-42F8-ACA5-C991296AE9C9}"/>
               </a:ext>
             </a:extLst>
           </p:cNvPr>
@@ -1124,7 +1137,7 @@
           <p:cNvPr id="4" name="날짜 개체 틀 3">
             <a:extLst>
               <a:ext uri="{FF2B5EF4-FFF2-40B4-BE49-F238E27FC236}">
-                <a16:creationId xmlns:a16="http://schemas.microsoft.com/office/drawing/2014/main" xmlns="" id="{5D8B2DB1-FB19-4728-BD1B-DB304C64E927}"/>
+                <a16:creationId xmlns:a16="http://schemas.microsoft.com/office/drawing/2014/main" id="{5D8B2DB1-FB19-4728-BD1B-DB304C64E927}"/>
               </a:ext>
             </a:extLst>
           </p:cNvPr>
@@ -1142,7 +1155,7 @@
           <a:p>
             <a:fld id="{E5F03FC9-0721-4A8C-8680-8F55A73463EF}" type="datetimeFigureOut">
               <a:rPr lang="ko-KR" altLang="en-US" smtClean="0"/>
-              <a:t>2020-10-26</a:t>
+              <a:t>2023-05-06</a:t>
             </a:fld>
             <a:endParaRPr lang="ko-KR" altLang="en-US"/>
           </a:p>
@@ -1153,7 +1166,7 @@
           <p:cNvPr id="5" name="바닥글 개체 틀 4">
             <a:extLst>
               <a:ext uri="{FF2B5EF4-FFF2-40B4-BE49-F238E27FC236}">
-                <a16:creationId xmlns:a16="http://schemas.microsoft.com/office/drawing/2014/main" xmlns="" id="{CFB6F4EB-FF53-4B81-92D9-CB9792E26637}"/>
+                <a16:creationId xmlns:a16="http://schemas.microsoft.com/office/drawing/2014/main" id="{CFB6F4EB-FF53-4B81-92D9-CB9792E26637}"/>
               </a:ext>
             </a:extLst>
           </p:cNvPr>
@@ -1178,7 +1191,7 @@
           <p:cNvPr id="6" name="슬라이드 번호 개체 틀 5">
             <a:extLst>
               <a:ext uri="{FF2B5EF4-FFF2-40B4-BE49-F238E27FC236}">
-                <a16:creationId xmlns:a16="http://schemas.microsoft.com/office/drawing/2014/main" xmlns="" id="{5D01E73B-3430-4CDA-AE13-7992931E2B6B}"/>
+                <a16:creationId xmlns:a16="http://schemas.microsoft.com/office/drawing/2014/main" id="{5D01E73B-3430-4CDA-AE13-7992931E2B6B}"/>
               </a:ext>
             </a:extLst>
           </p:cNvPr>
@@ -1237,7 +1250,7 @@
           <p:cNvPr id="2" name="제목 1">
             <a:extLst>
               <a:ext uri="{FF2B5EF4-FFF2-40B4-BE49-F238E27FC236}">
-                <a16:creationId xmlns:a16="http://schemas.microsoft.com/office/drawing/2014/main" xmlns="" id="{4F1CA384-352A-418C-BCB5-6567238BF86B}"/>
+                <a16:creationId xmlns:a16="http://schemas.microsoft.com/office/drawing/2014/main" id="{4F1CA384-352A-418C-BCB5-6567238BF86B}"/>
               </a:ext>
             </a:extLst>
           </p:cNvPr>
@@ -1265,7 +1278,7 @@
           <p:cNvPr id="3" name="내용 개체 틀 2">
             <a:extLst>
               <a:ext uri="{FF2B5EF4-FFF2-40B4-BE49-F238E27FC236}">
-                <a16:creationId xmlns:a16="http://schemas.microsoft.com/office/drawing/2014/main" xmlns="" id="{A08770D5-CF18-4C72-8B9C-5E56D33217F3}"/>
+                <a16:creationId xmlns:a16="http://schemas.microsoft.com/office/drawing/2014/main" id="{A08770D5-CF18-4C72-8B9C-5E56D33217F3}"/>
               </a:ext>
             </a:extLst>
           </p:cNvPr>
@@ -1327,7 +1340,7 @@
           <p:cNvPr id="4" name="내용 개체 틀 3">
             <a:extLst>
               <a:ext uri="{FF2B5EF4-FFF2-40B4-BE49-F238E27FC236}">
-                <a16:creationId xmlns:a16="http://schemas.microsoft.com/office/drawing/2014/main" xmlns="" id="{4A43D0FB-0B27-4DD1-A97A-82B187A35C55}"/>
+                <a16:creationId xmlns:a16="http://schemas.microsoft.com/office/drawing/2014/main" id="{4A43D0FB-0B27-4DD1-A97A-82B187A35C55}"/>
               </a:ext>
             </a:extLst>
           </p:cNvPr>
@@ -1389,7 +1402,7 @@
           <p:cNvPr id="5" name="날짜 개체 틀 4">
             <a:extLst>
               <a:ext uri="{FF2B5EF4-FFF2-40B4-BE49-F238E27FC236}">
-                <a16:creationId xmlns:a16="http://schemas.microsoft.com/office/drawing/2014/main" xmlns="" id="{299F718F-625B-41E2-9212-4E04206DCF35}"/>
+                <a16:creationId xmlns:a16="http://schemas.microsoft.com/office/drawing/2014/main" id="{299F718F-625B-41E2-9212-4E04206DCF35}"/>
               </a:ext>
             </a:extLst>
           </p:cNvPr>
@@ -1407,7 +1420,7 @@
           <a:p>
             <a:fld id="{E5F03FC9-0721-4A8C-8680-8F55A73463EF}" type="datetimeFigureOut">
               <a:rPr lang="ko-KR" altLang="en-US" smtClean="0"/>
-              <a:t>2020-10-26</a:t>
+              <a:t>2023-05-06</a:t>
             </a:fld>
             <a:endParaRPr lang="ko-KR" altLang="en-US"/>
           </a:p>
@@ -1418,7 +1431,7 @@
           <p:cNvPr id="6" name="바닥글 개체 틀 5">
             <a:extLst>
               <a:ext uri="{FF2B5EF4-FFF2-40B4-BE49-F238E27FC236}">
-                <a16:creationId xmlns:a16="http://schemas.microsoft.com/office/drawing/2014/main" xmlns="" id="{68AE399D-065E-47FE-BB1E-FD2E41CC2784}"/>
+                <a16:creationId xmlns:a16="http://schemas.microsoft.com/office/drawing/2014/main" id="{68AE399D-065E-47FE-BB1E-FD2E41CC2784}"/>
               </a:ext>
             </a:extLst>
           </p:cNvPr>
@@ -1443,7 +1456,7 @@
           <p:cNvPr id="7" name="슬라이드 번호 개체 틀 6">
             <a:extLst>
               <a:ext uri="{FF2B5EF4-FFF2-40B4-BE49-F238E27FC236}">
-                <a16:creationId xmlns:a16="http://schemas.microsoft.com/office/drawing/2014/main" xmlns="" id="{B986CAED-A0E7-4219-B714-3DB3ED9BF892}"/>
+                <a16:creationId xmlns:a16="http://schemas.microsoft.com/office/drawing/2014/main" id="{B986CAED-A0E7-4219-B714-3DB3ED9BF892}"/>
               </a:ext>
             </a:extLst>
           </p:cNvPr>
@@ -1502,7 +1515,7 @@
           <p:cNvPr id="2" name="제목 1">
             <a:extLst>
               <a:ext uri="{FF2B5EF4-FFF2-40B4-BE49-F238E27FC236}">
-                <a16:creationId xmlns:a16="http://schemas.microsoft.com/office/drawing/2014/main" xmlns="" id="{1B025F98-B8E2-4A5C-B706-49944454215B}"/>
+                <a16:creationId xmlns:a16="http://schemas.microsoft.com/office/drawing/2014/main" id="{1B025F98-B8E2-4A5C-B706-49944454215B}"/>
               </a:ext>
             </a:extLst>
           </p:cNvPr>
@@ -1535,7 +1548,7 @@
           <p:cNvPr id="3" name="텍스트 개체 틀 2">
             <a:extLst>
               <a:ext uri="{FF2B5EF4-FFF2-40B4-BE49-F238E27FC236}">
-                <a16:creationId xmlns:a16="http://schemas.microsoft.com/office/drawing/2014/main" xmlns="" id="{CD67E7C5-5642-4D6F-BA70-1FC2C2015F04}"/>
+                <a16:creationId xmlns:a16="http://schemas.microsoft.com/office/drawing/2014/main" id="{CD67E7C5-5642-4D6F-BA70-1FC2C2015F04}"/>
               </a:ext>
             </a:extLst>
           </p:cNvPr>
@@ -1606,7 +1619,7 @@
           <p:cNvPr id="4" name="내용 개체 틀 3">
             <a:extLst>
               <a:ext uri="{FF2B5EF4-FFF2-40B4-BE49-F238E27FC236}">
-                <a16:creationId xmlns:a16="http://schemas.microsoft.com/office/drawing/2014/main" xmlns="" id="{05EDF300-C517-4A0E-A00E-8364A562C4DF}"/>
+                <a16:creationId xmlns:a16="http://schemas.microsoft.com/office/drawing/2014/main" id="{05EDF300-C517-4A0E-A00E-8364A562C4DF}"/>
               </a:ext>
             </a:extLst>
           </p:cNvPr>
@@ -1668,7 +1681,7 @@
           <p:cNvPr id="5" name="텍스트 개체 틀 4">
             <a:extLst>
               <a:ext uri="{FF2B5EF4-FFF2-40B4-BE49-F238E27FC236}">
-                <a16:creationId xmlns:a16="http://schemas.microsoft.com/office/drawing/2014/main" xmlns="" id="{289C6ADF-1775-4ECE-8BD8-360322CC5882}"/>
+                <a16:creationId xmlns:a16="http://schemas.microsoft.com/office/drawing/2014/main" id="{289C6ADF-1775-4ECE-8BD8-360322CC5882}"/>
               </a:ext>
             </a:extLst>
           </p:cNvPr>
@@ -1739,7 +1752,7 @@
           <p:cNvPr id="6" name="내용 개체 틀 5">
             <a:extLst>
               <a:ext uri="{FF2B5EF4-FFF2-40B4-BE49-F238E27FC236}">
-                <a16:creationId xmlns:a16="http://schemas.microsoft.com/office/drawing/2014/main" xmlns="" id="{B2D1A541-A4EE-43E2-93E0-3E70249E6EAE}"/>
+                <a16:creationId xmlns:a16="http://schemas.microsoft.com/office/drawing/2014/main" id="{B2D1A541-A4EE-43E2-93E0-3E70249E6EAE}"/>
               </a:ext>
             </a:extLst>
           </p:cNvPr>
@@ -1801,7 +1814,7 @@
           <p:cNvPr id="7" name="날짜 개체 틀 6">
             <a:extLst>
               <a:ext uri="{FF2B5EF4-FFF2-40B4-BE49-F238E27FC236}">
-                <a16:creationId xmlns:a16="http://schemas.microsoft.com/office/drawing/2014/main" xmlns="" id="{2A5E0CC5-3444-4F48-8F7B-A38F220D5B00}"/>
+                <a16:creationId xmlns:a16="http://schemas.microsoft.com/office/drawing/2014/main" id="{2A5E0CC5-3444-4F48-8F7B-A38F220D5B00}"/>
               </a:ext>
             </a:extLst>
           </p:cNvPr>
@@ -1819,7 +1832,7 @@
           <a:p>
             <a:fld id="{E5F03FC9-0721-4A8C-8680-8F55A73463EF}" type="datetimeFigureOut">
               <a:rPr lang="ko-KR" altLang="en-US" smtClean="0"/>
-              <a:t>2020-10-26</a:t>
+              <a:t>2023-05-06</a:t>
             </a:fld>
             <a:endParaRPr lang="ko-KR" altLang="en-US"/>
           </a:p>
@@ -1830,7 +1843,7 @@
           <p:cNvPr id="8" name="바닥글 개체 틀 7">
             <a:extLst>
               <a:ext uri="{FF2B5EF4-FFF2-40B4-BE49-F238E27FC236}">
-                <a16:creationId xmlns:a16="http://schemas.microsoft.com/office/drawing/2014/main" xmlns="" id="{616BF522-A2FE-4725-A15A-FBAD2A67F667}"/>
+                <a16:creationId xmlns:a16="http://schemas.microsoft.com/office/drawing/2014/main" id="{616BF522-A2FE-4725-A15A-FBAD2A67F667}"/>
               </a:ext>
             </a:extLst>
           </p:cNvPr>
@@ -1855,7 +1868,7 @@
           <p:cNvPr id="9" name="슬라이드 번호 개체 틀 8">
             <a:extLst>
               <a:ext uri="{FF2B5EF4-FFF2-40B4-BE49-F238E27FC236}">
-                <a16:creationId xmlns:a16="http://schemas.microsoft.com/office/drawing/2014/main" xmlns="" id="{B3963282-F7ED-4767-BEB0-D3471542D125}"/>
+                <a16:creationId xmlns:a16="http://schemas.microsoft.com/office/drawing/2014/main" id="{B3963282-F7ED-4767-BEB0-D3471542D125}"/>
               </a:ext>
             </a:extLst>
           </p:cNvPr>
@@ -1914,7 +1927,7 @@
           <p:cNvPr id="2" name="제목 1">
             <a:extLst>
               <a:ext uri="{FF2B5EF4-FFF2-40B4-BE49-F238E27FC236}">
-                <a16:creationId xmlns:a16="http://schemas.microsoft.com/office/drawing/2014/main" xmlns="" id="{5CFA3C46-2634-4F39-B0B5-971293AE14E1}"/>
+                <a16:creationId xmlns:a16="http://schemas.microsoft.com/office/drawing/2014/main" id="{5CFA3C46-2634-4F39-B0B5-971293AE14E1}"/>
               </a:ext>
             </a:extLst>
           </p:cNvPr>
@@ -1942,7 +1955,7 @@
           <p:cNvPr id="3" name="날짜 개체 틀 2">
             <a:extLst>
               <a:ext uri="{FF2B5EF4-FFF2-40B4-BE49-F238E27FC236}">
-                <a16:creationId xmlns:a16="http://schemas.microsoft.com/office/drawing/2014/main" xmlns="" id="{98FF6291-D597-4A6B-83BA-C4D64FD3E66C}"/>
+                <a16:creationId xmlns:a16="http://schemas.microsoft.com/office/drawing/2014/main" id="{98FF6291-D597-4A6B-83BA-C4D64FD3E66C}"/>
               </a:ext>
             </a:extLst>
           </p:cNvPr>
@@ -1960,7 +1973,7 @@
           <a:p>
             <a:fld id="{E5F03FC9-0721-4A8C-8680-8F55A73463EF}" type="datetimeFigureOut">
               <a:rPr lang="ko-KR" altLang="en-US" smtClean="0"/>
-              <a:t>2020-10-26</a:t>
+              <a:t>2023-05-06</a:t>
             </a:fld>
             <a:endParaRPr lang="ko-KR" altLang="en-US"/>
           </a:p>
@@ -1971,7 +1984,7 @@
           <p:cNvPr id="4" name="바닥글 개체 틀 3">
             <a:extLst>
               <a:ext uri="{FF2B5EF4-FFF2-40B4-BE49-F238E27FC236}">
-                <a16:creationId xmlns:a16="http://schemas.microsoft.com/office/drawing/2014/main" xmlns="" id="{8B1EA662-D740-4612-ADE7-662CD86C6D72}"/>
+                <a16:creationId xmlns:a16="http://schemas.microsoft.com/office/drawing/2014/main" id="{8B1EA662-D740-4612-ADE7-662CD86C6D72}"/>
               </a:ext>
             </a:extLst>
           </p:cNvPr>
@@ -1996,7 +2009,7 @@
           <p:cNvPr id="5" name="슬라이드 번호 개체 틀 4">
             <a:extLst>
               <a:ext uri="{FF2B5EF4-FFF2-40B4-BE49-F238E27FC236}">
-                <a16:creationId xmlns:a16="http://schemas.microsoft.com/office/drawing/2014/main" xmlns="" id="{46F60020-8DE5-46D7-8FB3-8872ABFF9336}"/>
+                <a16:creationId xmlns:a16="http://schemas.microsoft.com/office/drawing/2014/main" id="{46F60020-8DE5-46D7-8FB3-8872ABFF9336}"/>
               </a:ext>
             </a:extLst>
           </p:cNvPr>
@@ -2055,7 +2068,7 @@
           <p:cNvPr id="2" name="날짜 개체 틀 1">
             <a:extLst>
               <a:ext uri="{FF2B5EF4-FFF2-40B4-BE49-F238E27FC236}">
-                <a16:creationId xmlns:a16="http://schemas.microsoft.com/office/drawing/2014/main" xmlns="" id="{CFC37820-47E6-4672-8430-355585DE8D37}"/>
+                <a16:creationId xmlns:a16="http://schemas.microsoft.com/office/drawing/2014/main" id="{CFC37820-47E6-4672-8430-355585DE8D37}"/>
               </a:ext>
             </a:extLst>
           </p:cNvPr>
@@ -2073,7 +2086,7 @@
           <a:p>
             <a:fld id="{E5F03FC9-0721-4A8C-8680-8F55A73463EF}" type="datetimeFigureOut">
               <a:rPr lang="ko-KR" altLang="en-US" smtClean="0"/>
-              <a:t>2020-10-26</a:t>
+              <a:t>2023-05-06</a:t>
             </a:fld>
             <a:endParaRPr lang="ko-KR" altLang="en-US"/>
           </a:p>
@@ -2084,7 +2097,7 @@
           <p:cNvPr id="3" name="바닥글 개체 틀 2">
             <a:extLst>
               <a:ext uri="{FF2B5EF4-FFF2-40B4-BE49-F238E27FC236}">
-                <a16:creationId xmlns:a16="http://schemas.microsoft.com/office/drawing/2014/main" xmlns="" id="{3F5F7FD5-7D43-4914-88AC-7B0C27B1FB8F}"/>
+                <a16:creationId xmlns:a16="http://schemas.microsoft.com/office/drawing/2014/main" id="{3F5F7FD5-7D43-4914-88AC-7B0C27B1FB8F}"/>
               </a:ext>
             </a:extLst>
           </p:cNvPr>
@@ -2109,7 +2122,7 @@
           <p:cNvPr id="4" name="슬라이드 번호 개체 틀 3">
             <a:extLst>
               <a:ext uri="{FF2B5EF4-FFF2-40B4-BE49-F238E27FC236}">
-                <a16:creationId xmlns:a16="http://schemas.microsoft.com/office/drawing/2014/main" xmlns="" id="{1DF71675-2B62-47FA-A6B1-5C6CF26E5F96}"/>
+                <a16:creationId xmlns:a16="http://schemas.microsoft.com/office/drawing/2014/main" id="{1DF71675-2B62-47FA-A6B1-5C6CF26E5F96}"/>
               </a:ext>
             </a:extLst>
           </p:cNvPr>
@@ -2168,7 +2181,7 @@
           <p:cNvPr id="2" name="제목 1">
             <a:extLst>
               <a:ext uri="{FF2B5EF4-FFF2-40B4-BE49-F238E27FC236}">
-                <a16:creationId xmlns:a16="http://schemas.microsoft.com/office/drawing/2014/main" xmlns="" id="{86775F57-CC39-4E23-9A82-F34188E78696}"/>
+                <a16:creationId xmlns:a16="http://schemas.microsoft.com/office/drawing/2014/main" id="{86775F57-CC39-4E23-9A82-F34188E78696}"/>
               </a:ext>
             </a:extLst>
           </p:cNvPr>
@@ -2205,7 +2218,7 @@
           <p:cNvPr id="3" name="내용 개체 틀 2">
             <a:extLst>
               <a:ext uri="{FF2B5EF4-FFF2-40B4-BE49-F238E27FC236}">
-                <a16:creationId xmlns:a16="http://schemas.microsoft.com/office/drawing/2014/main" xmlns="" id="{EF815033-F9E0-4B73-AC96-7F3471FD4C0D}"/>
+                <a16:creationId xmlns:a16="http://schemas.microsoft.com/office/drawing/2014/main" id="{EF815033-F9E0-4B73-AC96-7F3471FD4C0D}"/>
               </a:ext>
             </a:extLst>
           </p:cNvPr>
@@ -2295,7 +2308,7 @@
           <p:cNvPr id="4" name="텍스트 개체 틀 3">
             <a:extLst>
               <a:ext uri="{FF2B5EF4-FFF2-40B4-BE49-F238E27FC236}">
-                <a16:creationId xmlns:a16="http://schemas.microsoft.com/office/drawing/2014/main" xmlns="" id="{880B5211-FF2B-4048-8144-31D3909104BF}"/>
+                <a16:creationId xmlns:a16="http://schemas.microsoft.com/office/drawing/2014/main" id="{880B5211-FF2B-4048-8144-31D3909104BF}"/>
               </a:ext>
             </a:extLst>
           </p:cNvPr>
@@ -2366,7 +2379,7 @@
           <p:cNvPr id="5" name="날짜 개체 틀 4">
             <a:extLst>
               <a:ext uri="{FF2B5EF4-FFF2-40B4-BE49-F238E27FC236}">
-                <a16:creationId xmlns:a16="http://schemas.microsoft.com/office/drawing/2014/main" xmlns="" id="{A2213061-415F-47CB-A662-3A0FFC6752EF}"/>
+                <a16:creationId xmlns:a16="http://schemas.microsoft.com/office/drawing/2014/main" id="{A2213061-415F-47CB-A662-3A0FFC6752EF}"/>
               </a:ext>
             </a:extLst>
           </p:cNvPr>
@@ -2384,7 +2397,7 @@
           <a:p>
             <a:fld id="{E5F03FC9-0721-4A8C-8680-8F55A73463EF}" type="datetimeFigureOut">
               <a:rPr lang="ko-KR" altLang="en-US" smtClean="0"/>
-              <a:t>2020-10-26</a:t>
+              <a:t>2023-05-06</a:t>
             </a:fld>
             <a:endParaRPr lang="ko-KR" altLang="en-US"/>
           </a:p>
@@ -2395,7 +2408,7 @@
           <p:cNvPr id="6" name="바닥글 개체 틀 5">
             <a:extLst>
               <a:ext uri="{FF2B5EF4-FFF2-40B4-BE49-F238E27FC236}">
-                <a16:creationId xmlns:a16="http://schemas.microsoft.com/office/drawing/2014/main" xmlns="" id="{97544ED4-8319-4172-8DAD-F6E200B193A2}"/>
+                <a16:creationId xmlns:a16="http://schemas.microsoft.com/office/drawing/2014/main" id="{97544ED4-8319-4172-8DAD-F6E200B193A2}"/>
               </a:ext>
             </a:extLst>
           </p:cNvPr>
@@ -2420,7 +2433,7 @@
           <p:cNvPr id="7" name="슬라이드 번호 개체 틀 6">
             <a:extLst>
               <a:ext uri="{FF2B5EF4-FFF2-40B4-BE49-F238E27FC236}">
-                <a16:creationId xmlns:a16="http://schemas.microsoft.com/office/drawing/2014/main" xmlns="" id="{1B688671-C713-4209-8097-3B0B9170EE3A}"/>
+                <a16:creationId xmlns:a16="http://schemas.microsoft.com/office/drawing/2014/main" id="{1B688671-C713-4209-8097-3B0B9170EE3A}"/>
               </a:ext>
             </a:extLst>
           </p:cNvPr>
@@ -2479,7 +2492,7 @@
           <p:cNvPr id="2" name="제목 1">
             <a:extLst>
               <a:ext uri="{FF2B5EF4-FFF2-40B4-BE49-F238E27FC236}">
-                <a16:creationId xmlns:a16="http://schemas.microsoft.com/office/drawing/2014/main" xmlns="" id="{CCBD9EFF-4B1C-4676-9DCB-59A592E6218B}"/>
+                <a16:creationId xmlns:a16="http://schemas.microsoft.com/office/drawing/2014/main" id="{CCBD9EFF-4B1C-4676-9DCB-59A592E6218B}"/>
               </a:ext>
             </a:extLst>
           </p:cNvPr>
@@ -2516,7 +2529,7 @@
           <p:cNvPr id="3" name="그림 개체 틀 2">
             <a:extLst>
               <a:ext uri="{FF2B5EF4-FFF2-40B4-BE49-F238E27FC236}">
-                <a16:creationId xmlns:a16="http://schemas.microsoft.com/office/drawing/2014/main" xmlns="" id="{30E0A8AB-E669-437F-9E06-BBBEB3D854FC}"/>
+                <a16:creationId xmlns:a16="http://schemas.microsoft.com/office/drawing/2014/main" id="{30E0A8AB-E669-437F-9E06-BBBEB3D854FC}"/>
               </a:ext>
             </a:extLst>
           </p:cNvPr>
@@ -2583,7 +2596,7 @@
           <p:cNvPr id="4" name="텍스트 개체 틀 3">
             <a:extLst>
               <a:ext uri="{FF2B5EF4-FFF2-40B4-BE49-F238E27FC236}">
-                <a16:creationId xmlns:a16="http://schemas.microsoft.com/office/drawing/2014/main" xmlns="" id="{8C461A8A-103B-4450-B147-03DDF437A68A}"/>
+                <a16:creationId xmlns:a16="http://schemas.microsoft.com/office/drawing/2014/main" id="{8C461A8A-103B-4450-B147-03DDF437A68A}"/>
               </a:ext>
             </a:extLst>
           </p:cNvPr>
@@ -2654,7 +2667,7 @@
           <p:cNvPr id="5" name="날짜 개체 틀 4">
             <a:extLst>
               <a:ext uri="{FF2B5EF4-FFF2-40B4-BE49-F238E27FC236}">
-                <a16:creationId xmlns:a16="http://schemas.microsoft.com/office/drawing/2014/main" xmlns="" id="{B3CB033F-9FAF-4E79-B2BC-6EEC24D87470}"/>
+                <a16:creationId xmlns:a16="http://schemas.microsoft.com/office/drawing/2014/main" id="{B3CB033F-9FAF-4E79-B2BC-6EEC24D87470}"/>
               </a:ext>
             </a:extLst>
           </p:cNvPr>
@@ -2672,7 +2685,7 @@
           <a:p>
             <a:fld id="{E5F03FC9-0721-4A8C-8680-8F55A73463EF}" type="datetimeFigureOut">
               <a:rPr lang="ko-KR" altLang="en-US" smtClean="0"/>
-              <a:t>2020-10-26</a:t>
+              <a:t>2023-05-06</a:t>
             </a:fld>
             <a:endParaRPr lang="ko-KR" altLang="en-US"/>
           </a:p>
@@ -2683,7 +2696,7 @@
           <p:cNvPr id="6" name="바닥글 개체 틀 5">
             <a:extLst>
               <a:ext uri="{FF2B5EF4-FFF2-40B4-BE49-F238E27FC236}">
-                <a16:creationId xmlns:a16="http://schemas.microsoft.com/office/drawing/2014/main" xmlns="" id="{4E9361BB-24D4-4E7D-9AC4-66718990F027}"/>
+                <a16:creationId xmlns:a16="http://schemas.microsoft.com/office/drawing/2014/main" id="{4E9361BB-24D4-4E7D-9AC4-66718990F027}"/>
               </a:ext>
             </a:extLst>
           </p:cNvPr>
@@ -2708,7 +2721,7 @@
           <p:cNvPr id="7" name="슬라이드 번호 개체 틀 6">
             <a:extLst>
               <a:ext uri="{FF2B5EF4-FFF2-40B4-BE49-F238E27FC236}">
-                <a16:creationId xmlns:a16="http://schemas.microsoft.com/office/drawing/2014/main" xmlns="" id="{79F9DA34-399E-41CE-8B35-9D316F400C95}"/>
+                <a16:creationId xmlns:a16="http://schemas.microsoft.com/office/drawing/2014/main" id="{79F9DA34-399E-41CE-8B35-9D316F400C95}"/>
               </a:ext>
             </a:extLst>
           </p:cNvPr>
@@ -2772,7 +2785,7 @@
           <p:cNvPr id="2" name="제목 개체 틀 1">
             <a:extLst>
               <a:ext uri="{FF2B5EF4-FFF2-40B4-BE49-F238E27FC236}">
-                <a16:creationId xmlns:a16="http://schemas.microsoft.com/office/drawing/2014/main" xmlns="" id="{BC07C2D1-C27E-4CA3-8B44-DEC93AC77E0D}"/>
+                <a16:creationId xmlns:a16="http://schemas.microsoft.com/office/drawing/2014/main" id="{BC07C2D1-C27E-4CA3-8B44-DEC93AC77E0D}"/>
               </a:ext>
             </a:extLst>
           </p:cNvPr>
@@ -2810,7 +2823,7 @@
           <p:cNvPr id="3" name="텍스트 개체 틀 2">
             <a:extLst>
               <a:ext uri="{FF2B5EF4-FFF2-40B4-BE49-F238E27FC236}">
-                <a16:creationId xmlns:a16="http://schemas.microsoft.com/office/drawing/2014/main" xmlns="" id="{EBC78CDE-F3F8-4FB3-9686-87FB8D645F2A}"/>
+                <a16:creationId xmlns:a16="http://schemas.microsoft.com/office/drawing/2014/main" id="{EBC78CDE-F3F8-4FB3-9686-87FB8D645F2A}"/>
               </a:ext>
             </a:extLst>
           </p:cNvPr>
@@ -2877,7 +2890,7 @@
           <p:cNvPr id="4" name="날짜 개체 틀 3">
             <a:extLst>
               <a:ext uri="{FF2B5EF4-FFF2-40B4-BE49-F238E27FC236}">
-                <a16:creationId xmlns:a16="http://schemas.microsoft.com/office/drawing/2014/main" xmlns="" id="{A619FF25-E406-4098-8414-EB7118049CCA}"/>
+                <a16:creationId xmlns:a16="http://schemas.microsoft.com/office/drawing/2014/main" id="{A619FF25-E406-4098-8414-EB7118049CCA}"/>
               </a:ext>
             </a:extLst>
           </p:cNvPr>
@@ -2913,7 +2926,7 @@
           <a:p>
             <a:fld id="{E5F03FC9-0721-4A8C-8680-8F55A73463EF}" type="datetimeFigureOut">
               <a:rPr lang="ko-KR" altLang="en-US" smtClean="0"/>
-              <a:t>2020-10-26</a:t>
+              <a:t>2023-05-06</a:t>
             </a:fld>
             <a:endParaRPr lang="ko-KR" altLang="en-US"/>
           </a:p>
@@ -2924,7 +2937,7 @@
           <p:cNvPr id="5" name="바닥글 개체 틀 4">
             <a:extLst>
               <a:ext uri="{FF2B5EF4-FFF2-40B4-BE49-F238E27FC236}">
-                <a16:creationId xmlns:a16="http://schemas.microsoft.com/office/drawing/2014/main" xmlns="" id="{E5CA34ED-D07A-46FB-A23E-845AD7C09BA6}"/>
+                <a16:creationId xmlns:a16="http://schemas.microsoft.com/office/drawing/2014/main" id="{E5CA34ED-D07A-46FB-A23E-845AD7C09BA6}"/>
               </a:ext>
             </a:extLst>
           </p:cNvPr>
@@ -2967,7 +2980,7 @@
           <p:cNvPr id="6" name="슬라이드 번호 개체 틀 5">
             <a:extLst>
               <a:ext uri="{FF2B5EF4-FFF2-40B4-BE49-F238E27FC236}">
-                <a16:creationId xmlns:a16="http://schemas.microsoft.com/office/drawing/2014/main" xmlns="" id="{BF4E85CE-FF09-4CF5-B83D-B9AA274DA197}"/>
+                <a16:creationId xmlns:a16="http://schemas.microsoft.com/office/drawing/2014/main" id="{BF4E85CE-FF09-4CF5-B83D-B9AA274DA197}"/>
               </a:ext>
             </a:extLst>
           </p:cNvPr>
@@ -3335,7 +3348,7 @@
           <p:cNvPr id="5" name="그림 4" descr="텍스트이(가) 표시된 사진&#10;&#10;자동 생성된 설명">
             <a:extLst>
               <a:ext uri="{FF2B5EF4-FFF2-40B4-BE49-F238E27FC236}">
-                <a16:creationId xmlns:a16="http://schemas.microsoft.com/office/drawing/2014/main" xmlns="" id="{F311E9F4-6558-4413-A3BD-A2436B26CE15}"/>
+                <a16:creationId xmlns:a16="http://schemas.microsoft.com/office/drawing/2014/main" id="{F311E9F4-6558-4413-A3BD-A2436B26CE15}"/>
               </a:ext>
             </a:extLst>
           </p:cNvPr>
@@ -3370,7 +3383,7 @@
           <p:cNvPr id="6" name="TextBox 5">
             <a:extLst>
               <a:ext uri="{FF2B5EF4-FFF2-40B4-BE49-F238E27FC236}">
-                <a16:creationId xmlns:a16="http://schemas.microsoft.com/office/drawing/2014/main" xmlns="" id="{FBA7A02B-A889-4316-8FE4-EE7A882CFD0C}"/>
+                <a16:creationId xmlns:a16="http://schemas.microsoft.com/office/drawing/2014/main" id="{FBA7A02B-A889-4316-8FE4-EE7A882CFD0C}"/>
               </a:ext>
             </a:extLst>
           </p:cNvPr>
@@ -3476,7 +3489,7 @@
           <p:cNvPr id="7" name="직사각형 6">
             <a:extLst>
               <a:ext uri="{FF2B5EF4-FFF2-40B4-BE49-F238E27FC236}">
-                <a16:creationId xmlns:a16="http://schemas.microsoft.com/office/drawing/2014/main" xmlns="" id="{0D3AA6F2-9EF6-4462-AC41-B4215D287525}"/>
+                <a16:creationId xmlns:a16="http://schemas.microsoft.com/office/drawing/2014/main" id="{0D3AA6F2-9EF6-4462-AC41-B4215D287525}"/>
               </a:ext>
             </a:extLst>
           </p:cNvPr>
@@ -3560,7 +3573,7 @@
           <p:cNvPr id="4" name="그림 3">
             <a:extLst>
               <a:ext uri="{FF2B5EF4-FFF2-40B4-BE49-F238E27FC236}">
-                <a16:creationId xmlns:a16="http://schemas.microsoft.com/office/drawing/2014/main" xmlns="" id="{6F1C5C24-5F4D-4D7D-BACB-6E6CC9EE92D9}"/>
+                <a16:creationId xmlns:a16="http://schemas.microsoft.com/office/drawing/2014/main" id="{6F1C5C24-5F4D-4D7D-BACB-6E6CC9EE92D9}"/>
               </a:ext>
             </a:extLst>
           </p:cNvPr>
@@ -3620,7 +3633,7 @@
           <p:cNvPr id="4" name="그림 3">
             <a:extLst>
               <a:ext uri="{FF2B5EF4-FFF2-40B4-BE49-F238E27FC236}">
-                <a16:creationId xmlns:a16="http://schemas.microsoft.com/office/drawing/2014/main" xmlns="" id="{5882783E-0962-4F4D-993F-D9F921705337}"/>
+                <a16:creationId xmlns:a16="http://schemas.microsoft.com/office/drawing/2014/main" id="{5882783E-0962-4F4D-993F-D9F921705337}"/>
               </a:ext>
             </a:extLst>
           </p:cNvPr>
@@ -3650,7 +3663,7 @@
           <p:cNvPr id="5" name="그림 4">
             <a:extLst>
               <a:ext uri="{FF2B5EF4-FFF2-40B4-BE49-F238E27FC236}">
-                <a16:creationId xmlns:a16="http://schemas.microsoft.com/office/drawing/2014/main" xmlns="" id="{12FA596F-8BC0-48BA-BF64-C0651BF85FF5}"/>
+                <a16:creationId xmlns:a16="http://schemas.microsoft.com/office/drawing/2014/main" id="{12FA596F-8BC0-48BA-BF64-C0651BF85FF5}"/>
               </a:ext>
             </a:extLst>
           </p:cNvPr>
@@ -3680,7 +3693,7 @@
           <p:cNvPr id="6" name="그림 5">
             <a:extLst>
               <a:ext uri="{FF2B5EF4-FFF2-40B4-BE49-F238E27FC236}">
-                <a16:creationId xmlns:a16="http://schemas.microsoft.com/office/drawing/2014/main" xmlns="" id="{71C94C89-4BDB-4611-A8AF-833123E5CC76}"/>
+                <a16:creationId xmlns:a16="http://schemas.microsoft.com/office/drawing/2014/main" id="{71C94C89-4BDB-4611-A8AF-833123E5CC76}"/>
               </a:ext>
             </a:extLst>
           </p:cNvPr>
@@ -3710,7 +3723,7 @@
           <p:cNvPr id="9" name="그림 8">
             <a:extLst>
               <a:ext uri="{FF2B5EF4-FFF2-40B4-BE49-F238E27FC236}">
-                <a16:creationId xmlns:a16="http://schemas.microsoft.com/office/drawing/2014/main" xmlns="" id="{1CE0C530-C736-4C10-9280-C86A4BD4DAAC}"/>
+                <a16:creationId xmlns:a16="http://schemas.microsoft.com/office/drawing/2014/main" id="{1CE0C530-C736-4C10-9280-C86A4BD4DAAC}"/>
               </a:ext>
             </a:extLst>
           </p:cNvPr>
@@ -3740,7 +3753,7 @@
           <p:cNvPr id="10" name="그림 9">
             <a:extLst>
               <a:ext uri="{FF2B5EF4-FFF2-40B4-BE49-F238E27FC236}">
-                <a16:creationId xmlns:a16="http://schemas.microsoft.com/office/drawing/2014/main" xmlns="" id="{673E9D94-7F6F-4A8A-A308-0B5122018949}"/>
+                <a16:creationId xmlns:a16="http://schemas.microsoft.com/office/drawing/2014/main" id="{673E9D94-7F6F-4A8A-A308-0B5122018949}"/>
               </a:ext>
             </a:extLst>
           </p:cNvPr>
@@ -3770,7 +3783,7 @@
           <p:cNvPr id="11" name="같음 기호 10">
             <a:extLst>
               <a:ext uri="{FF2B5EF4-FFF2-40B4-BE49-F238E27FC236}">
-                <a16:creationId xmlns:a16="http://schemas.microsoft.com/office/drawing/2014/main" xmlns="" id="{600CCDBD-70D4-473B-B79C-20CA0AA15B6A}"/>
+                <a16:creationId xmlns:a16="http://schemas.microsoft.com/office/drawing/2014/main" id="{600CCDBD-70D4-473B-B79C-20CA0AA15B6A}"/>
               </a:ext>
             </a:extLst>
           </p:cNvPr>
@@ -3820,7 +3833,7 @@
           <p:cNvPr id="12" name="더하기 기호 11">
             <a:extLst>
               <a:ext uri="{FF2B5EF4-FFF2-40B4-BE49-F238E27FC236}">
-                <a16:creationId xmlns:a16="http://schemas.microsoft.com/office/drawing/2014/main" xmlns="" id="{0317CA1B-98F9-4473-958F-C4C577000BD3}"/>
+                <a16:creationId xmlns:a16="http://schemas.microsoft.com/office/drawing/2014/main" id="{0317CA1B-98F9-4473-958F-C4C577000BD3}"/>
               </a:ext>
             </a:extLst>
           </p:cNvPr>
@@ -3866,7 +3879,7 @@
           <p:cNvPr id="13" name="더하기 기호 12">
             <a:extLst>
               <a:ext uri="{FF2B5EF4-FFF2-40B4-BE49-F238E27FC236}">
-                <a16:creationId xmlns:a16="http://schemas.microsoft.com/office/drawing/2014/main" xmlns="" id="{856D08EA-E4D5-494B-9ACC-084938D78C5A}"/>
+                <a16:creationId xmlns:a16="http://schemas.microsoft.com/office/drawing/2014/main" id="{856D08EA-E4D5-494B-9ACC-084938D78C5A}"/>
               </a:ext>
             </a:extLst>
           </p:cNvPr>
@@ -3912,7 +3925,7 @@
           <p:cNvPr id="14" name="더하기 기호 13">
             <a:extLst>
               <a:ext uri="{FF2B5EF4-FFF2-40B4-BE49-F238E27FC236}">
-                <a16:creationId xmlns:a16="http://schemas.microsoft.com/office/drawing/2014/main" xmlns="" id="{5BEC5DCF-D40A-4862-BA2C-F6D9FB832A6A}"/>
+                <a16:creationId xmlns:a16="http://schemas.microsoft.com/office/drawing/2014/main" id="{5BEC5DCF-D40A-4862-BA2C-F6D9FB832A6A}"/>
               </a:ext>
             </a:extLst>
           </p:cNvPr>
@@ -3958,7 +3971,7 @@
           <p:cNvPr id="15" name="더하기 기호 14">
             <a:extLst>
               <a:ext uri="{FF2B5EF4-FFF2-40B4-BE49-F238E27FC236}">
-                <a16:creationId xmlns:a16="http://schemas.microsoft.com/office/drawing/2014/main" xmlns="" id="{B3659AF0-37CF-413D-A757-89E210C4A20D}"/>
+                <a16:creationId xmlns:a16="http://schemas.microsoft.com/office/drawing/2014/main" id="{B3659AF0-37CF-413D-A757-89E210C4A20D}"/>
               </a:ext>
             </a:extLst>
           </p:cNvPr>
@@ -4006,7 +4019,7 @@
               <p:cNvPr id="16" name="TextBox 15">
                 <a:extLst>
                   <a:ext uri="{FF2B5EF4-FFF2-40B4-BE49-F238E27FC236}">
-                    <a16:creationId xmlns:a16="http://schemas.microsoft.com/office/drawing/2014/main" xmlns="" id="{9C920408-71ED-419F-B43E-1DB41A7880F0}"/>
+                    <a16:creationId xmlns:a16="http://schemas.microsoft.com/office/drawing/2014/main" id="{9C920408-71ED-419F-B43E-1DB41A7880F0}"/>
                   </a:ext>
                 </a:extLst>
               </p:cNvPr>
@@ -4102,7 +4115,7 @@
               <p:cNvPr id="17" name="TextBox 16">
                 <a:extLst>
                   <a:ext uri="{FF2B5EF4-FFF2-40B4-BE49-F238E27FC236}">
-                    <a16:creationId xmlns:a16="http://schemas.microsoft.com/office/drawing/2014/main" xmlns="" id="{A0D04FD1-E949-4C38-8C9F-96F1B2CDDCAC}"/>
+                    <a16:creationId xmlns:a16="http://schemas.microsoft.com/office/drawing/2014/main" id="{A0D04FD1-E949-4C38-8C9F-96F1B2CDDCAC}"/>
                   </a:ext>
                 </a:extLst>
               </p:cNvPr>
@@ -4196,7 +4209,7 @@
           <p:cNvPr id="18" name="더하기 기호 17">
             <a:extLst>
               <a:ext uri="{FF2B5EF4-FFF2-40B4-BE49-F238E27FC236}">
-                <a16:creationId xmlns:a16="http://schemas.microsoft.com/office/drawing/2014/main" xmlns="" id="{614F1147-7925-4158-B8D1-ACE1AD09F0A8}"/>
+                <a16:creationId xmlns:a16="http://schemas.microsoft.com/office/drawing/2014/main" id="{614F1147-7925-4158-B8D1-ACE1AD09F0A8}"/>
               </a:ext>
             </a:extLst>
           </p:cNvPr>
@@ -4272,7 +4285,7 @@
           <p:cNvPr id="4" name="그림 3">
             <a:extLst>
               <a:ext uri="{FF2B5EF4-FFF2-40B4-BE49-F238E27FC236}">
-                <a16:creationId xmlns:a16="http://schemas.microsoft.com/office/drawing/2014/main" xmlns="" id="{E9BF00B2-4A52-4D35-962C-C6EF76ED44B3}"/>
+                <a16:creationId xmlns:a16="http://schemas.microsoft.com/office/drawing/2014/main" id="{E9BF00B2-4A52-4D35-962C-C6EF76ED44B3}"/>
               </a:ext>
             </a:extLst>
           </p:cNvPr>
@@ -4302,7 +4315,7 @@
           <p:cNvPr id="5" name="직사각형 4">
             <a:extLst>
               <a:ext uri="{FF2B5EF4-FFF2-40B4-BE49-F238E27FC236}">
-                <a16:creationId xmlns:a16="http://schemas.microsoft.com/office/drawing/2014/main" xmlns="" id="{496A2524-A635-4FBD-A399-6F39899147AC}"/>
+                <a16:creationId xmlns:a16="http://schemas.microsoft.com/office/drawing/2014/main" id="{496A2524-A635-4FBD-A399-6F39899147AC}"/>
               </a:ext>
             </a:extLst>
           </p:cNvPr>
@@ -4358,7 +4371,7 @@
           <p:cNvPr id="7" name="직선 화살표 연결선 6">
             <a:extLst>
               <a:ext uri="{FF2B5EF4-FFF2-40B4-BE49-F238E27FC236}">
-                <a16:creationId xmlns:a16="http://schemas.microsoft.com/office/drawing/2014/main" xmlns="" id="{E1690EAD-B4C2-403B-B705-CB53CF1E16A5}"/>
+                <a16:creationId xmlns:a16="http://schemas.microsoft.com/office/drawing/2014/main" id="{E1690EAD-B4C2-403B-B705-CB53CF1E16A5}"/>
               </a:ext>
             </a:extLst>
           </p:cNvPr>
@@ -4403,7 +4416,7 @@
           <p:cNvPr id="9" name="TextBox 8">
             <a:extLst>
               <a:ext uri="{FF2B5EF4-FFF2-40B4-BE49-F238E27FC236}">
-                <a16:creationId xmlns:a16="http://schemas.microsoft.com/office/drawing/2014/main" xmlns="" id="{34032B2F-BAE1-41C6-9CC7-0D86388A901F}"/>
+                <a16:creationId xmlns:a16="http://schemas.microsoft.com/office/drawing/2014/main" id="{34032B2F-BAE1-41C6-9CC7-0D86388A901F}"/>
               </a:ext>
             </a:extLst>
           </p:cNvPr>
@@ -4440,7 +4453,7 @@
           <p:cNvPr id="10" name="왼쪽 중괄호 9">
             <a:extLst>
               <a:ext uri="{FF2B5EF4-FFF2-40B4-BE49-F238E27FC236}">
-                <a16:creationId xmlns:a16="http://schemas.microsoft.com/office/drawing/2014/main" xmlns="" id="{270A0127-B490-4760-9ABD-502961FD32F8}"/>
+                <a16:creationId xmlns:a16="http://schemas.microsoft.com/office/drawing/2014/main" id="{270A0127-B490-4760-9ABD-502961FD32F8}"/>
               </a:ext>
             </a:extLst>
           </p:cNvPr>
@@ -4492,7 +4505,7 @@
           <p:cNvPr id="11" name="TextBox 10">
             <a:extLst>
               <a:ext uri="{FF2B5EF4-FFF2-40B4-BE49-F238E27FC236}">
-                <a16:creationId xmlns:a16="http://schemas.microsoft.com/office/drawing/2014/main" xmlns="" id="{B7E18635-2B06-4296-8256-273EC324408C}"/>
+                <a16:creationId xmlns:a16="http://schemas.microsoft.com/office/drawing/2014/main" id="{B7E18635-2B06-4296-8256-273EC324408C}"/>
               </a:ext>
             </a:extLst>
           </p:cNvPr>
@@ -4529,7 +4542,7 @@
           <p:cNvPr id="12" name="직사각형 11">
             <a:extLst>
               <a:ext uri="{FF2B5EF4-FFF2-40B4-BE49-F238E27FC236}">
-                <a16:creationId xmlns:a16="http://schemas.microsoft.com/office/drawing/2014/main" xmlns="" id="{AD54B500-41C7-44BA-BEBA-72CB5D7F99C9}"/>
+                <a16:creationId xmlns:a16="http://schemas.microsoft.com/office/drawing/2014/main" id="{AD54B500-41C7-44BA-BEBA-72CB5D7F99C9}"/>
               </a:ext>
             </a:extLst>
           </p:cNvPr>
@@ -4585,7 +4598,7 @@
           <p:cNvPr id="13" name="직선 화살표 연결선 12">
             <a:extLst>
               <a:ext uri="{FF2B5EF4-FFF2-40B4-BE49-F238E27FC236}">
-                <a16:creationId xmlns:a16="http://schemas.microsoft.com/office/drawing/2014/main" xmlns="" id="{81AD0613-859B-46F5-A312-13C74944045F}"/>
+                <a16:creationId xmlns:a16="http://schemas.microsoft.com/office/drawing/2014/main" id="{81AD0613-859B-46F5-A312-13C74944045F}"/>
               </a:ext>
             </a:extLst>
           </p:cNvPr>
@@ -4632,7 +4645,7 @@
               <p:cNvPr id="14" name="TextBox 13">
                 <a:extLst>
                   <a:ext uri="{FF2B5EF4-FFF2-40B4-BE49-F238E27FC236}">
-                    <a16:creationId xmlns:a16="http://schemas.microsoft.com/office/drawing/2014/main" xmlns="" id="{90396817-BB8D-4DD2-9CEC-88E201BF9325}"/>
+                    <a16:creationId xmlns:a16="http://schemas.microsoft.com/office/drawing/2014/main" id="{90396817-BB8D-4DD2-9CEC-88E201BF9325}"/>
                   </a:ext>
                 </a:extLst>
               </p:cNvPr>
@@ -4728,7 +4741,7 @@
               <p:cNvPr id="15" name="TextBox 14">
                 <a:extLst>
                   <a:ext uri="{FF2B5EF4-FFF2-40B4-BE49-F238E27FC236}">
-                    <a16:creationId xmlns:a16="http://schemas.microsoft.com/office/drawing/2014/main" xmlns="" id="{32FFBECD-A747-4786-8272-74E2DC9750AE}"/>
+                    <a16:creationId xmlns:a16="http://schemas.microsoft.com/office/drawing/2014/main" id="{32FFBECD-A747-4786-8272-74E2DC9750AE}"/>
                   </a:ext>
                 </a:extLst>
               </p:cNvPr>
@@ -4849,6 +4862,766 @@
       </p:grpSpPr>
       <p:pic>
         <p:nvPicPr>
+          <p:cNvPr id="4" name="그림 3">
+            <a:extLst>
+              <a:ext uri="{FF2B5EF4-FFF2-40B4-BE49-F238E27FC236}">
+                <a16:creationId xmlns:a16="http://schemas.microsoft.com/office/drawing/2014/main" id="{E9BF00B2-4A52-4D35-962C-C6EF76ED44B3}"/>
+              </a:ext>
+            </a:extLst>
+          </p:cNvPr>
+          <p:cNvPicPr>
+            <a:picLocks noChangeAspect="1"/>
+          </p:cNvPicPr>
+          <p:nvPr/>
+        </p:nvPicPr>
+        <p:blipFill>
+          <a:blip r:embed="rId2"/>
+          <a:stretch>
+            <a:fillRect/>
+          </a:stretch>
+        </p:blipFill>
+        <p:spPr>
+          <a:xfrm>
+            <a:off x="2760133" y="927100"/>
+            <a:ext cx="6671734" cy="5003800"/>
+          </a:xfrm>
+          <a:prstGeom prst="rect">
+            <a:avLst/>
+          </a:prstGeom>
+        </p:spPr>
+      </p:pic>
+      <p:sp>
+        <p:nvSpPr>
+          <p:cNvPr id="5" name="직사각형 4">
+            <a:extLst>
+              <a:ext uri="{FF2B5EF4-FFF2-40B4-BE49-F238E27FC236}">
+                <a16:creationId xmlns:a16="http://schemas.microsoft.com/office/drawing/2014/main" id="{496A2524-A635-4FBD-A399-6F39899147AC}"/>
+              </a:ext>
+            </a:extLst>
+          </p:cNvPr>
+          <p:cNvSpPr/>
+          <p:nvPr/>
+        </p:nvSpPr>
+        <p:spPr>
+          <a:xfrm>
+            <a:off x="3725334" y="2269067"/>
+            <a:ext cx="1354666" cy="711200"/>
+          </a:xfrm>
+          <a:prstGeom prst="rect">
+            <a:avLst/>
+          </a:prstGeom>
+          <a:solidFill>
+            <a:schemeClr val="accent6">
+              <a:lumMod val="60000"/>
+              <a:lumOff val="40000"/>
+              <a:alpha val="30000"/>
+            </a:schemeClr>
+          </a:solidFill>
+          <a:ln>
+            <a:noFill/>
+          </a:ln>
+        </p:spPr>
+        <p:style>
+          <a:lnRef idx="2">
+            <a:schemeClr val="accent1">
+              <a:shade val="50000"/>
+            </a:schemeClr>
+          </a:lnRef>
+          <a:fillRef idx="1">
+            <a:schemeClr val="accent1"/>
+          </a:fillRef>
+          <a:effectRef idx="0">
+            <a:schemeClr val="accent1"/>
+          </a:effectRef>
+          <a:fontRef idx="minor">
+            <a:schemeClr val="lt1"/>
+          </a:fontRef>
+        </p:style>
+        <p:txBody>
+          <a:bodyPr rtlCol="0" anchor="ctr"/>
+          <a:lstStyle/>
+          <a:p>
+            <a:pPr algn="ctr"/>
+            <a:endParaRPr lang="ko-KR" altLang="en-US"/>
+          </a:p>
+        </p:txBody>
+      </p:sp>
+      <p:cxnSp>
+        <p:nvCxnSpPr>
+          <p:cNvPr id="7" name="직선 화살표 연결선 6">
+            <a:extLst>
+              <a:ext uri="{FF2B5EF4-FFF2-40B4-BE49-F238E27FC236}">
+                <a16:creationId xmlns:a16="http://schemas.microsoft.com/office/drawing/2014/main" id="{E1690EAD-B4C2-403B-B705-CB53CF1E16A5}"/>
+              </a:ext>
+            </a:extLst>
+          </p:cNvPr>
+          <p:cNvCxnSpPr>
+            <a:cxnSpLocks/>
+          </p:cNvCxnSpPr>
+          <p:nvPr/>
+        </p:nvCxnSpPr>
+        <p:spPr>
+          <a:xfrm>
+            <a:off x="4923614" y="2965027"/>
+            <a:ext cx="0" cy="1998133"/>
+          </a:xfrm>
+          <a:prstGeom prst="straightConnector1">
+            <a:avLst/>
+          </a:prstGeom>
+          <a:ln w="12700">
+            <a:solidFill>
+              <a:schemeClr val="tx1"/>
+            </a:solidFill>
+            <a:prstDash val="dash"/>
+            <a:tailEnd type="triangle"/>
+          </a:ln>
+        </p:spPr>
+        <p:style>
+          <a:lnRef idx="1">
+            <a:schemeClr val="accent1"/>
+          </a:lnRef>
+          <a:fillRef idx="0">
+            <a:schemeClr val="accent1"/>
+          </a:fillRef>
+          <a:effectRef idx="0">
+            <a:schemeClr val="accent1"/>
+          </a:effectRef>
+          <a:fontRef idx="minor">
+            <a:schemeClr val="tx1"/>
+          </a:fontRef>
+        </p:style>
+      </p:cxnSp>
+      <p:sp>
+        <p:nvSpPr>
+          <p:cNvPr id="9" name="TextBox 8">
+            <a:extLst>
+              <a:ext uri="{FF2B5EF4-FFF2-40B4-BE49-F238E27FC236}">
+                <a16:creationId xmlns:a16="http://schemas.microsoft.com/office/drawing/2014/main" id="{34032B2F-BAE1-41C6-9CC7-0D86388A901F}"/>
+              </a:ext>
+            </a:extLst>
+          </p:cNvPr>
+          <p:cNvSpPr txBox="1"/>
+          <p:nvPr/>
+        </p:nvSpPr>
+        <p:spPr>
+          <a:xfrm>
+            <a:off x="3874087" y="1843101"/>
+            <a:ext cx="1057147" cy="369332"/>
+          </a:xfrm>
+          <a:prstGeom prst="rect">
+            <a:avLst/>
+          </a:prstGeom>
+          <a:noFill/>
+        </p:spPr>
+        <p:txBody>
+          <a:bodyPr wrap="square" rtlCol="0">
+            <a:spAutoFit/>
+          </a:bodyPr>
+          <a:lstStyle/>
+          <a:p>
+            <a:pPr algn="ctr"/>
+            <a:r>
+              <a:rPr lang="en-US" altLang="ko-KR" dirty="0"/>
+              <a:t>window</a:t>
+            </a:r>
+            <a:endParaRPr lang="ko-KR" altLang="en-US" dirty="0"/>
+          </a:p>
+        </p:txBody>
+      </p:sp>
+      <p:sp>
+        <p:nvSpPr>
+          <p:cNvPr id="10" name="왼쪽 중괄호 9">
+            <a:extLst>
+              <a:ext uri="{FF2B5EF4-FFF2-40B4-BE49-F238E27FC236}">
+                <a16:creationId xmlns:a16="http://schemas.microsoft.com/office/drawing/2014/main" id="{270A0127-B490-4760-9ABD-502961FD32F8}"/>
+              </a:ext>
+            </a:extLst>
+          </p:cNvPr>
+          <p:cNvSpPr/>
+          <p:nvPr/>
+        </p:nvSpPr>
+        <p:spPr>
+          <a:xfrm rot="5400000">
+            <a:off x="4348475" y="1537548"/>
+            <a:ext cx="108373" cy="1354665"/>
+          </a:xfrm>
+          <a:prstGeom prst="leftBrace">
+            <a:avLst>
+              <a:gd name="adj1" fmla="val 69857"/>
+              <a:gd name="adj2" fmla="val 50000"/>
+            </a:avLst>
+          </a:prstGeom>
+          <a:ln>
+            <a:solidFill>
+              <a:schemeClr val="tx1"/>
+            </a:solidFill>
+          </a:ln>
+        </p:spPr>
+        <p:style>
+          <a:lnRef idx="1">
+            <a:schemeClr val="accent1"/>
+          </a:lnRef>
+          <a:fillRef idx="0">
+            <a:schemeClr val="accent1"/>
+          </a:fillRef>
+          <a:effectRef idx="0">
+            <a:schemeClr val="accent1"/>
+          </a:effectRef>
+          <a:fontRef idx="minor">
+            <a:schemeClr val="tx1"/>
+          </a:fontRef>
+        </p:style>
+        <p:txBody>
+          <a:bodyPr rtlCol="0" anchor="ctr"/>
+          <a:lstStyle/>
+          <a:p>
+            <a:pPr algn="ctr"/>
+            <a:endParaRPr lang="ko-KR" altLang="en-US"/>
+          </a:p>
+        </p:txBody>
+      </p:sp>
+      <p:sp>
+        <p:nvSpPr>
+          <p:cNvPr id="11" name="TextBox 10">
+            <a:extLst>
+              <a:ext uri="{FF2B5EF4-FFF2-40B4-BE49-F238E27FC236}">
+                <a16:creationId xmlns:a16="http://schemas.microsoft.com/office/drawing/2014/main" id="{B7E18635-2B06-4296-8256-273EC324408C}"/>
+              </a:ext>
+            </a:extLst>
+          </p:cNvPr>
+          <p:cNvSpPr txBox="1"/>
+          <p:nvPr/>
+        </p:nvSpPr>
+        <p:spPr>
+          <a:xfrm>
+            <a:off x="3745036" y="3952902"/>
+            <a:ext cx="1162862" cy="923330"/>
+          </a:xfrm>
+          <a:prstGeom prst="rect">
+            <a:avLst/>
+          </a:prstGeom>
+          <a:noFill/>
+        </p:spPr>
+        <p:txBody>
+          <a:bodyPr wrap="square" rtlCol="0">
+            <a:spAutoFit/>
+          </a:bodyPr>
+          <a:lstStyle/>
+          <a:p>
+            <a:pPr algn="ctr"/>
+            <a:r>
+              <a:rPr lang="en-US" altLang="ko-KR" dirty="0"/>
+              <a:t>averaged</a:t>
+            </a:r>
+          </a:p>
+          <a:p>
+            <a:pPr algn="ctr"/>
+            <a:r>
+              <a:rPr lang="en-US" altLang="ko-KR" dirty="0"/>
+              <a:t>value</a:t>
+            </a:r>
+          </a:p>
+        </p:txBody>
+      </p:sp>
+      <p:sp>
+        <p:nvSpPr>
+          <p:cNvPr id="12" name="직사각형 11">
+            <a:extLst>
+              <a:ext uri="{FF2B5EF4-FFF2-40B4-BE49-F238E27FC236}">
+                <a16:creationId xmlns:a16="http://schemas.microsoft.com/office/drawing/2014/main" id="{AD54B500-41C7-44BA-BEBA-72CB5D7F99C9}"/>
+              </a:ext>
+            </a:extLst>
+          </p:cNvPr>
+          <p:cNvSpPr/>
+          <p:nvPr/>
+        </p:nvSpPr>
+        <p:spPr>
+          <a:xfrm>
+            <a:off x="5826884" y="1805094"/>
+            <a:ext cx="1354666" cy="711200"/>
+          </a:xfrm>
+          <a:prstGeom prst="rect">
+            <a:avLst/>
+          </a:prstGeom>
+          <a:solidFill>
+            <a:schemeClr val="accent6">
+              <a:lumMod val="60000"/>
+              <a:lumOff val="40000"/>
+              <a:alpha val="30000"/>
+            </a:schemeClr>
+          </a:solidFill>
+          <a:ln>
+            <a:noFill/>
+          </a:ln>
+        </p:spPr>
+        <p:style>
+          <a:lnRef idx="2">
+            <a:schemeClr val="accent1">
+              <a:shade val="50000"/>
+            </a:schemeClr>
+          </a:lnRef>
+          <a:fillRef idx="1">
+            <a:schemeClr val="accent1"/>
+          </a:fillRef>
+          <a:effectRef idx="0">
+            <a:schemeClr val="accent1"/>
+          </a:effectRef>
+          <a:fontRef idx="minor">
+            <a:schemeClr val="lt1"/>
+          </a:fontRef>
+        </p:style>
+        <p:txBody>
+          <a:bodyPr rtlCol="0" anchor="ctr"/>
+          <a:lstStyle/>
+          <a:p>
+            <a:pPr algn="ctr"/>
+            <a:endParaRPr lang="ko-KR" altLang="en-US"/>
+          </a:p>
+        </p:txBody>
+      </p:sp>
+      <p:cxnSp>
+        <p:nvCxnSpPr>
+          <p:cNvPr id="13" name="직선 화살표 연결선 12">
+            <a:extLst>
+              <a:ext uri="{FF2B5EF4-FFF2-40B4-BE49-F238E27FC236}">
+                <a16:creationId xmlns:a16="http://schemas.microsoft.com/office/drawing/2014/main" id="{81AD0613-859B-46F5-A312-13C74944045F}"/>
+              </a:ext>
+            </a:extLst>
+          </p:cNvPr>
+          <p:cNvCxnSpPr>
+            <a:cxnSpLocks/>
+          </p:cNvCxnSpPr>
+          <p:nvPr/>
+        </p:nvCxnSpPr>
+        <p:spPr>
+          <a:xfrm>
+            <a:off x="6991050" y="2516294"/>
+            <a:ext cx="0" cy="1998133"/>
+          </a:xfrm>
+          <a:prstGeom prst="straightConnector1">
+            <a:avLst/>
+          </a:prstGeom>
+          <a:ln w="12700">
+            <a:solidFill>
+              <a:schemeClr val="tx1"/>
+            </a:solidFill>
+            <a:prstDash val="dash"/>
+            <a:tailEnd type="triangle"/>
+          </a:ln>
+        </p:spPr>
+        <p:style>
+          <a:lnRef idx="1">
+            <a:schemeClr val="accent1"/>
+          </a:lnRef>
+          <a:fillRef idx="0">
+            <a:schemeClr val="accent1"/>
+          </a:fillRef>
+          <a:effectRef idx="0">
+            <a:schemeClr val="accent1"/>
+          </a:effectRef>
+          <a:fontRef idx="minor">
+            <a:schemeClr val="tx1"/>
+          </a:fontRef>
+        </p:style>
+      </p:cxnSp>
+      <mc:AlternateContent xmlns:mc="http://schemas.openxmlformats.org/markup-compatibility/2006" xmlns:a14="http://schemas.microsoft.com/office/drawing/2010/main">
+        <mc:Choice Requires="a14">
+          <p:sp>
+            <p:nvSpPr>
+              <p:cNvPr id="14" name="TextBox 13">
+                <a:extLst>
+                  <a:ext uri="{FF2B5EF4-FFF2-40B4-BE49-F238E27FC236}">
+                    <a16:creationId xmlns:a16="http://schemas.microsoft.com/office/drawing/2014/main" id="{90396817-BB8D-4DD2-9CEC-88E201BF9325}"/>
+                  </a:ext>
+                </a:extLst>
+              </p:cNvPr>
+              <p:cNvSpPr txBox="1"/>
+              <p:nvPr/>
+            </p:nvSpPr>
+            <p:spPr>
+              <a:xfrm rot="20622542">
+                <a:off x="5221642" y="1976028"/>
+                <a:ext cx="463588" cy="369332"/>
+              </a:xfrm>
+              <a:prstGeom prst="rect">
+                <a:avLst/>
+              </a:prstGeom>
+              <a:noFill/>
+            </p:spPr>
+            <p:txBody>
+              <a:bodyPr wrap="none" rtlCol="0">
+                <a:spAutoFit/>
+              </a:bodyPr>
+              <a:lstStyle/>
+              <a:p>
+                <a:pPr/>
+                <a14:m>
+                  <m:oMathPara xmlns:m="http://schemas.openxmlformats.org/officeDocument/2006/math">
+                    <m:oMathParaPr>
+                      <m:jc m:val="centerGroup"/>
+                    </m:oMathParaPr>
+                    <m:oMath xmlns:m="http://schemas.openxmlformats.org/officeDocument/2006/math">
+                      <m:r>
+                        <a:rPr lang="en-US" altLang="ko-KR" b="0" i="1" smtClean="0">
+                          <a:latin typeface="Cambria Math" panose="02040503050406030204" pitchFamily="18" charset="0"/>
+                        </a:rPr>
+                        <m:t>⋯</m:t>
+                      </m:r>
+                    </m:oMath>
+                  </m:oMathPara>
+                </a14:m>
+                <a:endParaRPr lang="ko-KR" altLang="en-US" dirty="0"/>
+              </a:p>
+            </p:txBody>
+          </p:sp>
+        </mc:Choice>
+        <mc:Fallback xmlns="">
+          <p:sp>
+            <p:nvSpPr>
+              <p:cNvPr id="14" name="TextBox 13">
+                <a:extLst>
+                  <a:ext uri="{FF2B5EF4-FFF2-40B4-BE49-F238E27FC236}">
+                    <a16:creationId xmlns:a16="http://schemas.microsoft.com/office/drawing/2014/main" id="{90396817-BB8D-4DD2-9CEC-88E201BF9325}"/>
+                  </a:ext>
+                </a:extLst>
+              </p:cNvPr>
+              <p:cNvSpPr txBox="1">
+                <a:spLocks noRot="1" noChangeAspect="1" noMove="1" noResize="1" noEditPoints="1" noAdjustHandles="1" noChangeArrowheads="1" noChangeShapeType="1" noTextEdit="1"/>
+              </p:cNvSpPr>
+              <p:nvPr/>
+            </p:nvSpPr>
+            <p:spPr>
+              <a:xfrm rot="20622542">
+                <a:off x="5221642" y="1976028"/>
+                <a:ext cx="463588" cy="369332"/>
+              </a:xfrm>
+              <a:prstGeom prst="rect">
+                <a:avLst/>
+              </a:prstGeom>
+              <a:blipFill>
+                <a:blip r:embed="rId3"/>
+                <a:stretch>
+                  <a:fillRect/>
+                </a:stretch>
+              </a:blipFill>
+            </p:spPr>
+            <p:txBody>
+              <a:bodyPr/>
+              <a:lstStyle/>
+              <a:p>
+                <a:r>
+                  <a:rPr lang="ko-KR" altLang="en-US">
+                    <a:noFill/>
+                  </a:rPr>
+                  <a:t> </a:t>
+                </a:r>
+              </a:p>
+            </p:txBody>
+          </p:sp>
+        </mc:Fallback>
+      </mc:AlternateContent>
+      <mc:AlternateContent xmlns:mc="http://schemas.openxmlformats.org/markup-compatibility/2006" xmlns:a14="http://schemas.microsoft.com/office/drawing/2010/main">
+        <mc:Choice Requires="a14">
+          <p:sp>
+            <p:nvSpPr>
+              <p:cNvPr id="15" name="TextBox 14">
+                <a:extLst>
+                  <a:ext uri="{FF2B5EF4-FFF2-40B4-BE49-F238E27FC236}">
+                    <a16:creationId xmlns:a16="http://schemas.microsoft.com/office/drawing/2014/main" id="{32FFBECD-A747-4786-8272-74E2DC9750AE}"/>
+                  </a:ext>
+                </a:extLst>
+              </p:cNvPr>
+              <p:cNvSpPr txBox="1"/>
+              <p:nvPr/>
+            </p:nvSpPr>
+            <p:spPr>
+              <a:xfrm rot="20792925">
+                <a:off x="5796902" y="4137569"/>
+                <a:ext cx="463588" cy="369332"/>
+              </a:xfrm>
+              <a:prstGeom prst="rect">
+                <a:avLst/>
+              </a:prstGeom>
+              <a:noFill/>
+            </p:spPr>
+            <p:txBody>
+              <a:bodyPr wrap="none" rtlCol="0">
+                <a:spAutoFit/>
+              </a:bodyPr>
+              <a:lstStyle/>
+              <a:p>
+                <a:pPr/>
+                <a14:m>
+                  <m:oMathPara xmlns:m="http://schemas.openxmlformats.org/officeDocument/2006/math">
+                    <m:oMathParaPr>
+                      <m:jc m:val="centerGroup"/>
+                    </m:oMathParaPr>
+                    <m:oMath xmlns:m="http://schemas.openxmlformats.org/officeDocument/2006/math">
+                      <m:r>
+                        <a:rPr lang="en-US" altLang="ko-KR" b="0" i="1" smtClean="0">
+                          <a:latin typeface="Cambria Math" panose="02040503050406030204" pitchFamily="18" charset="0"/>
+                        </a:rPr>
+                        <m:t>⋯</m:t>
+                      </m:r>
+                    </m:oMath>
+                  </m:oMathPara>
+                </a14:m>
+                <a:endParaRPr lang="ko-KR" altLang="en-US" dirty="0"/>
+              </a:p>
+            </p:txBody>
+          </p:sp>
+        </mc:Choice>
+        <mc:Fallback xmlns="">
+          <p:sp>
+            <p:nvSpPr>
+              <p:cNvPr id="15" name="TextBox 14">
+                <a:extLst>
+                  <a:ext uri="{FF2B5EF4-FFF2-40B4-BE49-F238E27FC236}">
+                    <a16:creationId xmlns:a16="http://schemas.microsoft.com/office/drawing/2014/main" id="{32FFBECD-A747-4786-8272-74E2DC9750AE}"/>
+                  </a:ext>
+                </a:extLst>
+              </p:cNvPr>
+              <p:cNvSpPr txBox="1">
+                <a:spLocks noRot="1" noChangeAspect="1" noMove="1" noResize="1" noEditPoints="1" noAdjustHandles="1" noChangeArrowheads="1" noChangeShapeType="1" noTextEdit="1"/>
+              </p:cNvSpPr>
+              <p:nvPr/>
+            </p:nvSpPr>
+            <p:spPr>
+              <a:xfrm rot="20792925">
+                <a:off x="5796902" y="4137569"/>
+                <a:ext cx="463588" cy="369332"/>
+              </a:xfrm>
+              <a:prstGeom prst="rect">
+                <a:avLst/>
+              </a:prstGeom>
+              <a:blipFill>
+                <a:blip r:embed="rId4"/>
+                <a:stretch>
+                  <a:fillRect/>
+                </a:stretch>
+              </a:blipFill>
+            </p:spPr>
+            <p:txBody>
+              <a:bodyPr/>
+              <a:lstStyle/>
+              <a:p>
+                <a:r>
+                  <a:rPr lang="ko-KR" altLang="en-US">
+                    <a:noFill/>
+                  </a:rPr>
+                  <a:t> </a:t>
+                </a:r>
+              </a:p>
+            </p:txBody>
+          </p:sp>
+        </mc:Fallback>
+      </mc:AlternateContent>
+      <p:sp>
+        <p:nvSpPr>
+          <p:cNvPr id="2" name="Rectangle 1">
+            <a:extLst>
+              <a:ext uri="{FF2B5EF4-FFF2-40B4-BE49-F238E27FC236}">
+                <a16:creationId xmlns:a16="http://schemas.microsoft.com/office/drawing/2014/main" id="{066151DB-A86B-1F52-5E06-BD13C6C5FD7E}"/>
+              </a:ext>
+            </a:extLst>
+          </p:cNvPr>
+          <p:cNvSpPr/>
+          <p:nvPr/>
+        </p:nvSpPr>
+        <p:spPr>
+          <a:xfrm>
+            <a:off x="5334000" y="1000125"/>
+            <a:ext cx="1657050" cy="247650"/>
+          </a:xfrm>
+          <a:prstGeom prst="rect">
+            <a:avLst/>
+          </a:prstGeom>
+          <a:solidFill>
+            <a:schemeClr val="bg1"/>
+          </a:solidFill>
+          <a:ln>
+            <a:noFill/>
+          </a:ln>
+        </p:spPr>
+        <p:style>
+          <a:lnRef idx="2">
+            <a:schemeClr val="accent1">
+              <a:shade val="50000"/>
+            </a:schemeClr>
+          </a:lnRef>
+          <a:fillRef idx="1">
+            <a:schemeClr val="accent1"/>
+          </a:fillRef>
+          <a:effectRef idx="0">
+            <a:schemeClr val="accent1"/>
+          </a:effectRef>
+          <a:fontRef idx="minor">
+            <a:schemeClr val="lt1"/>
+          </a:fontRef>
+        </p:style>
+        <p:txBody>
+          <a:bodyPr rtlCol="0" anchor="ctr"/>
+          <a:lstStyle/>
+          <a:p>
+            <a:pPr algn="ctr"/>
+            <a:endParaRPr lang="en-US"/>
+          </a:p>
+        </p:txBody>
+      </p:sp>
+      <p:sp>
+        <p:nvSpPr>
+          <p:cNvPr id="3" name="TextBox 2">
+            <a:extLst>
+              <a:ext uri="{FF2B5EF4-FFF2-40B4-BE49-F238E27FC236}">
+                <a16:creationId xmlns:a16="http://schemas.microsoft.com/office/drawing/2014/main" id="{12C05DF2-75A0-36C7-9209-EA1D68DFD251}"/>
+              </a:ext>
+            </a:extLst>
+          </p:cNvPr>
+          <p:cNvSpPr txBox="1"/>
+          <p:nvPr/>
+        </p:nvSpPr>
+        <p:spPr>
+          <a:xfrm>
+            <a:off x="5334000" y="915774"/>
+            <a:ext cx="1651414" cy="369332"/>
+          </a:xfrm>
+          <a:prstGeom prst="rect">
+            <a:avLst/>
+          </a:prstGeom>
+          <a:noFill/>
+        </p:spPr>
+        <p:txBody>
+          <a:bodyPr wrap="none" rtlCol="0">
+            <a:spAutoFit/>
+          </a:bodyPr>
+          <a:lstStyle/>
+          <a:p>
+            <a:r>
+              <a:rPr lang="en-US" dirty="0"/>
+              <a:t>original signal</a:t>
+            </a:r>
+          </a:p>
+        </p:txBody>
+      </p:sp>
+      <p:sp>
+        <p:nvSpPr>
+          <p:cNvPr id="6" name="Rectangle 5">
+            <a:extLst>
+              <a:ext uri="{FF2B5EF4-FFF2-40B4-BE49-F238E27FC236}">
+                <a16:creationId xmlns:a16="http://schemas.microsoft.com/office/drawing/2014/main" id="{295649C5-8FE8-5EFD-05AB-11C3D95E3A31}"/>
+              </a:ext>
+            </a:extLst>
+          </p:cNvPr>
+          <p:cNvSpPr/>
+          <p:nvPr/>
+        </p:nvSpPr>
+        <p:spPr>
+          <a:xfrm>
+            <a:off x="5334000" y="3407299"/>
+            <a:ext cx="1657050" cy="247650"/>
+          </a:xfrm>
+          <a:prstGeom prst="rect">
+            <a:avLst/>
+          </a:prstGeom>
+          <a:solidFill>
+            <a:schemeClr val="bg1"/>
+          </a:solidFill>
+          <a:ln>
+            <a:noFill/>
+          </a:ln>
+        </p:spPr>
+        <p:style>
+          <a:lnRef idx="2">
+            <a:schemeClr val="accent1">
+              <a:shade val="50000"/>
+            </a:schemeClr>
+          </a:lnRef>
+          <a:fillRef idx="1">
+            <a:schemeClr val="accent1"/>
+          </a:fillRef>
+          <a:effectRef idx="0">
+            <a:schemeClr val="accent1"/>
+          </a:effectRef>
+          <a:fontRef idx="minor">
+            <a:schemeClr val="lt1"/>
+          </a:fontRef>
+        </p:style>
+        <p:txBody>
+          <a:bodyPr rtlCol="0" anchor="ctr"/>
+          <a:lstStyle/>
+          <a:p>
+            <a:pPr algn="ctr"/>
+            <a:endParaRPr lang="en-US"/>
+          </a:p>
+        </p:txBody>
+      </p:sp>
+      <p:sp>
+        <p:nvSpPr>
+          <p:cNvPr id="8" name="TextBox 7">
+            <a:extLst>
+              <a:ext uri="{FF2B5EF4-FFF2-40B4-BE49-F238E27FC236}">
+                <a16:creationId xmlns:a16="http://schemas.microsoft.com/office/drawing/2014/main" id="{69FE517F-8565-F12B-AACF-D665B822621C}"/>
+              </a:ext>
+            </a:extLst>
+          </p:cNvPr>
+          <p:cNvSpPr txBox="1"/>
+          <p:nvPr/>
+        </p:nvSpPr>
+        <p:spPr>
+          <a:xfrm>
+            <a:off x="5079994" y="3323074"/>
+            <a:ext cx="2706318" cy="369332"/>
+          </a:xfrm>
+          <a:prstGeom prst="rect">
+            <a:avLst/>
+          </a:prstGeom>
+          <a:noFill/>
+        </p:spPr>
+        <p:txBody>
+          <a:bodyPr wrap="none" rtlCol="0">
+            <a:spAutoFit/>
+          </a:bodyPr>
+          <a:lstStyle/>
+          <a:p>
+            <a:r>
+              <a:rPr lang="en-US" dirty="0"/>
+              <a:t>moving-averaged signal</a:t>
+            </a:r>
+          </a:p>
+        </p:txBody>
+      </p:sp>
+    </p:spTree>
+    <p:extLst>
+      <p:ext uri="{BB962C8B-B14F-4D97-AF65-F5344CB8AC3E}">
+        <p14:creationId xmlns:p14="http://schemas.microsoft.com/office/powerpoint/2010/main" val="4018325078"/>
+      </p:ext>
+    </p:extLst>
+  </p:cSld>
+  <p:clrMapOvr>
+    <a:masterClrMapping/>
+  </p:clrMapOvr>
+</p:sld>
+</file>
+
+<file path=ppt/slides/slide6.xml><?xml version="1.0" encoding="utf-8"?>
+<p:sld xmlns:a="http://schemas.openxmlformats.org/drawingml/2006/main" xmlns:r="http://schemas.openxmlformats.org/officeDocument/2006/relationships" xmlns:p="http://schemas.openxmlformats.org/presentationml/2006/main">
+  <p:cSld>
+    <p:spTree>
+      <p:nvGrpSpPr>
+        <p:cNvPr id="1" name=""/>
+        <p:cNvGrpSpPr/>
+        <p:nvPr/>
+      </p:nvGrpSpPr>
+      <p:grpSpPr>
+        <a:xfrm>
+          <a:off x="0" y="0"/>
+          <a:ext cx="0" cy="0"/>
+          <a:chOff x="0" y="0"/>
+          <a:chExt cx="0" cy="0"/>
+        </a:xfrm>
+      </p:grpSpPr>
+      <p:pic>
+        <p:nvPicPr>
           <p:cNvPr id="1027" name="Picture 3"/>
           <p:cNvPicPr>
             <a:picLocks noChangeAspect="1" noChangeArrowheads="1"/>
@@ -4915,6 +5688,222 @@
     <p:extLst>
       <p:ext uri="{BB962C8B-B14F-4D97-AF65-F5344CB8AC3E}">
         <p14:creationId xmlns:p14="http://schemas.microsoft.com/office/powerpoint/2010/main" val="1940357170"/>
+      </p:ext>
+    </p:extLst>
+  </p:cSld>
+  <p:clrMapOvr>
+    <a:masterClrMapping/>
+  </p:clrMapOvr>
+</p:sld>
+</file>
+
+<file path=ppt/slides/slide7.xml><?xml version="1.0" encoding="utf-8"?>
+<p:sld xmlns:a="http://schemas.openxmlformats.org/drawingml/2006/main" xmlns:r="http://schemas.openxmlformats.org/officeDocument/2006/relationships" xmlns:p="http://schemas.openxmlformats.org/presentationml/2006/main">
+  <p:cSld>
+    <p:spTree>
+      <p:nvGrpSpPr>
+        <p:cNvPr id="1" name=""/>
+        <p:cNvGrpSpPr/>
+        <p:nvPr/>
+      </p:nvGrpSpPr>
+      <p:grpSpPr>
+        <a:xfrm>
+          <a:off x="0" y="0"/>
+          <a:ext cx="0" cy="0"/>
+          <a:chOff x="0" y="0"/>
+          <a:chExt cx="0" cy="0"/>
+        </a:xfrm>
+      </p:grpSpPr>
+      <p:pic>
+        <p:nvPicPr>
+          <p:cNvPr id="1027" name="Picture 3"/>
+          <p:cNvPicPr>
+            <a:picLocks noChangeAspect="1" noChangeArrowheads="1"/>
+          </p:cNvPicPr>
+          <p:nvPr/>
+        </p:nvPicPr>
+        <p:blipFill>
+          <a:blip r:embed="rId2">
+            <a:extLst>
+              <a:ext uri="{28A0092B-C50C-407E-A947-70E740481C1C}">
+                <a14:useLocalDpi xmlns:a14="http://schemas.microsoft.com/office/drawing/2010/main" val="0"/>
+              </a:ext>
+            </a:extLst>
+          </a:blip>
+          <a:srcRect/>
+          <a:stretch>
+            <a:fillRect/>
+          </a:stretch>
+        </p:blipFill>
+        <p:spPr bwMode="auto">
+          <a:xfrm>
+            <a:off x="3432175" y="1433513"/>
+            <a:ext cx="5324475" cy="3990975"/>
+          </a:xfrm>
+          <a:prstGeom prst="rect">
+            <a:avLst/>
+          </a:prstGeom>
+          <a:noFill/>
+          <a:ln>
+            <a:noFill/>
+          </a:ln>
+          <a:effectLst/>
+          <a:extLst>
+            <a:ext uri="{909E8E84-426E-40DD-AFC4-6F175D3DCCD1}">
+              <a14:hiddenFill xmlns:a14="http://schemas.microsoft.com/office/drawing/2010/main">
+                <a:solidFill>
+                  <a:schemeClr val="accent1"/>
+                </a:solidFill>
+              </a14:hiddenFill>
+            </a:ext>
+            <a:ext uri="{91240B29-F687-4F45-9708-019B960494DF}">
+              <a14:hiddenLine xmlns:a14="http://schemas.microsoft.com/office/drawing/2010/main" w="9525">
+                <a:solidFill>
+                  <a:schemeClr val="tx1"/>
+                </a:solidFill>
+                <a:miter lim="800000"/>
+                <a:headEnd/>
+                <a:tailEnd/>
+              </a14:hiddenLine>
+            </a:ext>
+            <a:ext uri="{AF507438-7753-43E0-B8FC-AC1667EBCBE1}">
+              <a14:hiddenEffects xmlns:a14="http://schemas.microsoft.com/office/drawing/2010/main">
+                <a:effectLst>
+                  <a:outerShdw dist="35921" dir="2700000" algn="ctr" rotWithShape="0">
+                    <a:schemeClr val="bg2"/>
+                  </a:outerShdw>
+                </a:effectLst>
+              </a14:hiddenEffects>
+            </a:ext>
+          </a:extLst>
+        </p:spPr>
+      </p:pic>
+      <p:sp>
+        <p:nvSpPr>
+          <p:cNvPr id="2" name="Rectangle 1">
+            <a:extLst>
+              <a:ext uri="{FF2B5EF4-FFF2-40B4-BE49-F238E27FC236}">
+                <a16:creationId xmlns:a16="http://schemas.microsoft.com/office/drawing/2014/main" id="{6F7EC8BE-471B-2A05-21BA-F35853C8387B}"/>
+              </a:ext>
+            </a:extLst>
+          </p:cNvPr>
+          <p:cNvSpPr/>
+          <p:nvPr/>
+        </p:nvSpPr>
+        <p:spPr>
+          <a:xfrm>
+            <a:off x="7381875" y="1876425"/>
+            <a:ext cx="695325" cy="295275"/>
+          </a:xfrm>
+          <a:prstGeom prst="rect">
+            <a:avLst/>
+          </a:prstGeom>
+          <a:solidFill>
+            <a:schemeClr val="bg1"/>
+          </a:solidFill>
+          <a:ln>
+            <a:noFill/>
+          </a:ln>
+        </p:spPr>
+        <p:style>
+          <a:lnRef idx="2">
+            <a:schemeClr val="accent1">
+              <a:shade val="50000"/>
+            </a:schemeClr>
+          </a:lnRef>
+          <a:fillRef idx="1">
+            <a:schemeClr val="accent1"/>
+          </a:fillRef>
+          <a:effectRef idx="0">
+            <a:schemeClr val="accent1"/>
+          </a:effectRef>
+          <a:fontRef idx="minor">
+            <a:schemeClr val="lt1"/>
+          </a:fontRef>
+        </p:style>
+        <p:txBody>
+          <a:bodyPr rtlCol="0" anchor="ctr"/>
+          <a:lstStyle/>
+          <a:p>
+            <a:pPr algn="ctr"/>
+            <a:endParaRPr lang="en-US"/>
+          </a:p>
+        </p:txBody>
+      </p:sp>
+      <p:sp>
+        <p:nvSpPr>
+          <p:cNvPr id="3" name="TextBox 2">
+            <a:extLst>
+              <a:ext uri="{FF2B5EF4-FFF2-40B4-BE49-F238E27FC236}">
+                <a16:creationId xmlns:a16="http://schemas.microsoft.com/office/drawing/2014/main" id="{8BE0674E-9C4D-7020-D600-E88447C5F0AE}"/>
+              </a:ext>
+            </a:extLst>
+          </p:cNvPr>
+          <p:cNvSpPr txBox="1"/>
+          <p:nvPr/>
+        </p:nvSpPr>
+        <p:spPr>
+          <a:xfrm>
+            <a:off x="7318369" y="1821418"/>
+            <a:ext cx="620683" cy="246221"/>
+          </a:xfrm>
+          <a:prstGeom prst="rect">
+            <a:avLst/>
+          </a:prstGeom>
+          <a:noFill/>
+        </p:spPr>
+        <p:txBody>
+          <a:bodyPr wrap="none" rtlCol="0">
+            <a:spAutoFit/>
+          </a:bodyPr>
+          <a:lstStyle/>
+          <a:p>
+            <a:r>
+              <a:rPr lang="en-US" sz="1000" dirty="0"/>
+              <a:t>original</a:t>
+            </a:r>
+          </a:p>
+        </p:txBody>
+      </p:sp>
+      <p:sp>
+        <p:nvSpPr>
+          <p:cNvPr id="4" name="TextBox 3">
+            <a:extLst>
+              <a:ext uri="{FF2B5EF4-FFF2-40B4-BE49-F238E27FC236}">
+                <a16:creationId xmlns:a16="http://schemas.microsoft.com/office/drawing/2014/main" id="{19F52C29-1A1E-AF5B-C75A-C712FA23CE2F}"/>
+              </a:ext>
+            </a:extLst>
+          </p:cNvPr>
+          <p:cNvSpPr txBox="1"/>
+          <p:nvPr/>
+        </p:nvSpPr>
+        <p:spPr>
+          <a:xfrm>
+            <a:off x="7318369" y="1986836"/>
+            <a:ext cx="849913" cy="246221"/>
+          </a:xfrm>
+          <a:prstGeom prst="rect">
+            <a:avLst/>
+          </a:prstGeom>
+          <a:noFill/>
+        </p:spPr>
+        <p:txBody>
+          <a:bodyPr wrap="none" rtlCol="0">
+            <a:spAutoFit/>
+          </a:bodyPr>
+          <a:lstStyle/>
+          <a:p>
+            <a:r>
+              <a:rPr lang="en-US" sz="1000" dirty="0"/>
+              <a:t>S-G filtered</a:t>
+            </a:r>
+          </a:p>
+        </p:txBody>
+      </p:sp>
+    </p:spTree>
+    <p:extLst>
+      <p:ext uri="{BB962C8B-B14F-4D97-AF65-F5344CB8AC3E}">
+        <p14:creationId xmlns:p14="http://schemas.microsoft.com/office/powerpoint/2010/main" val="1494728013"/>
       </p:ext>
     </p:extLst>
   </p:cSld>
@@ -5213,7 +6202,7 @@
   <a:extraClrSchemeLst/>
   <a:extLst>
     <a:ext uri="{05A4C25C-085E-4340-85A3-A5531E510DB2}">
-      <thm15:themeFamily xmlns:thm15="http://schemas.microsoft.com/office/thememl/2012/main" xmlns="" name="Office Theme" id="{62F939B6-93AF-4DB8-9C6B-D6C7DFDC589F}" vid="{4A3C46E8-61CC-4603-A589-7422A47A8E4A}"/>
+      <thm15:themeFamily xmlns:thm15="http://schemas.microsoft.com/office/thememl/2012/main" name="Office Theme" id="{62F939B6-93AF-4DB8-9C6B-D6C7DFDC589F}" vid="{4A3C46E8-61CC-4603-A589-7422A47A8E4A}"/>
     </a:ext>
   </a:extLst>
 </a:theme>
